--- a/캡스톤디자인발표.pptx
+++ b/캡스톤디자인발표.pptx
@@ -6,8 +6,13 @@
   </p:sldMasterIdLst>
   <p:sldIdLst>
     <p:sldId id="256" r:id="rId2"/>
-    <p:sldId id="257" r:id="rId3"/>
-    <p:sldId id="258" r:id="rId4"/>
+    <p:sldId id="258" r:id="rId3"/>
+    <p:sldId id="261" r:id="rId4"/>
+    <p:sldId id="265" r:id="rId5"/>
+    <p:sldId id="264" r:id="rId6"/>
+    <p:sldId id="262" r:id="rId7"/>
+    <p:sldId id="259" r:id="rId8"/>
+    <p:sldId id="260" r:id="rId9"/>
   </p:sldIdLst>
   <p:sldSz cx="12192000" cy="6858000"/>
   <p:notesSz cx="6858000" cy="9144000"/>
@@ -106,7 +111,16 @@
       </a:defRPr>
     </a:lvl9pPr>
   </p:defaultTextStyle>
+  <p:extLst>
+    <p:ext uri="{EFAFB233-063F-42B5-8137-9DF3F51BA10A}">
+      <p15:sldGuideLst xmlns:p15="http://schemas.microsoft.com/office/powerpoint/2012/main"/>
+    </p:ext>
+  </p:extLst>
 </p:presentation>
+</file>
+
+<file path=ppt/revisionInfo.xml><?xml version="1.0" encoding="utf-8"?>
+<p1510:revInfo xmlns:a="http://schemas.openxmlformats.org/drawingml/2006/main" xmlns:r="http://schemas.openxmlformats.org/officeDocument/2006/relationships" xmlns:p1510="http://schemas.microsoft.com/office/powerpoint/2015/10/main"/>
 </file>
 
 <file path=ppt/slideLayouts/slideLayout1.xml><?xml version="1.0" encoding="utf-8"?>
@@ -249,7 +263,7 @@
             <a:fld id="{5586B75A-687E-405C-8A0B-8D00578BA2C3}" type="datetimeFigureOut">
               <a:rPr lang="en-US" smtClean="0"/>
               <a:pPr/>
-              <a:t>9/13/2017</a:t>
+              <a:t>9/21/2017</a:t>
             </a:fld>
             <a:endParaRPr lang="en-US" dirty="0"/>
           </a:p>
@@ -462,7 +476,7 @@
             <a:fld id="{5586B75A-687E-405C-8A0B-8D00578BA2C3}" type="datetimeFigureOut">
               <a:rPr lang="en-US" smtClean="0"/>
               <a:pPr/>
-              <a:t>9/13/2017</a:t>
+              <a:t>9/21/2017</a:t>
             </a:fld>
             <a:endParaRPr lang="en-US" dirty="0"/>
           </a:p>
@@ -679,7 +693,7 @@
             <a:fld id="{5586B75A-687E-405C-8A0B-8D00578BA2C3}" type="datetimeFigureOut">
               <a:rPr lang="en-US" smtClean="0"/>
               <a:pPr/>
-              <a:t>9/13/2017</a:t>
+              <a:t>9/21/2017</a:t>
             </a:fld>
             <a:endParaRPr lang="en-US" dirty="0"/>
           </a:p>
@@ -882,7 +896,7 @@
             <a:fld id="{5586B75A-687E-405C-8A0B-8D00578BA2C3}" type="datetimeFigureOut">
               <a:rPr lang="en-US" smtClean="0"/>
               <a:pPr/>
-              <a:t>9/13/2017</a:t>
+              <a:t>9/21/2017</a:t>
             </a:fld>
             <a:endParaRPr lang="en-US" dirty="0"/>
           </a:p>
@@ -1163,7 +1177,7 @@
             <a:fld id="{5586B75A-687E-405C-8A0B-8D00578BA2C3}" type="datetimeFigureOut">
               <a:rPr lang="en-US" smtClean="0"/>
               <a:pPr/>
-              <a:t>9/13/2017</a:t>
+              <a:t>9/21/2017</a:t>
             </a:fld>
             <a:endParaRPr lang="en-US" dirty="0"/>
           </a:p>
@@ -1433,7 +1447,7 @@
             <a:fld id="{5586B75A-687E-405C-8A0B-8D00578BA2C3}" type="datetimeFigureOut">
               <a:rPr lang="en-US" smtClean="0"/>
               <a:pPr/>
-              <a:t>9/13/2017</a:t>
+              <a:t>9/21/2017</a:t>
             </a:fld>
             <a:endParaRPr lang="en-US" dirty="0"/>
           </a:p>
@@ -1851,7 +1865,7 @@
             <a:fld id="{5586B75A-687E-405C-8A0B-8D00578BA2C3}" type="datetimeFigureOut">
               <a:rPr lang="en-US" smtClean="0"/>
               <a:pPr/>
-              <a:t>9/13/2017</a:t>
+              <a:t>9/21/2017</a:t>
             </a:fld>
             <a:endParaRPr lang="en-US" dirty="0"/>
           </a:p>
@@ -2002,7 +2016,7 @@
             <a:fld id="{5586B75A-687E-405C-8A0B-8D00578BA2C3}" type="datetimeFigureOut">
               <a:rPr lang="en-US" smtClean="0"/>
               <a:pPr/>
-              <a:t>9/13/2017</a:t>
+              <a:t>9/21/2017</a:t>
             </a:fld>
             <a:endParaRPr lang="en-US" dirty="0"/>
           </a:p>
@@ -2130,7 +2144,7 @@
             <a:fld id="{5586B75A-687E-405C-8A0B-8D00578BA2C3}" type="datetimeFigureOut">
               <a:rPr lang="en-US" smtClean="0"/>
               <a:pPr/>
-              <a:t>9/13/2017</a:t>
+              <a:t>9/21/2017</a:t>
             </a:fld>
             <a:endParaRPr lang="en-US" dirty="0"/>
           </a:p>
@@ -2383,7 +2397,7 @@
             <a:fld id="{5586B75A-687E-405C-8A0B-8D00578BA2C3}" type="datetimeFigureOut">
               <a:rPr lang="en-US" smtClean="0"/>
               <a:pPr/>
-              <a:t>9/13/2017</a:t>
+              <a:t>9/21/2017</a:t>
             </a:fld>
             <a:endParaRPr lang="en-US" dirty="0"/>
           </a:p>
@@ -2830,7 +2844,7 @@
             <a:fld id="{5586B75A-687E-405C-8A0B-8D00578BA2C3}" type="datetimeFigureOut">
               <a:rPr lang="en-US" smtClean="0"/>
               <a:pPr/>
-              <a:t>9/13/2017</a:t>
+              <a:t>9/21/2017</a:t>
             </a:fld>
             <a:endParaRPr lang="en-US" dirty="0"/>
           </a:p>
@@ -3158,7 +3172,7 @@
             <a:fld id="{5586B75A-687E-405C-8A0B-8D00578BA2C3}" type="datetimeFigureOut">
               <a:rPr lang="en-US" smtClean="0"/>
               <a:pPr/>
-              <a:t>9/13/2017</a:t>
+              <a:t>9/21/2017</a:t>
             </a:fld>
             <a:endParaRPr lang="en-US" dirty="0"/>
           </a:p>
@@ -3749,7 +3763,7 @@
           <p:cNvPr id="2" name="제목 1">
             <a:extLst>
               <a:ext uri="{FF2B5EF4-FFF2-40B4-BE49-F238E27FC236}">
-                <a16:creationId xmlns:a16="http://schemas.microsoft.com/office/drawing/2014/main" id="{98AAAA4F-2F1A-4660-A65A-618845084E9D}"/>
+                <a16:creationId xmlns:a16="http://schemas.microsoft.com/office/drawing/2014/main" id="{E7E29B15-BD08-4688-B649-6836E8C6C3AC}"/>
               </a:ext>
             </a:extLst>
           </p:cNvPr>
@@ -3767,136 +3781,296 @@
           <a:p>
             <a:r>
               <a:rPr lang="ko-KR" altLang="en-US" dirty="0"/>
-              <a:t>문제 제기</a:t>
-            </a:r>
-          </a:p>
-        </p:txBody>
-      </p:sp>
-      <p:sp>
-        <p:nvSpPr>
-          <p:cNvPr id="3" name="내용 개체 틀 2">
+              <a:t>지난 아이디어 개선 </a:t>
+            </a:r>
+          </a:p>
+        </p:txBody>
+      </p:sp>
+      <p:sp>
+        <p:nvSpPr>
+          <p:cNvPr id="9" name="내용 개체 틀 2">
             <a:extLst>
               <a:ext uri="{FF2B5EF4-FFF2-40B4-BE49-F238E27FC236}">
-                <a16:creationId xmlns:a16="http://schemas.microsoft.com/office/drawing/2014/main" id="{8C95E1F1-AA7D-4D45-81AF-87E03AAC9097}"/>
+                <a16:creationId xmlns:a16="http://schemas.microsoft.com/office/drawing/2014/main" id="{5647755A-61AE-495E-AE6D-C8FE4D974240}"/>
               </a:ext>
             </a:extLst>
           </p:cNvPr>
-          <p:cNvSpPr>
-            <a:spLocks noGrp="1"/>
-          </p:cNvSpPr>
-          <p:nvPr>
-            <p:ph idx="1"/>
-          </p:nvPr>
-        </p:nvSpPr>
-        <p:spPr/>
-        <p:txBody>
-          <a:bodyPr/>
-          <a:lstStyle/>
-          <a:p>
-            <a:r>
-              <a:rPr lang="ko-KR" altLang="en-US" dirty="0"/>
-              <a:t>터치가 되는 큰 디스플레이는 가격이 비싸다</a:t>
-            </a:r>
-            <a:r>
-              <a:rPr lang="en-US" altLang="ko-KR" dirty="0"/>
-              <a:t>.</a:t>
-            </a:r>
-            <a:r>
-              <a:rPr lang="ko-KR" altLang="en-US" dirty="0"/>
-              <a:t> </a:t>
-            </a:r>
-            <a:endParaRPr lang="en-US" altLang="ko-KR" dirty="0"/>
-          </a:p>
-          <a:p>
-            <a:endParaRPr lang="en-US" altLang="ko-KR" dirty="0"/>
-          </a:p>
-          <a:p>
-            <a:r>
-              <a:rPr lang="ko-KR" altLang="en-US" dirty="0"/>
-              <a:t>일반 모니터에서도 터치를 이용하고 싶다</a:t>
-            </a:r>
-            <a:r>
-              <a:rPr lang="en-US" altLang="ko-KR" dirty="0"/>
-              <a:t>.</a:t>
-            </a:r>
-            <a:r>
-              <a:rPr lang="ko-KR" altLang="en-US" dirty="0"/>
-              <a:t> </a:t>
-            </a:r>
-            <a:endParaRPr lang="en-US" altLang="ko-KR" dirty="0"/>
-          </a:p>
-          <a:p>
-            <a:endParaRPr lang="en-US" altLang="ko-KR" dirty="0"/>
-          </a:p>
-          <a:p>
-            <a:r>
-              <a:rPr lang="ko-KR" altLang="en-US" dirty="0"/>
-              <a:t>빔프로젝트에서도 터치 기능을  이용하고 싶다</a:t>
-            </a:r>
-            <a:endParaRPr lang="en-US" altLang="ko-KR" dirty="0"/>
-          </a:p>
-          <a:p>
-            <a:pPr marL="0" indent="0">
-              <a:buNone/>
-            </a:pPr>
-            <a:r>
-              <a:rPr lang="en-US" altLang="ko-KR" dirty="0"/>
-              <a:t> </a:t>
-            </a:r>
-          </a:p>
-        </p:txBody>
-      </p:sp>
-      <p:pic>
-        <p:nvPicPr>
-          <p:cNvPr id="2050" name="Picture 2" descr="http://pds10.egloos.com/pds/200809/20/58/a0013258_48d3d3b707e69.jpg">
-            <a:extLst>
-              <a:ext uri="{FF2B5EF4-FFF2-40B4-BE49-F238E27FC236}">
-                <a16:creationId xmlns:a16="http://schemas.microsoft.com/office/drawing/2014/main" id="{7D81322F-C50E-44AE-A085-C52B7F91A0A9}"/>
-              </a:ext>
-            </a:extLst>
-          </p:cNvPr>
-          <p:cNvPicPr>
-            <a:picLocks noChangeAspect="1" noChangeArrowheads="1"/>
-          </p:cNvPicPr>
+          <p:cNvSpPr txBox="1">
+            <a:spLocks/>
+          </p:cNvSpPr>
           <p:nvPr/>
-        </p:nvPicPr>
-        <p:blipFill>
-          <a:blip r:embed="rId2">
-            <a:extLst>
-              <a:ext uri="{28A0092B-C50C-407E-A947-70E740481C1C}">
-                <a14:useLocalDpi xmlns:a14="http://schemas.microsoft.com/office/drawing/2010/main" val="0"/>
-              </a:ext>
-            </a:extLst>
-          </a:blip>
-          <a:srcRect/>
-          <a:stretch>
-            <a:fillRect/>
-          </a:stretch>
-        </p:blipFill>
-        <p:spPr bwMode="auto">
+        </p:nvSpPr>
+        <p:spPr>
           <a:xfrm>
-            <a:off x="7161334" y="2015732"/>
-            <a:ext cx="4762500" cy="3181350"/>
+            <a:off x="1451578" y="2294064"/>
+            <a:ext cx="9603275" cy="3450613"/>
           </a:xfrm>
           <a:prstGeom prst="rect">
             <a:avLst/>
           </a:prstGeom>
-          <a:noFill/>
-          <a:extLst>
-            <a:ext uri="{909E8E84-426E-40DD-AFC4-6F175D3DCCD1}">
-              <a14:hiddenFill xmlns:a14="http://schemas.microsoft.com/office/drawing/2010/main">
-                <a:solidFill>
-                  <a:srgbClr val="FFFFFF"/>
-                </a:solidFill>
-              </a14:hiddenFill>
-            </a:ext>
-          </a:extLst>
         </p:spPr>
-      </p:pic>
+        <p:txBody>
+          <a:bodyPr vert="horz" lIns="91440" tIns="45720" rIns="91440" bIns="45720" rtlCol="0" anchor="t">
+            <a:normAutofit/>
+          </a:bodyPr>
+          <a:lstStyle>
+            <a:lvl1pPr marL="228600" indent="-228600" algn="l" defTabSz="914400" rtl="0" eaLnBrk="1" latinLnBrk="1" hangingPunct="1">
+              <a:lnSpc>
+                <a:spcPct val="120000"/>
+              </a:lnSpc>
+              <a:spcBef>
+                <a:spcPts val="1000"/>
+              </a:spcBef>
+              <a:buClr>
+                <a:schemeClr val="accent1"/>
+              </a:buClr>
+              <a:buSzPct val="100000"/>
+              <a:buFont typeface="Arial" panose="020B0604020202020204" pitchFamily="34" charset="0"/>
+              <a:buChar char="•"/>
+              <a:defRPr sz="2000" kern="1200">
+                <a:solidFill>
+                  <a:schemeClr val="tx1"/>
+                </a:solidFill>
+                <a:effectLst/>
+                <a:latin typeface="+mn-lt"/>
+                <a:ea typeface="+mn-ea"/>
+                <a:cs typeface="+mn-cs"/>
+              </a:defRPr>
+            </a:lvl1pPr>
+            <a:lvl2pPr marL="685800" indent="-228600" algn="l" defTabSz="914400" rtl="0" eaLnBrk="1" latinLnBrk="1" hangingPunct="1">
+              <a:lnSpc>
+                <a:spcPct val="120000"/>
+              </a:lnSpc>
+              <a:spcBef>
+                <a:spcPts val="500"/>
+              </a:spcBef>
+              <a:buClr>
+                <a:schemeClr val="accent1"/>
+              </a:buClr>
+              <a:buSzPct val="100000"/>
+              <a:buFont typeface="Arial" panose="020B0604020202020204" pitchFamily="34" charset="0"/>
+              <a:buChar char="•"/>
+              <a:defRPr sz="1800" kern="1200" cap="none" baseline="0">
+                <a:solidFill>
+                  <a:schemeClr val="tx1"/>
+                </a:solidFill>
+                <a:effectLst/>
+                <a:latin typeface="+mn-lt"/>
+                <a:ea typeface="+mn-ea"/>
+                <a:cs typeface="+mn-cs"/>
+              </a:defRPr>
+            </a:lvl2pPr>
+            <a:lvl3pPr marL="1143000" indent="-228600" algn="l" defTabSz="914400" rtl="0" eaLnBrk="1" latinLnBrk="1" hangingPunct="1">
+              <a:lnSpc>
+                <a:spcPct val="120000"/>
+              </a:lnSpc>
+              <a:spcBef>
+                <a:spcPts val="500"/>
+              </a:spcBef>
+              <a:buClr>
+                <a:schemeClr val="accent1"/>
+              </a:buClr>
+              <a:buSzPct val="100000"/>
+              <a:buFont typeface="Arial" panose="020B0604020202020204" pitchFamily="34" charset="0"/>
+              <a:buChar char="•"/>
+              <a:defRPr sz="1600" kern="1200">
+                <a:solidFill>
+                  <a:schemeClr val="tx1"/>
+                </a:solidFill>
+                <a:effectLst/>
+                <a:latin typeface="+mn-lt"/>
+                <a:ea typeface="+mn-ea"/>
+                <a:cs typeface="+mn-cs"/>
+              </a:defRPr>
+            </a:lvl3pPr>
+            <a:lvl4pPr marL="1600200" indent="-228600" algn="l" defTabSz="914400" rtl="0" eaLnBrk="1" latinLnBrk="1" hangingPunct="1">
+              <a:lnSpc>
+                <a:spcPct val="120000"/>
+              </a:lnSpc>
+              <a:spcBef>
+                <a:spcPts val="500"/>
+              </a:spcBef>
+              <a:buClr>
+                <a:schemeClr val="accent1"/>
+              </a:buClr>
+              <a:buSzPct val="100000"/>
+              <a:buFont typeface="Arial" panose="020B0604020202020204" pitchFamily="34" charset="0"/>
+              <a:buChar char="•"/>
+              <a:defRPr sz="1400" kern="1200" cap="none" baseline="0">
+                <a:solidFill>
+                  <a:schemeClr val="tx1"/>
+                </a:solidFill>
+                <a:effectLst/>
+                <a:latin typeface="+mn-lt"/>
+                <a:ea typeface="+mn-ea"/>
+                <a:cs typeface="+mn-cs"/>
+              </a:defRPr>
+            </a:lvl4pPr>
+            <a:lvl5pPr marL="2057400" indent="-228600" algn="l" defTabSz="914400" rtl="0" eaLnBrk="1" latinLnBrk="1" hangingPunct="1">
+              <a:lnSpc>
+                <a:spcPct val="120000"/>
+              </a:lnSpc>
+              <a:spcBef>
+                <a:spcPts val="500"/>
+              </a:spcBef>
+              <a:buClr>
+                <a:schemeClr val="accent1"/>
+              </a:buClr>
+              <a:buSzPct val="100000"/>
+              <a:buFont typeface="Arial" panose="020B0604020202020204" pitchFamily="34" charset="0"/>
+              <a:buChar char="•"/>
+              <a:defRPr sz="1200" kern="1200">
+                <a:solidFill>
+                  <a:schemeClr val="tx1"/>
+                </a:solidFill>
+                <a:effectLst/>
+                <a:latin typeface="+mn-lt"/>
+                <a:ea typeface="+mn-ea"/>
+                <a:cs typeface="+mn-cs"/>
+              </a:defRPr>
+            </a:lvl5pPr>
+            <a:lvl6pPr marL="2514600" indent="-228600" algn="l" defTabSz="914400" rtl="0" eaLnBrk="1" latinLnBrk="1" hangingPunct="1">
+              <a:lnSpc>
+                <a:spcPct val="120000"/>
+              </a:lnSpc>
+              <a:spcBef>
+                <a:spcPts val="500"/>
+              </a:spcBef>
+              <a:buClr>
+                <a:schemeClr val="accent1"/>
+              </a:buClr>
+              <a:buSzPct val="100000"/>
+              <a:buFont typeface="Arial" panose="020B0604020202020204" pitchFamily="34" charset="0"/>
+              <a:buChar char="•"/>
+              <a:defRPr sz="1200" kern="1200">
+                <a:solidFill>
+                  <a:schemeClr val="tx1"/>
+                </a:solidFill>
+                <a:effectLst/>
+                <a:latin typeface="+mn-lt"/>
+                <a:ea typeface="+mn-ea"/>
+                <a:cs typeface="+mn-cs"/>
+              </a:defRPr>
+            </a:lvl6pPr>
+            <a:lvl7pPr marL="2971800" indent="-228600" algn="l" defTabSz="914400" rtl="0" eaLnBrk="1" latinLnBrk="1" hangingPunct="1">
+              <a:lnSpc>
+                <a:spcPct val="120000"/>
+              </a:lnSpc>
+              <a:spcBef>
+                <a:spcPts val="500"/>
+              </a:spcBef>
+              <a:buClr>
+                <a:schemeClr val="accent1"/>
+              </a:buClr>
+              <a:buSzPct val="100000"/>
+              <a:buFont typeface="Arial" panose="020B0604020202020204" pitchFamily="34" charset="0"/>
+              <a:buChar char="•"/>
+              <a:defRPr sz="1200" kern="1200">
+                <a:solidFill>
+                  <a:schemeClr val="tx1"/>
+                </a:solidFill>
+                <a:effectLst/>
+                <a:latin typeface="+mn-lt"/>
+                <a:ea typeface="+mn-ea"/>
+                <a:cs typeface="+mn-cs"/>
+              </a:defRPr>
+            </a:lvl7pPr>
+            <a:lvl8pPr marL="3429000" indent="-228600" algn="l" defTabSz="914400" rtl="0" eaLnBrk="1" latinLnBrk="1" hangingPunct="1">
+              <a:lnSpc>
+                <a:spcPct val="120000"/>
+              </a:lnSpc>
+              <a:spcBef>
+                <a:spcPts val="500"/>
+              </a:spcBef>
+              <a:buClr>
+                <a:schemeClr val="accent1"/>
+              </a:buClr>
+              <a:buSzPct val="100000"/>
+              <a:buFont typeface="Arial" panose="020B0604020202020204" pitchFamily="34" charset="0"/>
+              <a:buChar char="•"/>
+              <a:defRPr sz="1200" kern="1200" baseline="0">
+                <a:solidFill>
+                  <a:schemeClr val="tx1"/>
+                </a:solidFill>
+                <a:effectLst/>
+                <a:latin typeface="+mn-lt"/>
+                <a:ea typeface="+mn-ea"/>
+                <a:cs typeface="+mn-cs"/>
+              </a:defRPr>
+            </a:lvl8pPr>
+            <a:lvl9pPr marL="3886200" indent="-228600" algn="l" defTabSz="914400" rtl="0" eaLnBrk="1" latinLnBrk="1" hangingPunct="1">
+              <a:lnSpc>
+                <a:spcPct val="120000"/>
+              </a:lnSpc>
+              <a:spcBef>
+                <a:spcPts val="500"/>
+              </a:spcBef>
+              <a:buClr>
+                <a:schemeClr val="accent1"/>
+              </a:buClr>
+              <a:buSzPct val="100000"/>
+              <a:buFont typeface="Arial" panose="020B0604020202020204" pitchFamily="34" charset="0"/>
+              <a:buChar char="•"/>
+              <a:defRPr sz="1200" kern="1200" baseline="0">
+                <a:solidFill>
+                  <a:schemeClr val="tx1"/>
+                </a:solidFill>
+                <a:effectLst/>
+                <a:latin typeface="+mn-lt"/>
+                <a:ea typeface="+mn-ea"/>
+                <a:cs typeface="+mn-cs"/>
+              </a:defRPr>
+            </a:lvl9pPr>
+          </a:lstStyle>
+          <a:p>
+            <a:r>
+              <a:rPr lang="ko-KR" altLang="en-US" dirty="0"/>
+              <a:t>터치 스크린이 아닌 화면이나 빔프로젝트 스크린에서도 터치를 사용하고 싶다</a:t>
+            </a:r>
+            <a:r>
+              <a:rPr lang="en-US" altLang="ko-KR" dirty="0"/>
+              <a:t>.</a:t>
+            </a:r>
+          </a:p>
+          <a:p>
+            <a:endParaRPr lang="en-US" altLang="ko-KR" dirty="0"/>
+          </a:p>
+          <a:p>
+            <a:r>
+              <a:rPr lang="ko-KR" altLang="en-US" dirty="0"/>
+              <a:t>화면 크기에 상관없이 모든 화면에 대응할 수 있는 것을 목표</a:t>
+            </a:r>
+            <a:endParaRPr lang="en-US" altLang="ko-KR" dirty="0"/>
+          </a:p>
+          <a:p>
+            <a:endParaRPr lang="en-US" altLang="ko-KR" dirty="0"/>
+          </a:p>
+          <a:p>
+            <a:r>
+              <a:rPr lang="ko-KR" altLang="en-US" dirty="0"/>
+              <a:t>구현하기 위해서는 손의 위치를 추정할 수 있는 방법이 필요</a:t>
+            </a:r>
+            <a:endParaRPr lang="en-US" altLang="ko-KR" dirty="0"/>
+          </a:p>
+          <a:p>
+            <a:endParaRPr lang="en-US" altLang="ko-KR" dirty="0"/>
+          </a:p>
+          <a:p>
+            <a:r>
+              <a:rPr lang="ko-KR" altLang="en-US" dirty="0"/>
+              <a:t>거리를 측정할 방법을 생각해 보았습니다</a:t>
+            </a:r>
+            <a:r>
+              <a:rPr lang="en-US" altLang="ko-KR" dirty="0"/>
+              <a:t>.</a:t>
+            </a:r>
+          </a:p>
+        </p:txBody>
+      </p:sp>
     </p:spTree>
     <p:extLst>
       <p:ext uri="{BB962C8B-B14F-4D97-AF65-F5344CB8AC3E}">
-        <p14:creationId xmlns:p14="http://schemas.microsoft.com/office/powerpoint/2010/main" val="690984386"/>
+        <p14:creationId xmlns:p14="http://schemas.microsoft.com/office/powerpoint/2010/main" val="774464304"/>
       </p:ext>
     </p:extLst>
   </p:cSld>
@@ -3923,6 +4097,231 @@
           <a:chExt cx="0" cy="0"/>
         </a:xfrm>
       </p:grpSpPr>
+      <p:grpSp>
+        <p:nvGrpSpPr>
+          <p:cNvPr id="55" name="Group 54">
+            <a:extLst>
+              <a:ext uri="{FF2B5EF4-FFF2-40B4-BE49-F238E27FC236}">
+                <a16:creationId xmlns:a16="http://schemas.microsoft.com/office/drawing/2014/main" id="{ADB18E6F-FE38-40D0-A2EC-DB2E37F04189}"/>
+              </a:ext>
+            </a:extLst>
+          </p:cNvPr>
+          <p:cNvGrpSpPr>
+            <a:grpSpLocks noGrp="1" noUngrp="1" noRot="1" noChangeAspect="1" noMove="1" noResize="1"/>
+          </p:cNvGrpSpPr>
+          <p:nvPr>
+            <p:extLst>
+              <p:ext uri="{386F3935-93C4-4BCD-93E2-E3B085C9AB24}">
+                <p16:designElem xmlns:p16="http://schemas.microsoft.com/office/powerpoint/2015/main" val="1"/>
+              </p:ext>
+            </p:extLst>
+          </p:nvPr>
+        </p:nvGrpSpPr>
+        <p:grpSpPr>
+          <a:xfrm>
+            <a:off x="1446399" y="2012810"/>
+            <a:ext cx="3413507" cy="3459865"/>
+            <a:chOff x="7630846" y="2123762"/>
+            <a:chExt cx="3413507" cy="3481923"/>
+          </a:xfrm>
+        </p:grpSpPr>
+        <p:sp>
+          <p:nvSpPr>
+            <p:cNvPr id="56" name="Rectangle 55">
+              <a:extLst/>
+            </p:cNvPr>
+            <p:cNvSpPr/>
+            <p:nvPr>
+              <p:extLst>
+                <p:ext uri="{386F3935-93C4-4BCD-93E2-E3B085C9AB24}">
+                  <p16:designElem xmlns:p16="http://schemas.microsoft.com/office/powerpoint/2015/main" val="1"/>
+                </p:ext>
+              </p:extLst>
+            </p:nvPr>
+          </p:nvSpPr>
+          <p:spPr>
+            <a:xfrm>
+              <a:off x="7630846" y="2123762"/>
+              <a:ext cx="3413507" cy="3481923"/>
+            </a:xfrm>
+            <a:prstGeom prst="rect">
+              <a:avLst/>
+            </a:prstGeom>
+            <a:gradFill>
+              <a:gsLst>
+                <a:gs pos="0">
+                  <a:srgbClr val="000001"/>
+                </a:gs>
+                <a:gs pos="100000">
+                  <a:srgbClr val="191919"/>
+                </a:gs>
+              </a:gsLst>
+            </a:gradFill>
+            <a:ln w="76200" cmpd="sng">
+              <a:noFill/>
+              <a:miter lim="800000"/>
+            </a:ln>
+            <a:effectLst>
+              <a:outerShdw blurRad="127000" dist="228600" dir="4740000" sx="98000" sy="98000" algn="tl" rotWithShape="0">
+                <a:srgbClr val="000000">
+                  <a:alpha val="34000"/>
+                </a:srgbClr>
+              </a:outerShdw>
+            </a:effectLst>
+            <a:scene3d>
+              <a:camera prst="orthographicFront"/>
+              <a:lightRig rig="threePt" dir="t"/>
+            </a:scene3d>
+            <a:sp3d>
+              <a:bevelT w="152400" h="50800" prst="softRound"/>
+            </a:sp3d>
+          </p:spPr>
+          <p:style>
+            <a:lnRef idx="1">
+              <a:schemeClr val="accent1"/>
+            </a:lnRef>
+            <a:fillRef idx="3">
+              <a:schemeClr val="accent1"/>
+            </a:fillRef>
+            <a:effectRef idx="2">
+              <a:schemeClr val="accent1"/>
+            </a:effectRef>
+            <a:fontRef idx="minor">
+              <a:schemeClr val="lt1"/>
+            </a:fontRef>
+          </p:style>
+          <p:txBody>
+            <a:bodyPr rtlCol="0" anchor="ctr"/>
+            <a:lstStyle/>
+            <a:p>
+              <a:pPr algn="ctr"/>
+              <a:endParaRPr lang="en-US"/>
+            </a:p>
+          </p:txBody>
+        </p:sp>
+        <p:sp>
+          <p:nvSpPr>
+            <p:cNvPr id="57" name="Rectangle 56">
+              <a:extLst/>
+            </p:cNvPr>
+            <p:cNvSpPr/>
+            <p:nvPr>
+              <p:extLst>
+                <p:ext uri="{386F3935-93C4-4BCD-93E2-E3B085C9AB24}">
+                  <p16:designElem xmlns:p16="http://schemas.microsoft.com/office/powerpoint/2015/main" val="1"/>
+                </p:ext>
+              </p:extLst>
+            </p:nvPr>
+          </p:nvSpPr>
+          <p:spPr>
+            <a:xfrm>
+              <a:off x="7779809" y="2294169"/>
+              <a:ext cx="3100817" cy="3149963"/>
+            </a:xfrm>
+            <a:prstGeom prst="rect">
+              <a:avLst/>
+            </a:prstGeom>
+            <a:gradFill>
+              <a:gsLst>
+                <a:gs pos="0">
+                  <a:srgbClr val="DADADA"/>
+                </a:gs>
+                <a:gs pos="100000">
+                  <a:srgbClr val="FFFFFE"/>
+                </a:gs>
+              </a:gsLst>
+              <a:lin ang="16200000" scaled="0"/>
+            </a:gradFill>
+            <a:ln w="50800" cmpd="sng">
+              <a:solidFill>
+                <a:srgbClr val="191919"/>
+              </a:solidFill>
+              <a:miter lim="800000"/>
+            </a:ln>
+            <a:effectLst>
+              <a:innerShdw blurRad="63500" dist="88900" dir="14100000">
+                <a:srgbClr val="000000">
+                  <a:alpha val="30000"/>
+                </a:srgbClr>
+              </a:innerShdw>
+            </a:effectLst>
+            <a:scene3d>
+              <a:camera prst="orthographicFront"/>
+              <a:lightRig rig="threePt" dir="t"/>
+            </a:scene3d>
+            <a:sp3d>
+              <a:bevelT prst="relaxedInset"/>
+            </a:sp3d>
+          </p:spPr>
+          <p:style>
+            <a:lnRef idx="1">
+              <a:schemeClr val="accent1"/>
+            </a:lnRef>
+            <a:fillRef idx="3">
+              <a:schemeClr val="accent1"/>
+            </a:fillRef>
+            <a:effectRef idx="2">
+              <a:schemeClr val="accent1"/>
+            </a:effectRef>
+            <a:fontRef idx="minor">
+              <a:schemeClr val="lt1"/>
+            </a:fontRef>
+          </p:style>
+          <p:txBody>
+            <a:bodyPr rtlCol="0" anchor="ctr"/>
+            <a:lstStyle/>
+            <a:p>
+              <a:pPr algn="ctr"/>
+              <a:endParaRPr lang="en-US"/>
+            </a:p>
+          </p:txBody>
+        </p:sp>
+      </p:grpSp>
+      <p:pic>
+        <p:nvPicPr>
+          <p:cNvPr id="50" name="Picture 4" descr="http://cfile21.uf.tistory.com/image/236F934B565ECF2A24116C">
+            <a:extLst>
+              <a:ext uri="{FF2B5EF4-FFF2-40B4-BE49-F238E27FC236}">
+                <a16:creationId xmlns:a16="http://schemas.microsoft.com/office/drawing/2014/main" id="{ACABA598-40A8-493E-A048-286A5A2FBAFD}"/>
+              </a:ext>
+            </a:extLst>
+          </p:cNvPr>
+          <p:cNvPicPr>
+            <a:picLocks noChangeAspect="1" noChangeArrowheads="1"/>
+          </p:cNvPicPr>
+          <p:nvPr/>
+        </p:nvPicPr>
+        <p:blipFill rotWithShape="1">
+          <a:blip r:embed="rId2">
+            <a:extLst>
+              <a:ext uri="{28A0092B-C50C-407E-A947-70E740481C1C}">
+                <a14:useLocalDpi xmlns:a14="http://schemas.microsoft.com/office/drawing/2010/main" val="0"/>
+              </a:ext>
+            </a:extLst>
+          </a:blip>
+          <a:srcRect l="6324"/>
+          <a:stretch/>
+        </p:blipFill>
+        <p:spPr bwMode="auto">
+          <a:xfrm>
+            <a:off x="1762012" y="2322814"/>
+            <a:ext cx="2782280" cy="2836452"/>
+          </a:xfrm>
+          <a:prstGeom prst="rect">
+            <a:avLst/>
+          </a:prstGeom>
+          <a:noFill/>
+          <a:extLst>
+            <a:ext uri="{909E8E84-426E-40DD-AFC4-6F175D3DCCD1}">
+              <a14:hiddenFill xmlns:a14="http://schemas.microsoft.com/office/drawing/2010/main">
+                <a:solidFill>
+                  <a:srgbClr val="FFFFFF"/>
+                </a:solidFill>
+              </a14:hiddenFill>
+            </a:ext>
+          </a:extLst>
+        </p:spPr>
+      </p:pic>
       <p:sp>
         <p:nvSpPr>
           <p:cNvPr id="2" name="제목 1">
@@ -3939,33 +4338,350 @@
             <p:ph type="title"/>
           </p:nvPr>
         </p:nvSpPr>
-        <p:spPr/>
-        <p:txBody>
-          <a:bodyPr/>
+        <p:spPr>
+          <a:xfrm>
+            <a:off x="1451579" y="804519"/>
+            <a:ext cx="9603275" cy="1049235"/>
+          </a:xfrm>
+        </p:spPr>
+        <p:txBody>
+          <a:bodyPr vert="horz" lIns="91440" tIns="45720" rIns="91440" bIns="45720" rtlCol="0" anchor="t">
+            <a:normAutofit/>
+          </a:bodyPr>
           <a:lstStyle/>
           <a:p>
+            <a:pPr latinLnBrk="0"/>
             <a:r>
               <a:rPr lang="ko-KR" altLang="en-US" dirty="0"/>
-              <a:t>생각한 아이디어 </a:t>
-            </a:r>
-          </a:p>
-        </p:txBody>
-      </p:sp>
+              <a:t>전파 강도를 이용한 거리 인식 방법</a:t>
+            </a:r>
+          </a:p>
+        </p:txBody>
+      </p:sp>
+      <p:sp>
+        <p:nvSpPr>
+          <p:cNvPr id="9" name="내용 개체 틀 2">
+            <a:extLst>
+              <a:ext uri="{FF2B5EF4-FFF2-40B4-BE49-F238E27FC236}">
+                <a16:creationId xmlns:a16="http://schemas.microsoft.com/office/drawing/2014/main" id="{5647755A-61AE-495E-AE6D-C8FE4D974240}"/>
+              </a:ext>
+            </a:extLst>
+          </p:cNvPr>
+          <p:cNvSpPr txBox="1">
+            <a:spLocks/>
+          </p:cNvSpPr>
+          <p:nvPr/>
+        </p:nvSpPr>
+        <p:spPr>
+          <a:xfrm>
+            <a:off x="5342122" y="2015734"/>
+            <a:ext cx="5707937" cy="3450613"/>
+          </a:xfrm>
+          <a:prstGeom prst="rect">
+            <a:avLst/>
+          </a:prstGeom>
+        </p:spPr>
+        <p:txBody>
+          <a:bodyPr vert="horz" lIns="91440" tIns="45720" rIns="91440" bIns="45720" rtlCol="0" anchor="t">
+            <a:normAutofit/>
+          </a:bodyPr>
+          <a:lstStyle>
+            <a:lvl1pPr marL="228600" indent="-228600" algn="l" defTabSz="914400" rtl="0" eaLnBrk="1" latinLnBrk="1" hangingPunct="1">
+              <a:lnSpc>
+                <a:spcPct val="120000"/>
+              </a:lnSpc>
+              <a:spcBef>
+                <a:spcPts val="1000"/>
+              </a:spcBef>
+              <a:buClr>
+                <a:schemeClr val="accent1"/>
+              </a:buClr>
+              <a:buSzPct val="100000"/>
+              <a:buFont typeface="Arial" panose="020B0604020202020204" pitchFamily="34" charset="0"/>
+              <a:buChar char="•"/>
+              <a:defRPr sz="2000" kern="1200">
+                <a:solidFill>
+                  <a:schemeClr val="tx1"/>
+                </a:solidFill>
+                <a:effectLst/>
+                <a:latin typeface="+mn-lt"/>
+                <a:ea typeface="+mn-ea"/>
+                <a:cs typeface="+mn-cs"/>
+              </a:defRPr>
+            </a:lvl1pPr>
+            <a:lvl2pPr marL="685800" indent="-228600" algn="l" defTabSz="914400" rtl="0" eaLnBrk="1" latinLnBrk="1" hangingPunct="1">
+              <a:lnSpc>
+                <a:spcPct val="120000"/>
+              </a:lnSpc>
+              <a:spcBef>
+                <a:spcPts val="500"/>
+              </a:spcBef>
+              <a:buClr>
+                <a:schemeClr val="accent1"/>
+              </a:buClr>
+              <a:buSzPct val="100000"/>
+              <a:buFont typeface="Arial" panose="020B0604020202020204" pitchFamily="34" charset="0"/>
+              <a:buChar char="•"/>
+              <a:defRPr sz="1800" kern="1200" cap="none" baseline="0">
+                <a:solidFill>
+                  <a:schemeClr val="tx1"/>
+                </a:solidFill>
+                <a:effectLst/>
+                <a:latin typeface="+mn-lt"/>
+                <a:ea typeface="+mn-ea"/>
+                <a:cs typeface="+mn-cs"/>
+              </a:defRPr>
+            </a:lvl2pPr>
+            <a:lvl3pPr marL="1143000" indent="-228600" algn="l" defTabSz="914400" rtl="0" eaLnBrk="1" latinLnBrk="1" hangingPunct="1">
+              <a:lnSpc>
+                <a:spcPct val="120000"/>
+              </a:lnSpc>
+              <a:spcBef>
+                <a:spcPts val="500"/>
+              </a:spcBef>
+              <a:buClr>
+                <a:schemeClr val="accent1"/>
+              </a:buClr>
+              <a:buSzPct val="100000"/>
+              <a:buFont typeface="Arial" panose="020B0604020202020204" pitchFamily="34" charset="0"/>
+              <a:buChar char="•"/>
+              <a:defRPr sz="1600" kern="1200">
+                <a:solidFill>
+                  <a:schemeClr val="tx1"/>
+                </a:solidFill>
+                <a:effectLst/>
+                <a:latin typeface="+mn-lt"/>
+                <a:ea typeface="+mn-ea"/>
+                <a:cs typeface="+mn-cs"/>
+              </a:defRPr>
+            </a:lvl3pPr>
+            <a:lvl4pPr marL="1600200" indent="-228600" algn="l" defTabSz="914400" rtl="0" eaLnBrk="1" latinLnBrk="1" hangingPunct="1">
+              <a:lnSpc>
+                <a:spcPct val="120000"/>
+              </a:lnSpc>
+              <a:spcBef>
+                <a:spcPts val="500"/>
+              </a:spcBef>
+              <a:buClr>
+                <a:schemeClr val="accent1"/>
+              </a:buClr>
+              <a:buSzPct val="100000"/>
+              <a:buFont typeface="Arial" panose="020B0604020202020204" pitchFamily="34" charset="0"/>
+              <a:buChar char="•"/>
+              <a:defRPr sz="1400" kern="1200" cap="none" baseline="0">
+                <a:solidFill>
+                  <a:schemeClr val="tx1"/>
+                </a:solidFill>
+                <a:effectLst/>
+                <a:latin typeface="+mn-lt"/>
+                <a:ea typeface="+mn-ea"/>
+                <a:cs typeface="+mn-cs"/>
+              </a:defRPr>
+            </a:lvl4pPr>
+            <a:lvl5pPr marL="2057400" indent="-228600" algn="l" defTabSz="914400" rtl="0" eaLnBrk="1" latinLnBrk="1" hangingPunct="1">
+              <a:lnSpc>
+                <a:spcPct val="120000"/>
+              </a:lnSpc>
+              <a:spcBef>
+                <a:spcPts val="500"/>
+              </a:spcBef>
+              <a:buClr>
+                <a:schemeClr val="accent1"/>
+              </a:buClr>
+              <a:buSzPct val="100000"/>
+              <a:buFont typeface="Arial" panose="020B0604020202020204" pitchFamily="34" charset="0"/>
+              <a:buChar char="•"/>
+              <a:defRPr sz="1200" kern="1200">
+                <a:solidFill>
+                  <a:schemeClr val="tx1"/>
+                </a:solidFill>
+                <a:effectLst/>
+                <a:latin typeface="+mn-lt"/>
+                <a:ea typeface="+mn-ea"/>
+                <a:cs typeface="+mn-cs"/>
+              </a:defRPr>
+            </a:lvl5pPr>
+            <a:lvl6pPr marL="2514600" indent="-228600" algn="l" defTabSz="914400" rtl="0" eaLnBrk="1" latinLnBrk="1" hangingPunct="1">
+              <a:lnSpc>
+                <a:spcPct val="120000"/>
+              </a:lnSpc>
+              <a:spcBef>
+                <a:spcPts val="500"/>
+              </a:spcBef>
+              <a:buClr>
+                <a:schemeClr val="accent1"/>
+              </a:buClr>
+              <a:buSzPct val="100000"/>
+              <a:buFont typeface="Arial" panose="020B0604020202020204" pitchFamily="34" charset="0"/>
+              <a:buChar char="•"/>
+              <a:defRPr sz="1200" kern="1200">
+                <a:solidFill>
+                  <a:schemeClr val="tx1"/>
+                </a:solidFill>
+                <a:effectLst/>
+                <a:latin typeface="+mn-lt"/>
+                <a:ea typeface="+mn-ea"/>
+                <a:cs typeface="+mn-cs"/>
+              </a:defRPr>
+            </a:lvl6pPr>
+            <a:lvl7pPr marL="2971800" indent="-228600" algn="l" defTabSz="914400" rtl="0" eaLnBrk="1" latinLnBrk="1" hangingPunct="1">
+              <a:lnSpc>
+                <a:spcPct val="120000"/>
+              </a:lnSpc>
+              <a:spcBef>
+                <a:spcPts val="500"/>
+              </a:spcBef>
+              <a:buClr>
+                <a:schemeClr val="accent1"/>
+              </a:buClr>
+              <a:buSzPct val="100000"/>
+              <a:buFont typeface="Arial" panose="020B0604020202020204" pitchFamily="34" charset="0"/>
+              <a:buChar char="•"/>
+              <a:defRPr sz="1200" kern="1200">
+                <a:solidFill>
+                  <a:schemeClr val="tx1"/>
+                </a:solidFill>
+                <a:effectLst/>
+                <a:latin typeface="+mn-lt"/>
+                <a:ea typeface="+mn-ea"/>
+                <a:cs typeface="+mn-cs"/>
+              </a:defRPr>
+            </a:lvl7pPr>
+            <a:lvl8pPr marL="3429000" indent="-228600" algn="l" defTabSz="914400" rtl="0" eaLnBrk="1" latinLnBrk="1" hangingPunct="1">
+              <a:lnSpc>
+                <a:spcPct val="120000"/>
+              </a:lnSpc>
+              <a:spcBef>
+                <a:spcPts val="500"/>
+              </a:spcBef>
+              <a:buClr>
+                <a:schemeClr val="accent1"/>
+              </a:buClr>
+              <a:buSzPct val="100000"/>
+              <a:buFont typeface="Arial" panose="020B0604020202020204" pitchFamily="34" charset="0"/>
+              <a:buChar char="•"/>
+              <a:defRPr sz="1200" kern="1200" baseline="0">
+                <a:solidFill>
+                  <a:schemeClr val="tx1"/>
+                </a:solidFill>
+                <a:effectLst/>
+                <a:latin typeface="+mn-lt"/>
+                <a:ea typeface="+mn-ea"/>
+                <a:cs typeface="+mn-cs"/>
+              </a:defRPr>
+            </a:lvl8pPr>
+            <a:lvl9pPr marL="3886200" indent="-228600" algn="l" defTabSz="914400" rtl="0" eaLnBrk="1" latinLnBrk="1" hangingPunct="1">
+              <a:lnSpc>
+                <a:spcPct val="120000"/>
+              </a:lnSpc>
+              <a:spcBef>
+                <a:spcPts val="500"/>
+              </a:spcBef>
+              <a:buClr>
+                <a:schemeClr val="accent1"/>
+              </a:buClr>
+              <a:buSzPct val="100000"/>
+              <a:buFont typeface="Arial" panose="020B0604020202020204" pitchFamily="34" charset="0"/>
+              <a:buChar char="•"/>
+              <a:defRPr sz="1200" kern="1200" baseline="0">
+                <a:solidFill>
+                  <a:schemeClr val="tx1"/>
+                </a:solidFill>
+                <a:effectLst/>
+                <a:latin typeface="+mn-lt"/>
+                <a:ea typeface="+mn-ea"/>
+                <a:cs typeface="+mn-cs"/>
+              </a:defRPr>
+            </a:lvl9pPr>
+          </a:lstStyle>
+          <a:p>
+            <a:pPr latinLnBrk="0"/>
+            <a:r>
+              <a:rPr lang="ko-KR" altLang="en-US" dirty="0"/>
+              <a:t>전파의 강도는   발생지로부터 멀어질 수록 감소하는 점을 이용</a:t>
+            </a:r>
+            <a:endParaRPr lang="en-US" altLang="ko-KR" dirty="0"/>
+          </a:p>
+          <a:p>
+            <a:pPr latinLnBrk="0"/>
+            <a:endParaRPr lang="en-US" altLang="ko-KR" dirty="0"/>
+          </a:p>
+          <a:p>
+            <a:pPr latinLnBrk="0"/>
+            <a:r>
+              <a:rPr lang="ko-KR" altLang="en-US" dirty="0"/>
+              <a:t>블루투스로 거리를 측정한 경우는 이미 있다</a:t>
+            </a:r>
+            <a:r>
+              <a:rPr lang="en-US" altLang="ko-KR" dirty="0"/>
+              <a:t>.</a:t>
+            </a:r>
+          </a:p>
+          <a:p>
+            <a:pPr latinLnBrk="0"/>
+            <a:endParaRPr lang="en-US" altLang="ko-KR" dirty="0"/>
+          </a:p>
+          <a:p>
+            <a:pPr latinLnBrk="0"/>
+            <a:r>
+              <a:rPr lang="ko-KR" altLang="en-US" dirty="0"/>
+              <a:t>이점을 이용해서 손까지 거리를 측정하는 방법</a:t>
+            </a:r>
+            <a:endParaRPr lang="en-US" altLang="ko-KR" dirty="0"/>
+          </a:p>
+          <a:p>
+            <a:pPr latinLnBrk="0"/>
+            <a:endParaRPr lang="en-US" altLang="ko-KR" dirty="0"/>
+          </a:p>
+          <a:p>
+            <a:pPr marL="0" latinLnBrk="0"/>
+            <a:endParaRPr lang="en-US" altLang="ko-KR" dirty="0"/>
+          </a:p>
+        </p:txBody>
+      </p:sp>
+    </p:spTree>
+    <p:extLst>
+      <p:ext uri="{BB962C8B-B14F-4D97-AF65-F5344CB8AC3E}">
+        <p14:creationId xmlns:p14="http://schemas.microsoft.com/office/powerpoint/2010/main" val="1987633886"/>
+      </p:ext>
+    </p:extLst>
+  </p:cSld>
+  <p:clrMapOvr>
+    <a:masterClrMapping/>
+  </p:clrMapOvr>
+</p:sld>
+</file>
+
+<file path=ppt/slides/slide4.xml><?xml version="1.0" encoding="utf-8"?>
+<p:sld xmlns:a="http://schemas.openxmlformats.org/drawingml/2006/main" xmlns:r="http://schemas.openxmlformats.org/officeDocument/2006/relationships" xmlns:p="http://schemas.openxmlformats.org/presentationml/2006/main">
+  <p:cSld>
+    <p:spTree>
+      <p:nvGrpSpPr>
+        <p:cNvPr id="1" name=""/>
+        <p:cNvGrpSpPr/>
+        <p:nvPr/>
+      </p:nvGrpSpPr>
+      <p:grpSpPr>
+        <a:xfrm>
+          <a:off x="0" y="0"/>
+          <a:ext cx="0" cy="0"/>
+          <a:chOff x="0" y="0"/>
+          <a:chExt cx="0" cy="0"/>
+        </a:xfrm>
+      </p:grpSpPr>
       <p:pic>
         <p:nvPicPr>
-          <p:cNvPr id="1028" name="Picture 4" descr="http://cfile225.uf.daum.net/image/2773474354026E42068000">
+          <p:cNvPr id="4100" name="Picture 4" descr="http://emf.kca.kr/publish/Images/elec_business/img_elec_business_business04_1.gif">
             <a:extLst>
               <a:ext uri="{FF2B5EF4-FFF2-40B4-BE49-F238E27FC236}">
-                <a16:creationId xmlns:a16="http://schemas.microsoft.com/office/drawing/2014/main" id="{E5777434-3F20-402C-858B-01918B26159E}"/>
+                <a16:creationId xmlns:a16="http://schemas.microsoft.com/office/drawing/2014/main" id="{D529C089-E9DA-460C-84A2-AFC899EA7E3A}"/>
               </a:ext>
             </a:extLst>
           </p:cNvPr>
           <p:cNvPicPr>
-            <a:picLocks noGrp="1" noChangeAspect="1" noChangeArrowheads="1"/>
+            <a:picLocks noChangeAspect="1" noChangeArrowheads="1"/>
           </p:cNvPicPr>
-          <p:nvPr>
-            <p:ph idx="1"/>
-          </p:nvPr>
+          <p:nvPr/>
         </p:nvPicPr>
         <p:blipFill>
           <a:blip r:embed="rId2">
@@ -3982,8 +4698,8 @@
         </p:blipFill>
         <p:spPr bwMode="auto">
           <a:xfrm>
-            <a:off x="6400710" y="2188047"/>
-            <a:ext cx="5568544" cy="3410895"/>
+            <a:off x="1451579" y="2446569"/>
+            <a:ext cx="4960443" cy="2588943"/>
           </a:xfrm>
           <a:prstGeom prst="rect">
             <a:avLst/>
@@ -4237,64 +4953,6 @@
             </a:lvl9pPr>
           </a:lstStyle>
           <a:p>
-            <a:r>
-              <a:rPr lang="en-US" altLang="ko-KR" dirty="0" err="1"/>
-              <a:t>Gps</a:t>
-            </a:r>
-            <a:r>
-              <a:rPr lang="ko-KR" altLang="en-US" dirty="0"/>
-              <a:t>원리에서 착안</a:t>
-            </a:r>
-            <a:endParaRPr lang="en-US" altLang="ko-KR" dirty="0"/>
-          </a:p>
-          <a:p>
-            <a:endParaRPr lang="en-US" altLang="ko-KR" dirty="0"/>
-          </a:p>
-          <a:p>
-            <a:r>
-              <a:rPr lang="ko-KR" altLang="en-US" dirty="0"/>
-              <a:t>화면 모서리에 </a:t>
-            </a:r>
-            <a:r>
-              <a:rPr lang="en-US" altLang="ko-KR" dirty="0"/>
-              <a:t>3</a:t>
-            </a:r>
-            <a:r>
-              <a:rPr lang="ko-KR" altLang="en-US" dirty="0"/>
-              <a:t>개 이상의 센서 설치</a:t>
-            </a:r>
-            <a:endParaRPr lang="en-US" altLang="ko-KR" dirty="0"/>
-          </a:p>
-          <a:p>
-            <a:endParaRPr lang="en-US" altLang="ko-KR" dirty="0"/>
-          </a:p>
-          <a:p>
-            <a:r>
-              <a:rPr lang="ko-KR" altLang="en-US" dirty="0"/>
-              <a:t>센서에서 손까지의 </a:t>
-            </a:r>
-            <a:r>
-              <a:rPr lang="ko-KR" altLang="en-US" dirty="0" err="1"/>
-              <a:t>거리값을</a:t>
-            </a:r>
-            <a:r>
-              <a:rPr lang="ko-KR" altLang="en-US" dirty="0"/>
-              <a:t> 이용하여서 </a:t>
-            </a:r>
-            <a:endParaRPr lang="en-US" altLang="ko-KR" dirty="0"/>
-          </a:p>
-          <a:p>
-            <a:pPr marL="0" indent="0">
-              <a:buNone/>
-            </a:pPr>
-            <a:r>
-              <a:rPr lang="en-US" altLang="ko-KR" dirty="0"/>
-              <a:t> </a:t>
-            </a:r>
-            <a:r>
-              <a:rPr lang="ko-KR" altLang="en-US" dirty="0"/>
-              <a:t>손의 위치를 추적하자</a:t>
-            </a:r>
             <a:endParaRPr lang="en-US" altLang="ko-KR" dirty="0"/>
           </a:p>
           <a:p>
@@ -4302,17 +4960,2267 @@
               <a:buFont typeface="Arial" panose="020B0604020202020204" pitchFamily="34" charset="0"/>
               <a:buNone/>
             </a:pPr>
-            <a:r>
-              <a:rPr lang="en-US" altLang="ko-KR" dirty="0"/>
+            <a:endParaRPr lang="en-US" altLang="ko-KR" dirty="0"/>
+          </a:p>
+        </p:txBody>
+      </p:sp>
+      <p:sp>
+        <p:nvSpPr>
+          <p:cNvPr id="2" name="제목 1">
+            <a:extLst>
+              <a:ext uri="{FF2B5EF4-FFF2-40B4-BE49-F238E27FC236}">
+                <a16:creationId xmlns:a16="http://schemas.microsoft.com/office/drawing/2014/main" id="{E7E29B15-BD08-4688-B649-6836E8C6C3AC}"/>
+              </a:ext>
+            </a:extLst>
+          </p:cNvPr>
+          <p:cNvSpPr>
+            <a:spLocks noGrp="1"/>
+          </p:cNvSpPr>
+          <p:nvPr>
+            <p:ph type="title"/>
+          </p:nvPr>
+        </p:nvSpPr>
+        <p:spPr>
+          <a:xfrm>
+            <a:off x="1451579" y="804519"/>
+            <a:ext cx="9603275" cy="1049235"/>
+          </a:xfrm>
+        </p:spPr>
+        <p:txBody>
+          <a:bodyPr vert="horz" lIns="91440" tIns="45720" rIns="91440" bIns="45720" rtlCol="0" anchor="t">
+            <a:normAutofit/>
+          </a:bodyPr>
+          <a:lstStyle/>
+          <a:p>
+            <a:pPr latinLnBrk="0"/>
+            <a:r>
+              <a:rPr lang="ko-KR" altLang="en-US"/>
+              <a:t>동기화된 저주파의 위상 차 인식</a:t>
+            </a:r>
+            <a:r>
+              <a:rPr lang="en-US" altLang="ko-KR"/>
               <a:t> </a:t>
             </a:r>
+            <a:r>
+              <a:rPr lang="ko-KR" altLang="en-US"/>
+              <a:t>방법 </a:t>
+            </a:r>
+            <a:endParaRPr lang="en-US" altLang="ko-KR"/>
+          </a:p>
+        </p:txBody>
+      </p:sp>
+      <p:sp>
+        <p:nvSpPr>
+          <p:cNvPr id="5" name="내용 개체 틀 2">
+            <a:extLst>
+              <a:ext uri="{FF2B5EF4-FFF2-40B4-BE49-F238E27FC236}">
+                <a16:creationId xmlns:a16="http://schemas.microsoft.com/office/drawing/2014/main" id="{D016B600-F388-4833-B10D-388A98DFA917}"/>
+              </a:ext>
+            </a:extLst>
+          </p:cNvPr>
+          <p:cNvSpPr txBox="1">
+            <a:spLocks/>
+          </p:cNvSpPr>
+          <p:nvPr/>
+        </p:nvSpPr>
+        <p:spPr>
+          <a:xfrm>
+            <a:off x="6892299" y="2015734"/>
+            <a:ext cx="4162555" cy="3450613"/>
+          </a:xfrm>
+          <a:prstGeom prst="rect">
+            <a:avLst/>
+          </a:prstGeom>
+        </p:spPr>
+        <p:txBody>
+          <a:bodyPr vert="horz" lIns="91440" tIns="45720" rIns="91440" bIns="45720" rtlCol="0" anchor="t">
+            <a:normAutofit/>
+          </a:bodyPr>
+          <a:lstStyle>
+            <a:lvl1pPr marL="228600" indent="-228600" algn="l" defTabSz="914400" rtl="0" eaLnBrk="1" latinLnBrk="1" hangingPunct="1">
+              <a:lnSpc>
+                <a:spcPct val="120000"/>
+              </a:lnSpc>
+              <a:spcBef>
+                <a:spcPts val="1000"/>
+              </a:spcBef>
+              <a:buClr>
+                <a:schemeClr val="accent1"/>
+              </a:buClr>
+              <a:buSzPct val="100000"/>
+              <a:buFont typeface="Arial" panose="020B0604020202020204" pitchFamily="34" charset="0"/>
+              <a:buChar char="•"/>
+              <a:defRPr sz="2000" kern="1200">
+                <a:solidFill>
+                  <a:schemeClr val="tx1"/>
+                </a:solidFill>
+                <a:effectLst/>
+                <a:latin typeface="+mn-lt"/>
+                <a:ea typeface="+mn-ea"/>
+                <a:cs typeface="+mn-cs"/>
+              </a:defRPr>
+            </a:lvl1pPr>
+            <a:lvl2pPr marL="685800" indent="-228600" algn="l" defTabSz="914400" rtl="0" eaLnBrk="1" latinLnBrk="1" hangingPunct="1">
+              <a:lnSpc>
+                <a:spcPct val="120000"/>
+              </a:lnSpc>
+              <a:spcBef>
+                <a:spcPts val="500"/>
+              </a:spcBef>
+              <a:buClr>
+                <a:schemeClr val="accent1"/>
+              </a:buClr>
+              <a:buSzPct val="100000"/>
+              <a:buFont typeface="Arial" panose="020B0604020202020204" pitchFamily="34" charset="0"/>
+              <a:buChar char="•"/>
+              <a:defRPr sz="1800" kern="1200" cap="none" baseline="0">
+                <a:solidFill>
+                  <a:schemeClr val="tx1"/>
+                </a:solidFill>
+                <a:effectLst/>
+                <a:latin typeface="+mn-lt"/>
+                <a:ea typeface="+mn-ea"/>
+                <a:cs typeface="+mn-cs"/>
+              </a:defRPr>
+            </a:lvl2pPr>
+            <a:lvl3pPr marL="1143000" indent="-228600" algn="l" defTabSz="914400" rtl="0" eaLnBrk="1" latinLnBrk="1" hangingPunct="1">
+              <a:lnSpc>
+                <a:spcPct val="120000"/>
+              </a:lnSpc>
+              <a:spcBef>
+                <a:spcPts val="500"/>
+              </a:spcBef>
+              <a:buClr>
+                <a:schemeClr val="accent1"/>
+              </a:buClr>
+              <a:buSzPct val="100000"/>
+              <a:buFont typeface="Arial" panose="020B0604020202020204" pitchFamily="34" charset="0"/>
+              <a:buChar char="•"/>
+              <a:defRPr sz="1600" kern="1200">
+                <a:solidFill>
+                  <a:schemeClr val="tx1"/>
+                </a:solidFill>
+                <a:effectLst/>
+                <a:latin typeface="+mn-lt"/>
+                <a:ea typeface="+mn-ea"/>
+                <a:cs typeface="+mn-cs"/>
+              </a:defRPr>
+            </a:lvl3pPr>
+            <a:lvl4pPr marL="1600200" indent="-228600" algn="l" defTabSz="914400" rtl="0" eaLnBrk="1" latinLnBrk="1" hangingPunct="1">
+              <a:lnSpc>
+                <a:spcPct val="120000"/>
+              </a:lnSpc>
+              <a:spcBef>
+                <a:spcPts val="500"/>
+              </a:spcBef>
+              <a:buClr>
+                <a:schemeClr val="accent1"/>
+              </a:buClr>
+              <a:buSzPct val="100000"/>
+              <a:buFont typeface="Arial" panose="020B0604020202020204" pitchFamily="34" charset="0"/>
+              <a:buChar char="•"/>
+              <a:defRPr sz="1400" kern="1200" cap="none" baseline="0">
+                <a:solidFill>
+                  <a:schemeClr val="tx1"/>
+                </a:solidFill>
+                <a:effectLst/>
+                <a:latin typeface="+mn-lt"/>
+                <a:ea typeface="+mn-ea"/>
+                <a:cs typeface="+mn-cs"/>
+              </a:defRPr>
+            </a:lvl4pPr>
+            <a:lvl5pPr marL="2057400" indent="-228600" algn="l" defTabSz="914400" rtl="0" eaLnBrk="1" latinLnBrk="1" hangingPunct="1">
+              <a:lnSpc>
+                <a:spcPct val="120000"/>
+              </a:lnSpc>
+              <a:spcBef>
+                <a:spcPts val="500"/>
+              </a:spcBef>
+              <a:buClr>
+                <a:schemeClr val="accent1"/>
+              </a:buClr>
+              <a:buSzPct val="100000"/>
+              <a:buFont typeface="Arial" panose="020B0604020202020204" pitchFamily="34" charset="0"/>
+              <a:buChar char="•"/>
+              <a:defRPr sz="1200" kern="1200">
+                <a:solidFill>
+                  <a:schemeClr val="tx1"/>
+                </a:solidFill>
+                <a:effectLst/>
+                <a:latin typeface="+mn-lt"/>
+                <a:ea typeface="+mn-ea"/>
+                <a:cs typeface="+mn-cs"/>
+              </a:defRPr>
+            </a:lvl5pPr>
+            <a:lvl6pPr marL="2514600" indent="-228600" algn="l" defTabSz="914400" rtl="0" eaLnBrk="1" latinLnBrk="1" hangingPunct="1">
+              <a:lnSpc>
+                <a:spcPct val="120000"/>
+              </a:lnSpc>
+              <a:spcBef>
+                <a:spcPts val="500"/>
+              </a:spcBef>
+              <a:buClr>
+                <a:schemeClr val="accent1"/>
+              </a:buClr>
+              <a:buSzPct val="100000"/>
+              <a:buFont typeface="Arial" panose="020B0604020202020204" pitchFamily="34" charset="0"/>
+              <a:buChar char="•"/>
+              <a:defRPr sz="1200" kern="1200">
+                <a:solidFill>
+                  <a:schemeClr val="tx1"/>
+                </a:solidFill>
+                <a:effectLst/>
+                <a:latin typeface="+mn-lt"/>
+                <a:ea typeface="+mn-ea"/>
+                <a:cs typeface="+mn-cs"/>
+              </a:defRPr>
+            </a:lvl6pPr>
+            <a:lvl7pPr marL="2971800" indent="-228600" algn="l" defTabSz="914400" rtl="0" eaLnBrk="1" latinLnBrk="1" hangingPunct="1">
+              <a:lnSpc>
+                <a:spcPct val="120000"/>
+              </a:lnSpc>
+              <a:spcBef>
+                <a:spcPts val="500"/>
+              </a:spcBef>
+              <a:buClr>
+                <a:schemeClr val="accent1"/>
+              </a:buClr>
+              <a:buSzPct val="100000"/>
+              <a:buFont typeface="Arial" panose="020B0604020202020204" pitchFamily="34" charset="0"/>
+              <a:buChar char="•"/>
+              <a:defRPr sz="1200" kern="1200">
+                <a:solidFill>
+                  <a:schemeClr val="tx1"/>
+                </a:solidFill>
+                <a:effectLst/>
+                <a:latin typeface="+mn-lt"/>
+                <a:ea typeface="+mn-ea"/>
+                <a:cs typeface="+mn-cs"/>
+              </a:defRPr>
+            </a:lvl7pPr>
+            <a:lvl8pPr marL="3429000" indent="-228600" algn="l" defTabSz="914400" rtl="0" eaLnBrk="1" latinLnBrk="1" hangingPunct="1">
+              <a:lnSpc>
+                <a:spcPct val="120000"/>
+              </a:lnSpc>
+              <a:spcBef>
+                <a:spcPts val="500"/>
+              </a:spcBef>
+              <a:buClr>
+                <a:schemeClr val="accent1"/>
+              </a:buClr>
+              <a:buSzPct val="100000"/>
+              <a:buFont typeface="Arial" panose="020B0604020202020204" pitchFamily="34" charset="0"/>
+              <a:buChar char="•"/>
+              <a:defRPr sz="1200" kern="1200" baseline="0">
+                <a:solidFill>
+                  <a:schemeClr val="tx1"/>
+                </a:solidFill>
+                <a:effectLst/>
+                <a:latin typeface="+mn-lt"/>
+                <a:ea typeface="+mn-ea"/>
+                <a:cs typeface="+mn-cs"/>
+              </a:defRPr>
+            </a:lvl8pPr>
+            <a:lvl9pPr marL="3886200" indent="-228600" algn="l" defTabSz="914400" rtl="0" eaLnBrk="1" latinLnBrk="1" hangingPunct="1">
+              <a:lnSpc>
+                <a:spcPct val="120000"/>
+              </a:lnSpc>
+              <a:spcBef>
+                <a:spcPts val="500"/>
+              </a:spcBef>
+              <a:buClr>
+                <a:schemeClr val="accent1"/>
+              </a:buClr>
+              <a:buSzPct val="100000"/>
+              <a:buFont typeface="Arial" panose="020B0604020202020204" pitchFamily="34" charset="0"/>
+              <a:buChar char="•"/>
+              <a:defRPr sz="1200" kern="1200" baseline="0">
+                <a:solidFill>
+                  <a:schemeClr val="tx1"/>
+                </a:solidFill>
+                <a:effectLst/>
+                <a:latin typeface="+mn-lt"/>
+                <a:ea typeface="+mn-ea"/>
+                <a:cs typeface="+mn-cs"/>
+              </a:defRPr>
+            </a:lvl9pPr>
+          </a:lstStyle>
+          <a:p>
+            <a:pPr latinLnBrk="0">
+              <a:lnSpc>
+                <a:spcPct val="110000"/>
+              </a:lnSpc>
+            </a:pPr>
+            <a:r>
+              <a:rPr lang="ko-KR" altLang="en-US" sz="1700" dirty="0"/>
+              <a:t>저주파의 파장이 비교적 길다는 점을 이용한 방법</a:t>
+            </a:r>
+            <a:endParaRPr lang="en-US" altLang="ko-KR" sz="1700" dirty="0"/>
+          </a:p>
+          <a:p>
+            <a:pPr latinLnBrk="0">
+              <a:lnSpc>
+                <a:spcPct val="110000"/>
+              </a:lnSpc>
+            </a:pPr>
+            <a:endParaRPr lang="en-US" altLang="ko-KR" sz="1700" dirty="0"/>
+          </a:p>
+          <a:p>
+            <a:pPr latinLnBrk="0">
+              <a:lnSpc>
+                <a:spcPct val="110000"/>
+              </a:lnSpc>
+            </a:pPr>
+            <a:r>
+              <a:rPr lang="ko-KR" altLang="en-US" sz="1700" dirty="0"/>
+              <a:t>거리에 따라 저주파가 발생하는 곳과 받는 곳에서의 위상 차를 측정</a:t>
+            </a:r>
+            <a:endParaRPr lang="en-US" altLang="ko-KR" sz="1700" dirty="0"/>
+          </a:p>
+          <a:p>
+            <a:pPr latinLnBrk="0">
+              <a:lnSpc>
+                <a:spcPct val="110000"/>
+              </a:lnSpc>
+            </a:pPr>
+            <a:endParaRPr lang="en-US" altLang="ko-KR" sz="1700" dirty="0"/>
+          </a:p>
+          <a:p>
+            <a:pPr latinLnBrk="0">
+              <a:lnSpc>
+                <a:spcPct val="110000"/>
+              </a:lnSpc>
+            </a:pPr>
+            <a:r>
+              <a:rPr lang="ko-KR" altLang="en-US" sz="1700" dirty="0"/>
+              <a:t>위상 차로 거리를 계산하는 방법</a:t>
+            </a:r>
+            <a:endParaRPr lang="en-US" altLang="ko-KR" sz="1700" dirty="0"/>
+          </a:p>
+          <a:p>
+            <a:pPr latinLnBrk="0">
+              <a:lnSpc>
+                <a:spcPct val="110000"/>
+              </a:lnSpc>
+            </a:pPr>
+            <a:endParaRPr lang="en-US" altLang="ko-KR" sz="1700" dirty="0"/>
+          </a:p>
+          <a:p>
+            <a:pPr marL="0" latinLnBrk="0">
+              <a:lnSpc>
+                <a:spcPct val="110000"/>
+              </a:lnSpc>
+            </a:pPr>
+            <a:endParaRPr lang="en-US" altLang="ko-KR" sz="1700" dirty="0"/>
           </a:p>
         </p:txBody>
       </p:sp>
     </p:spTree>
     <p:extLst>
       <p:ext uri="{BB962C8B-B14F-4D97-AF65-F5344CB8AC3E}">
-        <p14:creationId xmlns:p14="http://schemas.microsoft.com/office/powerpoint/2010/main" val="774464304"/>
+        <p14:creationId xmlns:p14="http://schemas.microsoft.com/office/powerpoint/2010/main" val="13549952"/>
+      </p:ext>
+    </p:extLst>
+  </p:cSld>
+  <p:clrMapOvr>
+    <a:masterClrMapping/>
+  </p:clrMapOvr>
+</p:sld>
+</file>
+
+<file path=ppt/slides/slide5.xml><?xml version="1.0" encoding="utf-8"?>
+<p:sld xmlns:a="http://schemas.openxmlformats.org/drawingml/2006/main" xmlns:r="http://schemas.openxmlformats.org/officeDocument/2006/relationships" xmlns:p="http://schemas.openxmlformats.org/presentationml/2006/main">
+  <p:cSld>
+    <p:spTree>
+      <p:nvGrpSpPr>
+        <p:cNvPr id="1" name=""/>
+        <p:cNvGrpSpPr/>
+        <p:nvPr/>
+      </p:nvGrpSpPr>
+      <p:grpSpPr>
+        <a:xfrm>
+          <a:off x="0" y="0"/>
+          <a:ext cx="0" cy="0"/>
+          <a:chOff x="0" y="0"/>
+          <a:chExt cx="0" cy="0"/>
+        </a:xfrm>
+      </p:grpSpPr>
+      <p:grpSp>
+        <p:nvGrpSpPr>
+          <p:cNvPr id="53" name="Group 52">
+            <a:extLst>
+              <a:ext uri="{FF2B5EF4-FFF2-40B4-BE49-F238E27FC236}">
+                <a16:creationId xmlns:a16="http://schemas.microsoft.com/office/drawing/2014/main" id="{ADB18E6F-FE38-40D0-A2EC-DB2E37F04189}"/>
+              </a:ext>
+            </a:extLst>
+          </p:cNvPr>
+          <p:cNvGrpSpPr>
+            <a:grpSpLocks noGrp="1" noUngrp="1" noRot="1" noChangeAspect="1" noMove="1" noResize="1"/>
+          </p:cNvGrpSpPr>
+          <p:nvPr>
+            <p:extLst>
+              <p:ext uri="{386F3935-93C4-4BCD-93E2-E3B085C9AB24}">
+                <p16:designElem xmlns:p16="http://schemas.microsoft.com/office/powerpoint/2015/main" val="1"/>
+              </p:ext>
+            </p:extLst>
+          </p:nvPr>
+        </p:nvGrpSpPr>
+        <p:grpSpPr>
+          <a:xfrm>
+            <a:off x="1446399" y="2012810"/>
+            <a:ext cx="3413507" cy="3459865"/>
+            <a:chOff x="7630846" y="2123762"/>
+            <a:chExt cx="3413507" cy="3481923"/>
+          </a:xfrm>
+        </p:grpSpPr>
+        <p:sp>
+          <p:nvSpPr>
+            <p:cNvPr id="54" name="Rectangle 53">
+              <a:extLst/>
+            </p:cNvPr>
+            <p:cNvSpPr/>
+            <p:nvPr>
+              <p:extLst>
+                <p:ext uri="{386F3935-93C4-4BCD-93E2-E3B085C9AB24}">
+                  <p16:designElem xmlns:p16="http://schemas.microsoft.com/office/powerpoint/2015/main" val="1"/>
+                </p:ext>
+              </p:extLst>
+            </p:nvPr>
+          </p:nvSpPr>
+          <p:spPr>
+            <a:xfrm>
+              <a:off x="7630846" y="2123762"/>
+              <a:ext cx="3413507" cy="3481923"/>
+            </a:xfrm>
+            <a:prstGeom prst="rect">
+              <a:avLst/>
+            </a:prstGeom>
+            <a:gradFill>
+              <a:gsLst>
+                <a:gs pos="0">
+                  <a:srgbClr val="000001"/>
+                </a:gs>
+                <a:gs pos="100000">
+                  <a:srgbClr val="191919"/>
+                </a:gs>
+              </a:gsLst>
+            </a:gradFill>
+            <a:ln w="76200" cmpd="sng">
+              <a:noFill/>
+              <a:miter lim="800000"/>
+            </a:ln>
+            <a:effectLst>
+              <a:outerShdw blurRad="127000" dist="228600" dir="4740000" sx="98000" sy="98000" algn="tl" rotWithShape="0">
+                <a:srgbClr val="000000">
+                  <a:alpha val="34000"/>
+                </a:srgbClr>
+              </a:outerShdw>
+            </a:effectLst>
+            <a:scene3d>
+              <a:camera prst="orthographicFront"/>
+              <a:lightRig rig="threePt" dir="t"/>
+            </a:scene3d>
+            <a:sp3d>
+              <a:bevelT w="152400" h="50800" prst="softRound"/>
+            </a:sp3d>
+          </p:spPr>
+          <p:style>
+            <a:lnRef idx="1">
+              <a:schemeClr val="accent1"/>
+            </a:lnRef>
+            <a:fillRef idx="3">
+              <a:schemeClr val="accent1"/>
+            </a:fillRef>
+            <a:effectRef idx="2">
+              <a:schemeClr val="accent1"/>
+            </a:effectRef>
+            <a:fontRef idx="minor">
+              <a:schemeClr val="lt1"/>
+            </a:fontRef>
+          </p:style>
+          <p:txBody>
+            <a:bodyPr rtlCol="0" anchor="ctr"/>
+            <a:lstStyle/>
+            <a:p>
+              <a:pPr algn="ctr"/>
+              <a:endParaRPr lang="en-US"/>
+            </a:p>
+          </p:txBody>
+        </p:sp>
+        <p:sp>
+          <p:nvSpPr>
+            <p:cNvPr id="55" name="Rectangle 54">
+              <a:extLst/>
+            </p:cNvPr>
+            <p:cNvSpPr/>
+            <p:nvPr>
+              <p:extLst>
+                <p:ext uri="{386F3935-93C4-4BCD-93E2-E3B085C9AB24}">
+                  <p16:designElem xmlns:p16="http://schemas.microsoft.com/office/powerpoint/2015/main" val="1"/>
+                </p:ext>
+              </p:extLst>
+            </p:nvPr>
+          </p:nvSpPr>
+          <p:spPr>
+            <a:xfrm>
+              <a:off x="7779809" y="2294169"/>
+              <a:ext cx="3100817" cy="3149963"/>
+            </a:xfrm>
+            <a:prstGeom prst="rect">
+              <a:avLst/>
+            </a:prstGeom>
+            <a:gradFill>
+              <a:gsLst>
+                <a:gs pos="0">
+                  <a:srgbClr val="DADADA"/>
+                </a:gs>
+                <a:gs pos="100000">
+                  <a:srgbClr val="FFFFFE"/>
+                </a:gs>
+              </a:gsLst>
+              <a:lin ang="16200000" scaled="0"/>
+            </a:gradFill>
+            <a:ln w="50800" cmpd="sng">
+              <a:solidFill>
+                <a:srgbClr val="191919"/>
+              </a:solidFill>
+              <a:miter lim="800000"/>
+            </a:ln>
+            <a:effectLst>
+              <a:innerShdw blurRad="63500" dist="88900" dir="14100000">
+                <a:srgbClr val="000000">
+                  <a:alpha val="30000"/>
+                </a:srgbClr>
+              </a:innerShdw>
+            </a:effectLst>
+            <a:scene3d>
+              <a:camera prst="orthographicFront"/>
+              <a:lightRig rig="threePt" dir="t"/>
+            </a:scene3d>
+            <a:sp3d>
+              <a:bevelT prst="relaxedInset"/>
+            </a:sp3d>
+          </p:spPr>
+          <p:style>
+            <a:lnRef idx="1">
+              <a:schemeClr val="accent1"/>
+            </a:lnRef>
+            <a:fillRef idx="3">
+              <a:schemeClr val="accent1"/>
+            </a:fillRef>
+            <a:effectRef idx="2">
+              <a:schemeClr val="accent1"/>
+            </a:effectRef>
+            <a:fontRef idx="minor">
+              <a:schemeClr val="lt1"/>
+            </a:fontRef>
+          </p:style>
+          <p:txBody>
+            <a:bodyPr rtlCol="0" anchor="ctr"/>
+            <a:lstStyle/>
+            <a:p>
+              <a:pPr algn="ctr"/>
+              <a:endParaRPr lang="en-US"/>
+            </a:p>
+          </p:txBody>
+        </p:sp>
+      </p:grpSp>
+      <p:pic>
+        <p:nvPicPr>
+          <p:cNvPr id="7" name="그림 6" descr="벽, 실내, 모니터이(가) 표시된 사진&#10;&#10;높은 신뢰도로 생성된 설명">
+            <a:hlinkClick r:id="rId2"/>
+            <a:extLst>
+              <a:ext uri="{FF2B5EF4-FFF2-40B4-BE49-F238E27FC236}">
+                <a16:creationId xmlns:a16="http://schemas.microsoft.com/office/drawing/2014/main" id="{C9C4ED27-D034-4D75-A97D-383A7016799E}"/>
+              </a:ext>
+            </a:extLst>
+          </p:cNvPr>
+          <p:cNvPicPr>
+            <a:picLocks noChangeAspect="1"/>
+          </p:cNvPicPr>
+          <p:nvPr/>
+        </p:nvPicPr>
+        <p:blipFill rotWithShape="1">
+          <a:blip r:embed="rId3"/>
+          <a:srcRect l="24347" r="20232" b="-1"/>
+          <a:stretch/>
+        </p:blipFill>
+        <p:spPr>
+          <a:xfrm>
+            <a:off x="1921265" y="2491733"/>
+            <a:ext cx="2453183" cy="2500948"/>
+          </a:xfrm>
+          <a:prstGeom prst="rect">
+            <a:avLst/>
+          </a:prstGeom>
+        </p:spPr>
+      </p:pic>
+      <p:sp>
+        <p:nvSpPr>
+          <p:cNvPr id="2" name="제목 1">
+            <a:extLst>
+              <a:ext uri="{FF2B5EF4-FFF2-40B4-BE49-F238E27FC236}">
+                <a16:creationId xmlns:a16="http://schemas.microsoft.com/office/drawing/2014/main" id="{E7E29B15-BD08-4688-B649-6836E8C6C3AC}"/>
+              </a:ext>
+            </a:extLst>
+          </p:cNvPr>
+          <p:cNvSpPr>
+            <a:spLocks noGrp="1"/>
+          </p:cNvSpPr>
+          <p:nvPr>
+            <p:ph type="title"/>
+          </p:nvPr>
+        </p:nvSpPr>
+        <p:spPr>
+          <a:xfrm>
+            <a:off x="1451579" y="804519"/>
+            <a:ext cx="9603275" cy="1049235"/>
+          </a:xfrm>
+        </p:spPr>
+        <p:txBody>
+          <a:bodyPr vert="horz" lIns="91440" tIns="45720" rIns="91440" bIns="45720" rtlCol="0" anchor="t">
+            <a:normAutofit/>
+          </a:bodyPr>
+          <a:lstStyle/>
+          <a:p>
+            <a:pPr latinLnBrk="0"/>
+            <a:r>
+              <a:rPr lang="en-US" altLang="ko-KR"/>
+              <a:t>-</a:t>
+            </a:r>
+            <a:r>
+              <a:rPr lang="ko-KR" altLang="en-US"/>
+              <a:t>적외선 센서를 이용하여 거리 측정 방법</a:t>
+            </a:r>
+            <a:r>
+              <a:rPr lang="en-US" altLang="ko-KR"/>
+              <a:t> </a:t>
+            </a:r>
+          </a:p>
+        </p:txBody>
+      </p:sp>
+      <p:sp>
+        <p:nvSpPr>
+          <p:cNvPr id="9" name="내용 개체 틀 2">
+            <a:extLst>
+              <a:ext uri="{FF2B5EF4-FFF2-40B4-BE49-F238E27FC236}">
+                <a16:creationId xmlns:a16="http://schemas.microsoft.com/office/drawing/2014/main" id="{5647755A-61AE-495E-AE6D-C8FE4D974240}"/>
+              </a:ext>
+            </a:extLst>
+          </p:cNvPr>
+          <p:cNvSpPr txBox="1">
+            <a:spLocks/>
+          </p:cNvSpPr>
+          <p:nvPr/>
+        </p:nvSpPr>
+        <p:spPr>
+          <a:xfrm>
+            <a:off x="5342122" y="2015734"/>
+            <a:ext cx="5707937" cy="3450613"/>
+          </a:xfrm>
+          <a:prstGeom prst="rect">
+            <a:avLst/>
+          </a:prstGeom>
+        </p:spPr>
+        <p:txBody>
+          <a:bodyPr vert="horz" lIns="91440" tIns="45720" rIns="91440" bIns="45720" rtlCol="0" anchor="t">
+            <a:normAutofit fontScale="92500" lnSpcReduction="10000"/>
+          </a:bodyPr>
+          <a:lstStyle>
+            <a:lvl1pPr marL="228600" indent="-228600" algn="l" defTabSz="914400" rtl="0" eaLnBrk="1" latinLnBrk="1" hangingPunct="1">
+              <a:lnSpc>
+                <a:spcPct val="120000"/>
+              </a:lnSpc>
+              <a:spcBef>
+                <a:spcPts val="1000"/>
+              </a:spcBef>
+              <a:buClr>
+                <a:schemeClr val="accent1"/>
+              </a:buClr>
+              <a:buSzPct val="100000"/>
+              <a:buFont typeface="Arial" panose="020B0604020202020204" pitchFamily="34" charset="0"/>
+              <a:buChar char="•"/>
+              <a:defRPr sz="2000" kern="1200">
+                <a:solidFill>
+                  <a:schemeClr val="tx1"/>
+                </a:solidFill>
+                <a:effectLst/>
+                <a:latin typeface="+mn-lt"/>
+                <a:ea typeface="+mn-ea"/>
+                <a:cs typeface="+mn-cs"/>
+              </a:defRPr>
+            </a:lvl1pPr>
+            <a:lvl2pPr marL="685800" indent="-228600" algn="l" defTabSz="914400" rtl="0" eaLnBrk="1" latinLnBrk="1" hangingPunct="1">
+              <a:lnSpc>
+                <a:spcPct val="120000"/>
+              </a:lnSpc>
+              <a:spcBef>
+                <a:spcPts val="500"/>
+              </a:spcBef>
+              <a:buClr>
+                <a:schemeClr val="accent1"/>
+              </a:buClr>
+              <a:buSzPct val="100000"/>
+              <a:buFont typeface="Arial" panose="020B0604020202020204" pitchFamily="34" charset="0"/>
+              <a:buChar char="•"/>
+              <a:defRPr sz="1800" kern="1200" cap="none" baseline="0">
+                <a:solidFill>
+                  <a:schemeClr val="tx1"/>
+                </a:solidFill>
+                <a:effectLst/>
+                <a:latin typeface="+mn-lt"/>
+                <a:ea typeface="+mn-ea"/>
+                <a:cs typeface="+mn-cs"/>
+              </a:defRPr>
+            </a:lvl2pPr>
+            <a:lvl3pPr marL="1143000" indent="-228600" algn="l" defTabSz="914400" rtl="0" eaLnBrk="1" latinLnBrk="1" hangingPunct="1">
+              <a:lnSpc>
+                <a:spcPct val="120000"/>
+              </a:lnSpc>
+              <a:spcBef>
+                <a:spcPts val="500"/>
+              </a:spcBef>
+              <a:buClr>
+                <a:schemeClr val="accent1"/>
+              </a:buClr>
+              <a:buSzPct val="100000"/>
+              <a:buFont typeface="Arial" panose="020B0604020202020204" pitchFamily="34" charset="0"/>
+              <a:buChar char="•"/>
+              <a:defRPr sz="1600" kern="1200">
+                <a:solidFill>
+                  <a:schemeClr val="tx1"/>
+                </a:solidFill>
+                <a:effectLst/>
+                <a:latin typeface="+mn-lt"/>
+                <a:ea typeface="+mn-ea"/>
+                <a:cs typeface="+mn-cs"/>
+              </a:defRPr>
+            </a:lvl3pPr>
+            <a:lvl4pPr marL="1600200" indent="-228600" algn="l" defTabSz="914400" rtl="0" eaLnBrk="1" latinLnBrk="1" hangingPunct="1">
+              <a:lnSpc>
+                <a:spcPct val="120000"/>
+              </a:lnSpc>
+              <a:spcBef>
+                <a:spcPts val="500"/>
+              </a:spcBef>
+              <a:buClr>
+                <a:schemeClr val="accent1"/>
+              </a:buClr>
+              <a:buSzPct val="100000"/>
+              <a:buFont typeface="Arial" panose="020B0604020202020204" pitchFamily="34" charset="0"/>
+              <a:buChar char="•"/>
+              <a:defRPr sz="1400" kern="1200" cap="none" baseline="0">
+                <a:solidFill>
+                  <a:schemeClr val="tx1"/>
+                </a:solidFill>
+                <a:effectLst/>
+                <a:latin typeface="+mn-lt"/>
+                <a:ea typeface="+mn-ea"/>
+                <a:cs typeface="+mn-cs"/>
+              </a:defRPr>
+            </a:lvl4pPr>
+            <a:lvl5pPr marL="2057400" indent="-228600" algn="l" defTabSz="914400" rtl="0" eaLnBrk="1" latinLnBrk="1" hangingPunct="1">
+              <a:lnSpc>
+                <a:spcPct val="120000"/>
+              </a:lnSpc>
+              <a:spcBef>
+                <a:spcPts val="500"/>
+              </a:spcBef>
+              <a:buClr>
+                <a:schemeClr val="accent1"/>
+              </a:buClr>
+              <a:buSzPct val="100000"/>
+              <a:buFont typeface="Arial" panose="020B0604020202020204" pitchFamily="34" charset="0"/>
+              <a:buChar char="•"/>
+              <a:defRPr sz="1200" kern="1200">
+                <a:solidFill>
+                  <a:schemeClr val="tx1"/>
+                </a:solidFill>
+                <a:effectLst/>
+                <a:latin typeface="+mn-lt"/>
+                <a:ea typeface="+mn-ea"/>
+                <a:cs typeface="+mn-cs"/>
+              </a:defRPr>
+            </a:lvl5pPr>
+            <a:lvl6pPr marL="2514600" indent="-228600" algn="l" defTabSz="914400" rtl="0" eaLnBrk="1" latinLnBrk="1" hangingPunct="1">
+              <a:lnSpc>
+                <a:spcPct val="120000"/>
+              </a:lnSpc>
+              <a:spcBef>
+                <a:spcPts val="500"/>
+              </a:spcBef>
+              <a:buClr>
+                <a:schemeClr val="accent1"/>
+              </a:buClr>
+              <a:buSzPct val="100000"/>
+              <a:buFont typeface="Arial" panose="020B0604020202020204" pitchFamily="34" charset="0"/>
+              <a:buChar char="•"/>
+              <a:defRPr sz="1200" kern="1200">
+                <a:solidFill>
+                  <a:schemeClr val="tx1"/>
+                </a:solidFill>
+                <a:effectLst/>
+                <a:latin typeface="+mn-lt"/>
+                <a:ea typeface="+mn-ea"/>
+                <a:cs typeface="+mn-cs"/>
+              </a:defRPr>
+            </a:lvl6pPr>
+            <a:lvl7pPr marL="2971800" indent="-228600" algn="l" defTabSz="914400" rtl="0" eaLnBrk="1" latinLnBrk="1" hangingPunct="1">
+              <a:lnSpc>
+                <a:spcPct val="120000"/>
+              </a:lnSpc>
+              <a:spcBef>
+                <a:spcPts val="500"/>
+              </a:spcBef>
+              <a:buClr>
+                <a:schemeClr val="accent1"/>
+              </a:buClr>
+              <a:buSzPct val="100000"/>
+              <a:buFont typeface="Arial" panose="020B0604020202020204" pitchFamily="34" charset="0"/>
+              <a:buChar char="•"/>
+              <a:defRPr sz="1200" kern="1200">
+                <a:solidFill>
+                  <a:schemeClr val="tx1"/>
+                </a:solidFill>
+                <a:effectLst/>
+                <a:latin typeface="+mn-lt"/>
+                <a:ea typeface="+mn-ea"/>
+                <a:cs typeface="+mn-cs"/>
+              </a:defRPr>
+            </a:lvl7pPr>
+            <a:lvl8pPr marL="3429000" indent="-228600" algn="l" defTabSz="914400" rtl="0" eaLnBrk="1" latinLnBrk="1" hangingPunct="1">
+              <a:lnSpc>
+                <a:spcPct val="120000"/>
+              </a:lnSpc>
+              <a:spcBef>
+                <a:spcPts val="500"/>
+              </a:spcBef>
+              <a:buClr>
+                <a:schemeClr val="accent1"/>
+              </a:buClr>
+              <a:buSzPct val="100000"/>
+              <a:buFont typeface="Arial" panose="020B0604020202020204" pitchFamily="34" charset="0"/>
+              <a:buChar char="•"/>
+              <a:defRPr sz="1200" kern="1200" baseline="0">
+                <a:solidFill>
+                  <a:schemeClr val="tx1"/>
+                </a:solidFill>
+                <a:effectLst/>
+                <a:latin typeface="+mn-lt"/>
+                <a:ea typeface="+mn-ea"/>
+                <a:cs typeface="+mn-cs"/>
+              </a:defRPr>
+            </a:lvl8pPr>
+            <a:lvl9pPr marL="3886200" indent="-228600" algn="l" defTabSz="914400" rtl="0" eaLnBrk="1" latinLnBrk="1" hangingPunct="1">
+              <a:lnSpc>
+                <a:spcPct val="120000"/>
+              </a:lnSpc>
+              <a:spcBef>
+                <a:spcPts val="500"/>
+              </a:spcBef>
+              <a:buClr>
+                <a:schemeClr val="accent1"/>
+              </a:buClr>
+              <a:buSzPct val="100000"/>
+              <a:buFont typeface="Arial" panose="020B0604020202020204" pitchFamily="34" charset="0"/>
+              <a:buChar char="•"/>
+              <a:defRPr sz="1200" kern="1200" baseline="0">
+                <a:solidFill>
+                  <a:schemeClr val="tx1"/>
+                </a:solidFill>
+                <a:effectLst/>
+                <a:latin typeface="+mn-lt"/>
+                <a:ea typeface="+mn-ea"/>
+                <a:cs typeface="+mn-cs"/>
+              </a:defRPr>
+            </a:lvl9pPr>
+          </a:lstStyle>
+          <a:p>
+            <a:pPr latinLnBrk="0"/>
+            <a:r>
+              <a:rPr lang="en-US" altLang="ko-KR" dirty="0"/>
+              <a:t>VR </a:t>
+            </a:r>
+            <a:r>
+              <a:rPr lang="ko-KR" altLang="en-US" dirty="0"/>
+              <a:t>컨트롤러의 위치 추적 방식에서 착안</a:t>
+            </a:r>
+            <a:endParaRPr lang="en-US" altLang="ko-KR" dirty="0"/>
+          </a:p>
+          <a:p>
+            <a:pPr latinLnBrk="0"/>
+            <a:endParaRPr lang="en-US" altLang="ko-KR" dirty="0"/>
+          </a:p>
+          <a:p>
+            <a:pPr latinLnBrk="0"/>
+            <a:r>
+              <a:rPr lang="ko-KR" altLang="en-US" dirty="0"/>
+              <a:t> </a:t>
+            </a:r>
+            <a:r>
+              <a:rPr lang="en-US" altLang="ko-KR" dirty="0" err="1"/>
+              <a:t>airbar</a:t>
+            </a:r>
+            <a:r>
+              <a:rPr lang="en-US" altLang="ko-KR" dirty="0"/>
+              <a:t>  </a:t>
+            </a:r>
+            <a:r>
+              <a:rPr lang="ko-KR" altLang="en-US" dirty="0"/>
+              <a:t>또한 찾아보니 적외선방식을 이용</a:t>
+            </a:r>
+            <a:endParaRPr lang="en-US" altLang="ko-KR" dirty="0"/>
+          </a:p>
+          <a:p>
+            <a:pPr marL="0" indent="0" latinLnBrk="0">
+              <a:buNone/>
+            </a:pPr>
+            <a:endParaRPr lang="en-US" altLang="ko-KR" dirty="0"/>
+          </a:p>
+          <a:p>
+            <a:pPr latinLnBrk="0"/>
+            <a:r>
+              <a:rPr lang="ko-KR" altLang="en-US" dirty="0"/>
+              <a:t>센서를 </a:t>
+            </a:r>
+            <a:r>
+              <a:rPr lang="en-US" altLang="ko-KR" dirty="0"/>
+              <a:t>360</a:t>
+            </a:r>
+            <a:r>
+              <a:rPr lang="ko-KR" altLang="en-US" dirty="0"/>
+              <a:t>도 돌리면서 적외선으로 스캔하는 방식</a:t>
+            </a:r>
+            <a:endParaRPr lang="en-US" altLang="ko-KR" dirty="0"/>
+          </a:p>
+          <a:p>
+            <a:pPr marL="0" indent="0" latinLnBrk="0">
+              <a:buNone/>
+            </a:pPr>
+            <a:endParaRPr lang="en-US" altLang="ko-KR" dirty="0"/>
+          </a:p>
+          <a:p>
+            <a:pPr latinLnBrk="0"/>
+            <a:r>
+              <a:rPr lang="ko-KR" altLang="en-US" dirty="0"/>
+              <a:t>이를 통해 거리와 스크린 위의 손 위치를 파악이 가능함 </a:t>
+            </a:r>
+            <a:endParaRPr lang="en-US" altLang="ko-KR" dirty="0"/>
+          </a:p>
+          <a:p>
+            <a:pPr latinLnBrk="0"/>
+            <a:endParaRPr lang="en-US" altLang="ko-KR" dirty="0"/>
+          </a:p>
+          <a:p>
+            <a:pPr marL="0" latinLnBrk="0"/>
+            <a:endParaRPr lang="en-US" altLang="ko-KR" dirty="0"/>
+          </a:p>
+        </p:txBody>
+      </p:sp>
+    </p:spTree>
+    <p:extLst>
+      <p:ext uri="{BB962C8B-B14F-4D97-AF65-F5344CB8AC3E}">
+        <p14:creationId xmlns:p14="http://schemas.microsoft.com/office/powerpoint/2010/main" val="3303681834"/>
+      </p:ext>
+    </p:extLst>
+  </p:cSld>
+  <p:clrMapOvr>
+    <a:masterClrMapping/>
+  </p:clrMapOvr>
+</p:sld>
+</file>
+
+<file path=ppt/slides/slide6.xml><?xml version="1.0" encoding="utf-8"?>
+<p:sld xmlns:a="http://schemas.openxmlformats.org/drawingml/2006/main" xmlns:r="http://schemas.openxmlformats.org/officeDocument/2006/relationships" xmlns:p="http://schemas.openxmlformats.org/presentationml/2006/main">
+  <p:cSld>
+    <p:spTree>
+      <p:nvGrpSpPr>
+        <p:cNvPr id="1" name=""/>
+        <p:cNvGrpSpPr/>
+        <p:nvPr/>
+      </p:nvGrpSpPr>
+      <p:grpSpPr>
+        <a:xfrm>
+          <a:off x="0" y="0"/>
+          <a:ext cx="0" cy="0"/>
+          <a:chOff x="0" y="0"/>
+          <a:chExt cx="0" cy="0"/>
+        </a:xfrm>
+      </p:grpSpPr>
+      <p:grpSp>
+        <p:nvGrpSpPr>
+          <p:cNvPr id="101" name="Group 100">
+            <a:extLst>
+              <a:ext uri="{FF2B5EF4-FFF2-40B4-BE49-F238E27FC236}">
+                <a16:creationId xmlns:a16="http://schemas.microsoft.com/office/drawing/2014/main" id="{ADB18E6F-FE38-40D0-A2EC-DB2E37F04189}"/>
+              </a:ext>
+            </a:extLst>
+          </p:cNvPr>
+          <p:cNvGrpSpPr>
+            <a:grpSpLocks noGrp="1" noUngrp="1" noRot="1" noChangeAspect="1" noMove="1" noResize="1"/>
+          </p:cNvGrpSpPr>
+          <p:nvPr>
+            <p:extLst>
+              <p:ext uri="{386F3935-93C4-4BCD-93E2-E3B085C9AB24}">
+                <p16:designElem xmlns:p16="http://schemas.microsoft.com/office/powerpoint/2015/main" val="1"/>
+              </p:ext>
+            </p:extLst>
+          </p:nvPr>
+        </p:nvGrpSpPr>
+        <p:grpSpPr>
+          <a:xfrm>
+            <a:off x="1446399" y="2012810"/>
+            <a:ext cx="3413507" cy="3459865"/>
+            <a:chOff x="7630846" y="2123762"/>
+            <a:chExt cx="3413507" cy="3481923"/>
+          </a:xfrm>
+        </p:grpSpPr>
+        <p:sp>
+          <p:nvSpPr>
+            <p:cNvPr id="102" name="Rectangle 101">
+              <a:extLst/>
+            </p:cNvPr>
+            <p:cNvSpPr/>
+            <p:nvPr>
+              <p:extLst>
+                <p:ext uri="{386F3935-93C4-4BCD-93E2-E3B085C9AB24}">
+                  <p16:designElem xmlns:p16="http://schemas.microsoft.com/office/powerpoint/2015/main" val="1"/>
+                </p:ext>
+              </p:extLst>
+            </p:nvPr>
+          </p:nvSpPr>
+          <p:spPr>
+            <a:xfrm>
+              <a:off x="7630846" y="2123762"/>
+              <a:ext cx="3413507" cy="3481923"/>
+            </a:xfrm>
+            <a:prstGeom prst="rect">
+              <a:avLst/>
+            </a:prstGeom>
+            <a:gradFill>
+              <a:gsLst>
+                <a:gs pos="0">
+                  <a:srgbClr val="000001"/>
+                </a:gs>
+                <a:gs pos="100000">
+                  <a:srgbClr val="191919"/>
+                </a:gs>
+              </a:gsLst>
+            </a:gradFill>
+            <a:ln w="76200" cmpd="sng">
+              <a:noFill/>
+              <a:miter lim="800000"/>
+            </a:ln>
+            <a:effectLst>
+              <a:outerShdw blurRad="127000" dist="228600" dir="4740000" sx="98000" sy="98000" algn="tl" rotWithShape="0">
+                <a:srgbClr val="000000">
+                  <a:alpha val="34000"/>
+                </a:srgbClr>
+              </a:outerShdw>
+            </a:effectLst>
+            <a:scene3d>
+              <a:camera prst="orthographicFront"/>
+              <a:lightRig rig="threePt" dir="t"/>
+            </a:scene3d>
+            <a:sp3d>
+              <a:bevelT w="152400" h="50800" prst="softRound"/>
+            </a:sp3d>
+          </p:spPr>
+          <p:style>
+            <a:lnRef idx="1">
+              <a:schemeClr val="accent1"/>
+            </a:lnRef>
+            <a:fillRef idx="3">
+              <a:schemeClr val="accent1"/>
+            </a:fillRef>
+            <a:effectRef idx="2">
+              <a:schemeClr val="accent1"/>
+            </a:effectRef>
+            <a:fontRef idx="minor">
+              <a:schemeClr val="lt1"/>
+            </a:fontRef>
+          </p:style>
+          <p:txBody>
+            <a:bodyPr rtlCol="0" anchor="ctr"/>
+            <a:lstStyle/>
+            <a:p>
+              <a:pPr algn="ctr"/>
+              <a:endParaRPr lang="en-US"/>
+            </a:p>
+          </p:txBody>
+        </p:sp>
+        <p:sp>
+          <p:nvSpPr>
+            <p:cNvPr id="103" name="Rectangle 102">
+              <a:extLst/>
+            </p:cNvPr>
+            <p:cNvSpPr/>
+            <p:nvPr>
+              <p:extLst>
+                <p:ext uri="{386F3935-93C4-4BCD-93E2-E3B085C9AB24}">
+                  <p16:designElem xmlns:p16="http://schemas.microsoft.com/office/powerpoint/2015/main" val="1"/>
+                </p:ext>
+              </p:extLst>
+            </p:nvPr>
+          </p:nvSpPr>
+          <p:spPr>
+            <a:xfrm>
+              <a:off x="7779809" y="2294169"/>
+              <a:ext cx="3100817" cy="3149963"/>
+            </a:xfrm>
+            <a:prstGeom prst="rect">
+              <a:avLst/>
+            </a:prstGeom>
+            <a:gradFill>
+              <a:gsLst>
+                <a:gs pos="0">
+                  <a:srgbClr val="DADADA"/>
+                </a:gs>
+                <a:gs pos="100000">
+                  <a:srgbClr val="FFFFFE"/>
+                </a:gs>
+              </a:gsLst>
+              <a:lin ang="16200000" scaled="0"/>
+            </a:gradFill>
+            <a:ln w="50800" cmpd="sng">
+              <a:solidFill>
+                <a:srgbClr val="191919"/>
+              </a:solidFill>
+              <a:miter lim="800000"/>
+            </a:ln>
+            <a:effectLst>
+              <a:innerShdw blurRad="63500" dist="88900" dir="14100000">
+                <a:srgbClr val="000000">
+                  <a:alpha val="30000"/>
+                </a:srgbClr>
+              </a:innerShdw>
+            </a:effectLst>
+            <a:scene3d>
+              <a:camera prst="orthographicFront"/>
+              <a:lightRig rig="threePt" dir="t"/>
+            </a:scene3d>
+            <a:sp3d>
+              <a:bevelT prst="relaxedInset"/>
+            </a:sp3d>
+          </p:spPr>
+          <p:style>
+            <a:lnRef idx="1">
+              <a:schemeClr val="accent1"/>
+            </a:lnRef>
+            <a:fillRef idx="3">
+              <a:schemeClr val="accent1"/>
+            </a:fillRef>
+            <a:effectRef idx="2">
+              <a:schemeClr val="accent1"/>
+            </a:effectRef>
+            <a:fontRef idx="minor">
+              <a:schemeClr val="lt1"/>
+            </a:fontRef>
+          </p:style>
+          <p:txBody>
+            <a:bodyPr rtlCol="0" anchor="ctr"/>
+            <a:lstStyle/>
+            <a:p>
+              <a:pPr algn="ctr"/>
+              <a:endParaRPr lang="en-US"/>
+            </a:p>
+          </p:txBody>
+        </p:sp>
+      </p:grpSp>
+      <p:pic>
+        <p:nvPicPr>
+          <p:cNvPr id="21" name="Picture 2" descr="https://image.slidesharecdn.com/hexmagslamipin201302-131031152606-phpapp01/95/simultaneous-localization-and-mapping-for-pedestrians-using-distortions-of-the-local-magnetic-field-intensity-in-large-indoor-environments-3-638.jpg?cb=1383233353">
+            <a:extLst>
+              <a:ext uri="{FF2B5EF4-FFF2-40B4-BE49-F238E27FC236}">
+                <a16:creationId xmlns:a16="http://schemas.microsoft.com/office/drawing/2014/main" id="{77FE2A5B-5326-4236-8F98-C8AD92AC0D8E}"/>
+              </a:ext>
+            </a:extLst>
+          </p:cNvPr>
+          <p:cNvPicPr>
+            <a:picLocks noChangeAspect="1" noChangeArrowheads="1"/>
+          </p:cNvPicPr>
+          <p:nvPr/>
+        </p:nvPicPr>
+        <p:blipFill rotWithShape="1">
+          <a:blip r:embed="rId2">
+            <a:extLst>
+              <a:ext uri="{28A0092B-C50C-407E-A947-70E740481C1C}">
+                <a14:useLocalDpi xmlns:a14="http://schemas.microsoft.com/office/drawing/2010/main" val="0"/>
+              </a:ext>
+            </a:extLst>
+          </a:blip>
+          <a:srcRect l="17343" r="9085" b="-6"/>
+          <a:stretch/>
+        </p:blipFill>
+        <p:spPr bwMode="auto">
+          <a:xfrm>
+            <a:off x="1699492" y="2265641"/>
+            <a:ext cx="2896730" cy="2953132"/>
+          </a:xfrm>
+          <a:prstGeom prst="rect">
+            <a:avLst/>
+          </a:prstGeom>
+          <a:noFill/>
+          <a:extLst>
+            <a:ext uri="{909E8E84-426E-40DD-AFC4-6F175D3DCCD1}">
+              <a14:hiddenFill xmlns:a14="http://schemas.microsoft.com/office/drawing/2010/main">
+                <a:solidFill>
+                  <a:srgbClr val="FFFFFF"/>
+                </a:solidFill>
+              </a14:hiddenFill>
+            </a:ext>
+          </a:extLst>
+        </p:spPr>
+      </p:pic>
+      <p:sp>
+        <p:nvSpPr>
+          <p:cNvPr id="2" name="제목 1">
+            <a:extLst>
+              <a:ext uri="{FF2B5EF4-FFF2-40B4-BE49-F238E27FC236}">
+                <a16:creationId xmlns:a16="http://schemas.microsoft.com/office/drawing/2014/main" id="{E7E29B15-BD08-4688-B649-6836E8C6C3AC}"/>
+              </a:ext>
+            </a:extLst>
+          </p:cNvPr>
+          <p:cNvSpPr>
+            <a:spLocks noGrp="1"/>
+          </p:cNvSpPr>
+          <p:nvPr>
+            <p:ph type="title"/>
+          </p:nvPr>
+        </p:nvSpPr>
+        <p:spPr>
+          <a:xfrm>
+            <a:off x="1451579" y="804519"/>
+            <a:ext cx="9603275" cy="1049235"/>
+          </a:xfrm>
+        </p:spPr>
+        <p:txBody>
+          <a:bodyPr vert="horz" lIns="91440" tIns="45720" rIns="91440" bIns="45720" rtlCol="0" anchor="t">
+            <a:normAutofit/>
+          </a:bodyPr>
+          <a:lstStyle/>
+          <a:p>
+            <a:pPr latinLnBrk="0"/>
+            <a:r>
+              <a:rPr lang="ko-KR" altLang="en-US" dirty="0"/>
+              <a:t>자기장 변화를 이용한 거리 인식 방법</a:t>
+            </a:r>
+          </a:p>
+        </p:txBody>
+      </p:sp>
+      <p:sp>
+        <p:nvSpPr>
+          <p:cNvPr id="9" name="내용 개체 틀 2">
+            <a:extLst>
+              <a:ext uri="{FF2B5EF4-FFF2-40B4-BE49-F238E27FC236}">
+                <a16:creationId xmlns:a16="http://schemas.microsoft.com/office/drawing/2014/main" id="{5647755A-61AE-495E-AE6D-C8FE4D974240}"/>
+              </a:ext>
+            </a:extLst>
+          </p:cNvPr>
+          <p:cNvSpPr txBox="1">
+            <a:spLocks/>
+          </p:cNvSpPr>
+          <p:nvPr/>
+        </p:nvSpPr>
+        <p:spPr>
+          <a:xfrm>
+            <a:off x="5342122" y="2015734"/>
+            <a:ext cx="5707937" cy="3450613"/>
+          </a:xfrm>
+          <a:prstGeom prst="rect">
+            <a:avLst/>
+          </a:prstGeom>
+        </p:spPr>
+        <p:txBody>
+          <a:bodyPr vert="horz" lIns="91440" tIns="45720" rIns="91440" bIns="45720" rtlCol="0" anchor="t">
+            <a:normAutofit/>
+          </a:bodyPr>
+          <a:lstStyle>
+            <a:lvl1pPr marL="228600" indent="-228600" algn="l" defTabSz="914400" rtl="0" eaLnBrk="1" latinLnBrk="1" hangingPunct="1">
+              <a:lnSpc>
+                <a:spcPct val="120000"/>
+              </a:lnSpc>
+              <a:spcBef>
+                <a:spcPts val="1000"/>
+              </a:spcBef>
+              <a:buClr>
+                <a:schemeClr val="accent1"/>
+              </a:buClr>
+              <a:buSzPct val="100000"/>
+              <a:buFont typeface="Arial" panose="020B0604020202020204" pitchFamily="34" charset="0"/>
+              <a:buChar char="•"/>
+              <a:defRPr sz="2000" kern="1200">
+                <a:solidFill>
+                  <a:schemeClr val="tx1"/>
+                </a:solidFill>
+                <a:effectLst/>
+                <a:latin typeface="+mn-lt"/>
+                <a:ea typeface="+mn-ea"/>
+                <a:cs typeface="+mn-cs"/>
+              </a:defRPr>
+            </a:lvl1pPr>
+            <a:lvl2pPr marL="685800" indent="-228600" algn="l" defTabSz="914400" rtl="0" eaLnBrk="1" latinLnBrk="1" hangingPunct="1">
+              <a:lnSpc>
+                <a:spcPct val="120000"/>
+              </a:lnSpc>
+              <a:spcBef>
+                <a:spcPts val="500"/>
+              </a:spcBef>
+              <a:buClr>
+                <a:schemeClr val="accent1"/>
+              </a:buClr>
+              <a:buSzPct val="100000"/>
+              <a:buFont typeface="Arial" panose="020B0604020202020204" pitchFamily="34" charset="0"/>
+              <a:buChar char="•"/>
+              <a:defRPr sz="1800" kern="1200" cap="none" baseline="0">
+                <a:solidFill>
+                  <a:schemeClr val="tx1"/>
+                </a:solidFill>
+                <a:effectLst/>
+                <a:latin typeface="+mn-lt"/>
+                <a:ea typeface="+mn-ea"/>
+                <a:cs typeface="+mn-cs"/>
+              </a:defRPr>
+            </a:lvl2pPr>
+            <a:lvl3pPr marL="1143000" indent="-228600" algn="l" defTabSz="914400" rtl="0" eaLnBrk="1" latinLnBrk="1" hangingPunct="1">
+              <a:lnSpc>
+                <a:spcPct val="120000"/>
+              </a:lnSpc>
+              <a:spcBef>
+                <a:spcPts val="500"/>
+              </a:spcBef>
+              <a:buClr>
+                <a:schemeClr val="accent1"/>
+              </a:buClr>
+              <a:buSzPct val="100000"/>
+              <a:buFont typeface="Arial" panose="020B0604020202020204" pitchFamily="34" charset="0"/>
+              <a:buChar char="•"/>
+              <a:defRPr sz="1600" kern="1200">
+                <a:solidFill>
+                  <a:schemeClr val="tx1"/>
+                </a:solidFill>
+                <a:effectLst/>
+                <a:latin typeface="+mn-lt"/>
+                <a:ea typeface="+mn-ea"/>
+                <a:cs typeface="+mn-cs"/>
+              </a:defRPr>
+            </a:lvl3pPr>
+            <a:lvl4pPr marL="1600200" indent="-228600" algn="l" defTabSz="914400" rtl="0" eaLnBrk="1" latinLnBrk="1" hangingPunct="1">
+              <a:lnSpc>
+                <a:spcPct val="120000"/>
+              </a:lnSpc>
+              <a:spcBef>
+                <a:spcPts val="500"/>
+              </a:spcBef>
+              <a:buClr>
+                <a:schemeClr val="accent1"/>
+              </a:buClr>
+              <a:buSzPct val="100000"/>
+              <a:buFont typeface="Arial" panose="020B0604020202020204" pitchFamily="34" charset="0"/>
+              <a:buChar char="•"/>
+              <a:defRPr sz="1400" kern="1200" cap="none" baseline="0">
+                <a:solidFill>
+                  <a:schemeClr val="tx1"/>
+                </a:solidFill>
+                <a:effectLst/>
+                <a:latin typeface="+mn-lt"/>
+                <a:ea typeface="+mn-ea"/>
+                <a:cs typeface="+mn-cs"/>
+              </a:defRPr>
+            </a:lvl4pPr>
+            <a:lvl5pPr marL="2057400" indent="-228600" algn="l" defTabSz="914400" rtl="0" eaLnBrk="1" latinLnBrk="1" hangingPunct="1">
+              <a:lnSpc>
+                <a:spcPct val="120000"/>
+              </a:lnSpc>
+              <a:spcBef>
+                <a:spcPts val="500"/>
+              </a:spcBef>
+              <a:buClr>
+                <a:schemeClr val="accent1"/>
+              </a:buClr>
+              <a:buSzPct val="100000"/>
+              <a:buFont typeface="Arial" panose="020B0604020202020204" pitchFamily="34" charset="0"/>
+              <a:buChar char="•"/>
+              <a:defRPr sz="1200" kern="1200">
+                <a:solidFill>
+                  <a:schemeClr val="tx1"/>
+                </a:solidFill>
+                <a:effectLst/>
+                <a:latin typeface="+mn-lt"/>
+                <a:ea typeface="+mn-ea"/>
+                <a:cs typeface="+mn-cs"/>
+              </a:defRPr>
+            </a:lvl5pPr>
+            <a:lvl6pPr marL="2514600" indent="-228600" algn="l" defTabSz="914400" rtl="0" eaLnBrk="1" latinLnBrk="1" hangingPunct="1">
+              <a:lnSpc>
+                <a:spcPct val="120000"/>
+              </a:lnSpc>
+              <a:spcBef>
+                <a:spcPts val="500"/>
+              </a:spcBef>
+              <a:buClr>
+                <a:schemeClr val="accent1"/>
+              </a:buClr>
+              <a:buSzPct val="100000"/>
+              <a:buFont typeface="Arial" panose="020B0604020202020204" pitchFamily="34" charset="0"/>
+              <a:buChar char="•"/>
+              <a:defRPr sz="1200" kern="1200">
+                <a:solidFill>
+                  <a:schemeClr val="tx1"/>
+                </a:solidFill>
+                <a:effectLst/>
+                <a:latin typeface="+mn-lt"/>
+                <a:ea typeface="+mn-ea"/>
+                <a:cs typeface="+mn-cs"/>
+              </a:defRPr>
+            </a:lvl6pPr>
+            <a:lvl7pPr marL="2971800" indent="-228600" algn="l" defTabSz="914400" rtl="0" eaLnBrk="1" latinLnBrk="1" hangingPunct="1">
+              <a:lnSpc>
+                <a:spcPct val="120000"/>
+              </a:lnSpc>
+              <a:spcBef>
+                <a:spcPts val="500"/>
+              </a:spcBef>
+              <a:buClr>
+                <a:schemeClr val="accent1"/>
+              </a:buClr>
+              <a:buSzPct val="100000"/>
+              <a:buFont typeface="Arial" panose="020B0604020202020204" pitchFamily="34" charset="0"/>
+              <a:buChar char="•"/>
+              <a:defRPr sz="1200" kern="1200">
+                <a:solidFill>
+                  <a:schemeClr val="tx1"/>
+                </a:solidFill>
+                <a:effectLst/>
+                <a:latin typeface="+mn-lt"/>
+                <a:ea typeface="+mn-ea"/>
+                <a:cs typeface="+mn-cs"/>
+              </a:defRPr>
+            </a:lvl7pPr>
+            <a:lvl8pPr marL="3429000" indent="-228600" algn="l" defTabSz="914400" rtl="0" eaLnBrk="1" latinLnBrk="1" hangingPunct="1">
+              <a:lnSpc>
+                <a:spcPct val="120000"/>
+              </a:lnSpc>
+              <a:spcBef>
+                <a:spcPts val="500"/>
+              </a:spcBef>
+              <a:buClr>
+                <a:schemeClr val="accent1"/>
+              </a:buClr>
+              <a:buSzPct val="100000"/>
+              <a:buFont typeface="Arial" panose="020B0604020202020204" pitchFamily="34" charset="0"/>
+              <a:buChar char="•"/>
+              <a:defRPr sz="1200" kern="1200" baseline="0">
+                <a:solidFill>
+                  <a:schemeClr val="tx1"/>
+                </a:solidFill>
+                <a:effectLst/>
+                <a:latin typeface="+mn-lt"/>
+                <a:ea typeface="+mn-ea"/>
+                <a:cs typeface="+mn-cs"/>
+              </a:defRPr>
+            </a:lvl8pPr>
+            <a:lvl9pPr marL="3886200" indent="-228600" algn="l" defTabSz="914400" rtl="0" eaLnBrk="1" latinLnBrk="1" hangingPunct="1">
+              <a:lnSpc>
+                <a:spcPct val="120000"/>
+              </a:lnSpc>
+              <a:spcBef>
+                <a:spcPts val="500"/>
+              </a:spcBef>
+              <a:buClr>
+                <a:schemeClr val="accent1"/>
+              </a:buClr>
+              <a:buSzPct val="100000"/>
+              <a:buFont typeface="Arial" panose="020B0604020202020204" pitchFamily="34" charset="0"/>
+              <a:buChar char="•"/>
+              <a:defRPr sz="1200" kern="1200" baseline="0">
+                <a:solidFill>
+                  <a:schemeClr val="tx1"/>
+                </a:solidFill>
+                <a:effectLst/>
+                <a:latin typeface="+mn-lt"/>
+                <a:ea typeface="+mn-ea"/>
+                <a:cs typeface="+mn-cs"/>
+              </a:defRPr>
+            </a:lvl9pPr>
+          </a:lstStyle>
+          <a:p>
+            <a:pPr latinLnBrk="0">
+              <a:lnSpc>
+                <a:spcPct val="110000"/>
+              </a:lnSpc>
+            </a:pPr>
+            <a:r>
+              <a:rPr lang="en-US" altLang="ko-KR" sz="1900" dirty="0"/>
+              <a:t>Indoor</a:t>
+            </a:r>
+            <a:r>
+              <a:rPr lang="ko-KR" altLang="en-US" sz="1900" dirty="0"/>
+              <a:t> </a:t>
+            </a:r>
+            <a:r>
+              <a:rPr lang="en-US" altLang="ko-KR" sz="1900" dirty="0"/>
+              <a:t>navigation</a:t>
+            </a:r>
+            <a:r>
+              <a:rPr lang="ko-KR" altLang="en-US" sz="1900" dirty="0"/>
+              <a:t>으로 쓰이는 방법 중 하나 </a:t>
+            </a:r>
+            <a:endParaRPr lang="en-US" altLang="ko-KR" sz="1900" dirty="0"/>
+          </a:p>
+          <a:p>
+            <a:pPr latinLnBrk="0">
+              <a:lnSpc>
+                <a:spcPct val="110000"/>
+              </a:lnSpc>
+            </a:pPr>
+            <a:endParaRPr lang="en-US" altLang="ko-KR" sz="1900" dirty="0"/>
+          </a:p>
+          <a:p>
+            <a:pPr latinLnBrk="0">
+              <a:lnSpc>
+                <a:spcPct val="110000"/>
+              </a:lnSpc>
+            </a:pPr>
+            <a:r>
+              <a:rPr lang="ko-KR" altLang="en-US" sz="1900" dirty="0"/>
+              <a:t>실내 위치에 따른 자기장 변화를 인식하여서  위치 인식 방법</a:t>
+            </a:r>
+            <a:endParaRPr lang="en-US" altLang="ko-KR" sz="1900" dirty="0"/>
+          </a:p>
+          <a:p>
+            <a:pPr latinLnBrk="0">
+              <a:lnSpc>
+                <a:spcPct val="110000"/>
+              </a:lnSpc>
+            </a:pPr>
+            <a:endParaRPr lang="en-US" altLang="ko-KR" sz="1900" dirty="0"/>
+          </a:p>
+          <a:p>
+            <a:pPr latinLnBrk="0">
+              <a:lnSpc>
+                <a:spcPct val="110000"/>
+              </a:lnSpc>
+            </a:pPr>
+            <a:r>
+              <a:rPr lang="ko-KR" altLang="en-US" sz="1900" dirty="0"/>
+              <a:t>이 방법을 이용하여서 스크린 위 손 위치를 파악</a:t>
+            </a:r>
+            <a:endParaRPr lang="en-US" altLang="ko-KR" sz="1900" dirty="0"/>
+          </a:p>
+          <a:p>
+            <a:pPr marL="0" indent="0" latinLnBrk="0">
+              <a:lnSpc>
+                <a:spcPct val="110000"/>
+              </a:lnSpc>
+              <a:buNone/>
+            </a:pPr>
+            <a:endParaRPr lang="en-US" altLang="ko-KR" sz="1900" dirty="0"/>
+          </a:p>
+        </p:txBody>
+      </p:sp>
+    </p:spTree>
+    <p:extLst>
+      <p:ext uri="{BB962C8B-B14F-4D97-AF65-F5344CB8AC3E}">
+        <p14:creationId xmlns:p14="http://schemas.microsoft.com/office/powerpoint/2010/main" val="3139515882"/>
+      </p:ext>
+    </p:extLst>
+  </p:cSld>
+  <p:clrMapOvr>
+    <a:masterClrMapping/>
+  </p:clrMapOvr>
+</p:sld>
+</file>
+
+<file path=ppt/slides/slide7.xml><?xml version="1.0" encoding="utf-8"?>
+<p:sld xmlns:a="http://schemas.openxmlformats.org/drawingml/2006/main" xmlns:r="http://schemas.openxmlformats.org/officeDocument/2006/relationships" xmlns:p="http://schemas.openxmlformats.org/presentationml/2006/main">
+  <p:cSld>
+    <p:spTree>
+      <p:nvGrpSpPr>
+        <p:cNvPr id="1" name=""/>
+        <p:cNvGrpSpPr/>
+        <p:nvPr/>
+      </p:nvGrpSpPr>
+      <p:grpSpPr>
+        <a:xfrm>
+          <a:off x="0" y="0"/>
+          <a:ext cx="0" cy="0"/>
+          <a:chOff x="0" y="0"/>
+          <a:chExt cx="0" cy="0"/>
+        </a:xfrm>
+      </p:grpSpPr>
+      <p:grpSp>
+        <p:nvGrpSpPr>
+          <p:cNvPr id="71" name="Group 70">
+            <a:extLst>
+              <a:ext uri="{FF2B5EF4-FFF2-40B4-BE49-F238E27FC236}">
+                <a16:creationId xmlns:a16="http://schemas.microsoft.com/office/drawing/2014/main" id="{ADB18E6F-FE38-40D0-A2EC-DB2E37F04189}"/>
+              </a:ext>
+            </a:extLst>
+          </p:cNvPr>
+          <p:cNvGrpSpPr>
+            <a:grpSpLocks noGrp="1" noUngrp="1" noRot="1" noChangeAspect="1" noMove="1" noResize="1"/>
+          </p:cNvGrpSpPr>
+          <p:nvPr>
+            <p:extLst>
+              <p:ext uri="{386F3935-93C4-4BCD-93E2-E3B085C9AB24}">
+                <p16:designElem xmlns:p16="http://schemas.microsoft.com/office/powerpoint/2015/main" val="1"/>
+              </p:ext>
+            </p:extLst>
+          </p:nvPr>
+        </p:nvGrpSpPr>
+        <p:grpSpPr>
+          <a:xfrm>
+            <a:off x="1446399" y="2012810"/>
+            <a:ext cx="3413507" cy="3459865"/>
+            <a:chOff x="7630846" y="2123762"/>
+            <a:chExt cx="3413507" cy="3481923"/>
+          </a:xfrm>
+        </p:grpSpPr>
+        <p:sp>
+          <p:nvSpPr>
+            <p:cNvPr id="72" name="Rectangle 71">
+              <a:extLst/>
+            </p:cNvPr>
+            <p:cNvSpPr/>
+            <p:nvPr>
+              <p:extLst>
+                <p:ext uri="{386F3935-93C4-4BCD-93E2-E3B085C9AB24}">
+                  <p16:designElem xmlns:p16="http://schemas.microsoft.com/office/powerpoint/2015/main" val="1"/>
+                </p:ext>
+              </p:extLst>
+            </p:nvPr>
+          </p:nvSpPr>
+          <p:spPr>
+            <a:xfrm>
+              <a:off x="7630846" y="2123762"/>
+              <a:ext cx="3413507" cy="3481923"/>
+            </a:xfrm>
+            <a:prstGeom prst="rect">
+              <a:avLst/>
+            </a:prstGeom>
+            <a:gradFill>
+              <a:gsLst>
+                <a:gs pos="0">
+                  <a:srgbClr val="000001"/>
+                </a:gs>
+                <a:gs pos="100000">
+                  <a:srgbClr val="191919"/>
+                </a:gs>
+              </a:gsLst>
+            </a:gradFill>
+            <a:ln w="76200" cmpd="sng">
+              <a:noFill/>
+              <a:miter lim="800000"/>
+            </a:ln>
+            <a:effectLst>
+              <a:outerShdw blurRad="127000" dist="228600" dir="4740000" sx="98000" sy="98000" algn="tl" rotWithShape="0">
+                <a:srgbClr val="000000">
+                  <a:alpha val="34000"/>
+                </a:srgbClr>
+              </a:outerShdw>
+            </a:effectLst>
+            <a:scene3d>
+              <a:camera prst="orthographicFront"/>
+              <a:lightRig rig="threePt" dir="t"/>
+            </a:scene3d>
+            <a:sp3d>
+              <a:bevelT w="152400" h="50800" prst="softRound"/>
+            </a:sp3d>
+          </p:spPr>
+          <p:style>
+            <a:lnRef idx="1">
+              <a:schemeClr val="accent1"/>
+            </a:lnRef>
+            <a:fillRef idx="3">
+              <a:schemeClr val="accent1"/>
+            </a:fillRef>
+            <a:effectRef idx="2">
+              <a:schemeClr val="accent1"/>
+            </a:effectRef>
+            <a:fontRef idx="minor">
+              <a:schemeClr val="lt1"/>
+            </a:fontRef>
+          </p:style>
+          <p:txBody>
+            <a:bodyPr rtlCol="0" anchor="ctr"/>
+            <a:lstStyle/>
+            <a:p>
+              <a:pPr algn="ctr"/>
+              <a:endParaRPr lang="en-US"/>
+            </a:p>
+          </p:txBody>
+        </p:sp>
+        <p:sp>
+          <p:nvSpPr>
+            <p:cNvPr id="73" name="Rectangle 72">
+              <a:extLst/>
+            </p:cNvPr>
+            <p:cNvSpPr/>
+            <p:nvPr>
+              <p:extLst>
+                <p:ext uri="{386F3935-93C4-4BCD-93E2-E3B085C9AB24}">
+                  <p16:designElem xmlns:p16="http://schemas.microsoft.com/office/powerpoint/2015/main" val="1"/>
+                </p:ext>
+              </p:extLst>
+            </p:nvPr>
+          </p:nvSpPr>
+          <p:spPr>
+            <a:xfrm>
+              <a:off x="7779809" y="2294169"/>
+              <a:ext cx="3100817" cy="3149963"/>
+            </a:xfrm>
+            <a:prstGeom prst="rect">
+              <a:avLst/>
+            </a:prstGeom>
+            <a:gradFill>
+              <a:gsLst>
+                <a:gs pos="0">
+                  <a:srgbClr val="DADADA"/>
+                </a:gs>
+                <a:gs pos="100000">
+                  <a:srgbClr val="FFFFFE"/>
+                </a:gs>
+              </a:gsLst>
+              <a:lin ang="16200000" scaled="0"/>
+            </a:gradFill>
+            <a:ln w="50800" cmpd="sng">
+              <a:solidFill>
+                <a:srgbClr val="191919"/>
+              </a:solidFill>
+              <a:miter lim="800000"/>
+            </a:ln>
+            <a:effectLst>
+              <a:innerShdw blurRad="63500" dist="88900" dir="14100000">
+                <a:srgbClr val="000000">
+                  <a:alpha val="30000"/>
+                </a:srgbClr>
+              </a:innerShdw>
+            </a:effectLst>
+            <a:scene3d>
+              <a:camera prst="orthographicFront"/>
+              <a:lightRig rig="threePt" dir="t"/>
+            </a:scene3d>
+            <a:sp3d>
+              <a:bevelT prst="relaxedInset"/>
+            </a:sp3d>
+          </p:spPr>
+          <p:style>
+            <a:lnRef idx="1">
+              <a:schemeClr val="accent1"/>
+            </a:lnRef>
+            <a:fillRef idx="3">
+              <a:schemeClr val="accent1"/>
+            </a:fillRef>
+            <a:effectRef idx="2">
+              <a:schemeClr val="accent1"/>
+            </a:effectRef>
+            <a:fontRef idx="minor">
+              <a:schemeClr val="lt1"/>
+            </a:fontRef>
+          </p:style>
+          <p:txBody>
+            <a:bodyPr rtlCol="0" anchor="ctr"/>
+            <a:lstStyle/>
+            <a:p>
+              <a:pPr algn="ctr"/>
+              <a:endParaRPr lang="en-US"/>
+            </a:p>
+          </p:txBody>
+        </p:sp>
+      </p:grpSp>
+      <p:pic>
+        <p:nvPicPr>
+          <p:cNvPr id="1026" name="Picture 2" descr="강의실 게시판에 대한 이미지 검색결과">
+            <a:extLst>
+              <a:ext uri="{FF2B5EF4-FFF2-40B4-BE49-F238E27FC236}">
+                <a16:creationId xmlns:a16="http://schemas.microsoft.com/office/drawing/2014/main" id="{D48E5CE5-1F87-4220-ACD5-AB7FC59108FF}"/>
+              </a:ext>
+            </a:extLst>
+          </p:cNvPr>
+          <p:cNvPicPr>
+            <a:picLocks noChangeAspect="1" noChangeArrowheads="1"/>
+          </p:cNvPicPr>
+          <p:nvPr/>
+        </p:nvPicPr>
+        <p:blipFill rotWithShape="1">
+          <a:blip r:embed="rId2">
+            <a:extLst>
+              <a:ext uri="{28A0092B-C50C-407E-A947-70E740481C1C}">
+                <a14:useLocalDpi xmlns:a14="http://schemas.microsoft.com/office/drawing/2010/main" val="0"/>
+              </a:ext>
+            </a:extLst>
+          </a:blip>
+          <a:srcRect l="7157" r="19518" b="-4"/>
+          <a:stretch/>
+        </p:blipFill>
+        <p:spPr bwMode="auto">
+          <a:xfrm>
+            <a:off x="1736436" y="2303306"/>
+            <a:ext cx="2832381" cy="2887530"/>
+          </a:xfrm>
+          <a:prstGeom prst="rect">
+            <a:avLst/>
+          </a:prstGeom>
+          <a:noFill/>
+          <a:extLst>
+            <a:ext uri="{909E8E84-426E-40DD-AFC4-6F175D3DCCD1}">
+              <a14:hiddenFill xmlns:a14="http://schemas.microsoft.com/office/drawing/2010/main">
+                <a:solidFill>
+                  <a:srgbClr val="FFFFFF"/>
+                </a:solidFill>
+              </a14:hiddenFill>
+            </a:ext>
+          </a:extLst>
+        </p:spPr>
+      </p:pic>
+      <p:sp>
+        <p:nvSpPr>
+          <p:cNvPr id="2" name="제목 1">
+            <a:extLst>
+              <a:ext uri="{FF2B5EF4-FFF2-40B4-BE49-F238E27FC236}">
+                <a16:creationId xmlns:a16="http://schemas.microsoft.com/office/drawing/2014/main" id="{98AAAA4F-2F1A-4660-A65A-618845084E9D}"/>
+              </a:ext>
+            </a:extLst>
+          </p:cNvPr>
+          <p:cNvSpPr>
+            <a:spLocks noGrp="1"/>
+          </p:cNvSpPr>
+          <p:nvPr>
+            <p:ph type="title"/>
+          </p:nvPr>
+        </p:nvSpPr>
+        <p:spPr>
+          <a:xfrm>
+            <a:off x="1451579" y="804519"/>
+            <a:ext cx="9603275" cy="1049235"/>
+          </a:xfrm>
+        </p:spPr>
+        <p:txBody>
+          <a:bodyPr>
+            <a:normAutofit/>
+          </a:bodyPr>
+          <a:lstStyle/>
+          <a:p>
+            <a:r>
+              <a:rPr lang="ko-KR" altLang="en-US" dirty="0"/>
+              <a:t>새로운 문제 제기</a:t>
+            </a:r>
+          </a:p>
+        </p:txBody>
+      </p:sp>
+      <p:sp>
+        <p:nvSpPr>
+          <p:cNvPr id="3" name="내용 개체 틀 2">
+            <a:extLst>
+              <a:ext uri="{FF2B5EF4-FFF2-40B4-BE49-F238E27FC236}">
+                <a16:creationId xmlns:a16="http://schemas.microsoft.com/office/drawing/2014/main" id="{8C95E1F1-AA7D-4D45-81AF-87E03AAC9097}"/>
+              </a:ext>
+            </a:extLst>
+          </p:cNvPr>
+          <p:cNvSpPr>
+            <a:spLocks noGrp="1"/>
+          </p:cNvSpPr>
+          <p:nvPr>
+            <p:ph idx="1"/>
+          </p:nvPr>
+        </p:nvSpPr>
+        <p:spPr>
+          <a:xfrm>
+            <a:off x="5342122" y="2015734"/>
+            <a:ext cx="5707937" cy="3450613"/>
+          </a:xfrm>
+        </p:spPr>
+        <p:txBody>
+          <a:bodyPr>
+            <a:normAutofit/>
+          </a:bodyPr>
+          <a:lstStyle/>
+          <a:p>
+            <a:r>
+              <a:rPr lang="ko-KR" altLang="en-US" dirty="0"/>
+              <a:t>일일이 게시판을 관리해야 되는 불편 </a:t>
+            </a:r>
+            <a:endParaRPr lang="en-US" altLang="ko-KR" dirty="0"/>
+          </a:p>
+          <a:p>
+            <a:endParaRPr lang="en-US" altLang="ko-KR" dirty="0"/>
+          </a:p>
+          <a:p>
+            <a:r>
+              <a:rPr lang="ko-KR" altLang="en-US" dirty="0"/>
+              <a:t>새로운 내용으로 교체 될 때마다 종이가 낭비가 된다</a:t>
+            </a:r>
+            <a:r>
+              <a:rPr lang="en-US" altLang="ko-KR" dirty="0"/>
+              <a:t>.</a:t>
+            </a:r>
+          </a:p>
+          <a:p>
+            <a:endParaRPr lang="en-US" altLang="ko-KR" dirty="0"/>
+          </a:p>
+          <a:p>
+            <a:r>
+              <a:rPr lang="ko-KR" altLang="en-US" dirty="0"/>
+              <a:t>간단하게 구성하고 싶다</a:t>
+            </a:r>
+            <a:r>
+              <a:rPr lang="en-US" altLang="ko-KR" dirty="0"/>
+              <a:t>. </a:t>
+            </a:r>
+          </a:p>
+        </p:txBody>
+      </p:sp>
+    </p:spTree>
+    <p:extLst>
+      <p:ext uri="{BB962C8B-B14F-4D97-AF65-F5344CB8AC3E}">
+        <p14:creationId xmlns:p14="http://schemas.microsoft.com/office/powerpoint/2010/main" val="1190715122"/>
+      </p:ext>
+    </p:extLst>
+  </p:cSld>
+  <p:clrMapOvr>
+    <a:masterClrMapping/>
+  </p:clrMapOvr>
+</p:sld>
+</file>
+
+<file path=ppt/slides/slide8.xml><?xml version="1.0" encoding="utf-8"?>
+<p:sld xmlns:a="http://schemas.openxmlformats.org/drawingml/2006/main" xmlns:r="http://schemas.openxmlformats.org/officeDocument/2006/relationships" xmlns:p="http://schemas.openxmlformats.org/presentationml/2006/main">
+  <p:cSld>
+    <p:spTree>
+      <p:nvGrpSpPr>
+        <p:cNvPr id="1" name=""/>
+        <p:cNvGrpSpPr/>
+        <p:nvPr/>
+      </p:nvGrpSpPr>
+      <p:grpSpPr>
+        <a:xfrm>
+          <a:off x="0" y="0"/>
+          <a:ext cx="0" cy="0"/>
+          <a:chOff x="0" y="0"/>
+          <a:chExt cx="0" cy="0"/>
+        </a:xfrm>
+      </p:grpSpPr>
+      <p:sp>
+        <p:nvSpPr>
+          <p:cNvPr id="2" name="제목 1">
+            <a:extLst>
+              <a:ext uri="{FF2B5EF4-FFF2-40B4-BE49-F238E27FC236}">
+                <a16:creationId xmlns:a16="http://schemas.microsoft.com/office/drawing/2014/main" id="{E7E29B15-BD08-4688-B649-6836E8C6C3AC}"/>
+              </a:ext>
+            </a:extLst>
+          </p:cNvPr>
+          <p:cNvSpPr>
+            <a:spLocks noGrp="1"/>
+          </p:cNvSpPr>
+          <p:nvPr>
+            <p:ph type="title"/>
+          </p:nvPr>
+        </p:nvSpPr>
+        <p:spPr/>
+        <p:txBody>
+          <a:bodyPr/>
+          <a:lstStyle/>
+          <a:p>
+            <a:r>
+              <a:rPr lang="ko-KR" altLang="en-US" dirty="0"/>
+              <a:t>생각한 아이디어 </a:t>
+            </a:r>
+          </a:p>
+        </p:txBody>
+      </p:sp>
+      <p:sp>
+        <p:nvSpPr>
+          <p:cNvPr id="9" name="내용 개체 틀 2">
+            <a:extLst>
+              <a:ext uri="{FF2B5EF4-FFF2-40B4-BE49-F238E27FC236}">
+                <a16:creationId xmlns:a16="http://schemas.microsoft.com/office/drawing/2014/main" id="{5647755A-61AE-495E-AE6D-C8FE4D974240}"/>
+              </a:ext>
+            </a:extLst>
+          </p:cNvPr>
+          <p:cNvSpPr txBox="1">
+            <a:spLocks/>
+          </p:cNvSpPr>
+          <p:nvPr/>
+        </p:nvSpPr>
+        <p:spPr>
+          <a:xfrm>
+            <a:off x="1451578" y="2384846"/>
+            <a:ext cx="9603275" cy="3450613"/>
+          </a:xfrm>
+          <a:prstGeom prst="rect">
+            <a:avLst/>
+          </a:prstGeom>
+        </p:spPr>
+        <p:txBody>
+          <a:bodyPr vert="horz" lIns="91440" tIns="45720" rIns="91440" bIns="45720" rtlCol="0" anchor="t">
+            <a:normAutofit fontScale="92500" lnSpcReduction="20000"/>
+          </a:bodyPr>
+          <a:lstStyle>
+            <a:lvl1pPr marL="228600" indent="-228600" algn="l" defTabSz="914400" rtl="0" eaLnBrk="1" latinLnBrk="1" hangingPunct="1">
+              <a:lnSpc>
+                <a:spcPct val="120000"/>
+              </a:lnSpc>
+              <a:spcBef>
+                <a:spcPts val="1000"/>
+              </a:spcBef>
+              <a:buClr>
+                <a:schemeClr val="accent1"/>
+              </a:buClr>
+              <a:buSzPct val="100000"/>
+              <a:buFont typeface="Arial" panose="020B0604020202020204" pitchFamily="34" charset="0"/>
+              <a:buChar char="•"/>
+              <a:defRPr sz="2000" kern="1200">
+                <a:solidFill>
+                  <a:schemeClr val="tx1"/>
+                </a:solidFill>
+                <a:effectLst/>
+                <a:latin typeface="+mn-lt"/>
+                <a:ea typeface="+mn-ea"/>
+                <a:cs typeface="+mn-cs"/>
+              </a:defRPr>
+            </a:lvl1pPr>
+            <a:lvl2pPr marL="685800" indent="-228600" algn="l" defTabSz="914400" rtl="0" eaLnBrk="1" latinLnBrk="1" hangingPunct="1">
+              <a:lnSpc>
+                <a:spcPct val="120000"/>
+              </a:lnSpc>
+              <a:spcBef>
+                <a:spcPts val="500"/>
+              </a:spcBef>
+              <a:buClr>
+                <a:schemeClr val="accent1"/>
+              </a:buClr>
+              <a:buSzPct val="100000"/>
+              <a:buFont typeface="Arial" panose="020B0604020202020204" pitchFamily="34" charset="0"/>
+              <a:buChar char="•"/>
+              <a:defRPr sz="1800" kern="1200" cap="none" baseline="0">
+                <a:solidFill>
+                  <a:schemeClr val="tx1"/>
+                </a:solidFill>
+                <a:effectLst/>
+                <a:latin typeface="+mn-lt"/>
+                <a:ea typeface="+mn-ea"/>
+                <a:cs typeface="+mn-cs"/>
+              </a:defRPr>
+            </a:lvl2pPr>
+            <a:lvl3pPr marL="1143000" indent="-228600" algn="l" defTabSz="914400" rtl="0" eaLnBrk="1" latinLnBrk="1" hangingPunct="1">
+              <a:lnSpc>
+                <a:spcPct val="120000"/>
+              </a:lnSpc>
+              <a:spcBef>
+                <a:spcPts val="500"/>
+              </a:spcBef>
+              <a:buClr>
+                <a:schemeClr val="accent1"/>
+              </a:buClr>
+              <a:buSzPct val="100000"/>
+              <a:buFont typeface="Arial" panose="020B0604020202020204" pitchFamily="34" charset="0"/>
+              <a:buChar char="•"/>
+              <a:defRPr sz="1600" kern="1200">
+                <a:solidFill>
+                  <a:schemeClr val="tx1"/>
+                </a:solidFill>
+                <a:effectLst/>
+                <a:latin typeface="+mn-lt"/>
+                <a:ea typeface="+mn-ea"/>
+                <a:cs typeface="+mn-cs"/>
+              </a:defRPr>
+            </a:lvl3pPr>
+            <a:lvl4pPr marL="1600200" indent="-228600" algn="l" defTabSz="914400" rtl="0" eaLnBrk="1" latinLnBrk="1" hangingPunct="1">
+              <a:lnSpc>
+                <a:spcPct val="120000"/>
+              </a:lnSpc>
+              <a:spcBef>
+                <a:spcPts val="500"/>
+              </a:spcBef>
+              <a:buClr>
+                <a:schemeClr val="accent1"/>
+              </a:buClr>
+              <a:buSzPct val="100000"/>
+              <a:buFont typeface="Arial" panose="020B0604020202020204" pitchFamily="34" charset="0"/>
+              <a:buChar char="•"/>
+              <a:defRPr sz="1400" kern="1200" cap="none" baseline="0">
+                <a:solidFill>
+                  <a:schemeClr val="tx1"/>
+                </a:solidFill>
+                <a:effectLst/>
+                <a:latin typeface="+mn-lt"/>
+                <a:ea typeface="+mn-ea"/>
+                <a:cs typeface="+mn-cs"/>
+              </a:defRPr>
+            </a:lvl4pPr>
+            <a:lvl5pPr marL="2057400" indent="-228600" algn="l" defTabSz="914400" rtl="0" eaLnBrk="1" latinLnBrk="1" hangingPunct="1">
+              <a:lnSpc>
+                <a:spcPct val="120000"/>
+              </a:lnSpc>
+              <a:spcBef>
+                <a:spcPts val="500"/>
+              </a:spcBef>
+              <a:buClr>
+                <a:schemeClr val="accent1"/>
+              </a:buClr>
+              <a:buSzPct val="100000"/>
+              <a:buFont typeface="Arial" panose="020B0604020202020204" pitchFamily="34" charset="0"/>
+              <a:buChar char="•"/>
+              <a:defRPr sz="1200" kern="1200">
+                <a:solidFill>
+                  <a:schemeClr val="tx1"/>
+                </a:solidFill>
+                <a:effectLst/>
+                <a:latin typeface="+mn-lt"/>
+                <a:ea typeface="+mn-ea"/>
+                <a:cs typeface="+mn-cs"/>
+              </a:defRPr>
+            </a:lvl5pPr>
+            <a:lvl6pPr marL="2514600" indent="-228600" algn="l" defTabSz="914400" rtl="0" eaLnBrk="1" latinLnBrk="1" hangingPunct="1">
+              <a:lnSpc>
+                <a:spcPct val="120000"/>
+              </a:lnSpc>
+              <a:spcBef>
+                <a:spcPts val="500"/>
+              </a:spcBef>
+              <a:buClr>
+                <a:schemeClr val="accent1"/>
+              </a:buClr>
+              <a:buSzPct val="100000"/>
+              <a:buFont typeface="Arial" panose="020B0604020202020204" pitchFamily="34" charset="0"/>
+              <a:buChar char="•"/>
+              <a:defRPr sz="1200" kern="1200">
+                <a:solidFill>
+                  <a:schemeClr val="tx1"/>
+                </a:solidFill>
+                <a:effectLst/>
+                <a:latin typeface="+mn-lt"/>
+                <a:ea typeface="+mn-ea"/>
+                <a:cs typeface="+mn-cs"/>
+              </a:defRPr>
+            </a:lvl6pPr>
+            <a:lvl7pPr marL="2971800" indent="-228600" algn="l" defTabSz="914400" rtl="0" eaLnBrk="1" latinLnBrk="1" hangingPunct="1">
+              <a:lnSpc>
+                <a:spcPct val="120000"/>
+              </a:lnSpc>
+              <a:spcBef>
+                <a:spcPts val="500"/>
+              </a:spcBef>
+              <a:buClr>
+                <a:schemeClr val="accent1"/>
+              </a:buClr>
+              <a:buSzPct val="100000"/>
+              <a:buFont typeface="Arial" panose="020B0604020202020204" pitchFamily="34" charset="0"/>
+              <a:buChar char="•"/>
+              <a:defRPr sz="1200" kern="1200">
+                <a:solidFill>
+                  <a:schemeClr val="tx1"/>
+                </a:solidFill>
+                <a:effectLst/>
+                <a:latin typeface="+mn-lt"/>
+                <a:ea typeface="+mn-ea"/>
+                <a:cs typeface="+mn-cs"/>
+              </a:defRPr>
+            </a:lvl7pPr>
+            <a:lvl8pPr marL="3429000" indent="-228600" algn="l" defTabSz="914400" rtl="0" eaLnBrk="1" latinLnBrk="1" hangingPunct="1">
+              <a:lnSpc>
+                <a:spcPct val="120000"/>
+              </a:lnSpc>
+              <a:spcBef>
+                <a:spcPts val="500"/>
+              </a:spcBef>
+              <a:buClr>
+                <a:schemeClr val="accent1"/>
+              </a:buClr>
+              <a:buSzPct val="100000"/>
+              <a:buFont typeface="Arial" panose="020B0604020202020204" pitchFamily="34" charset="0"/>
+              <a:buChar char="•"/>
+              <a:defRPr sz="1200" kern="1200" baseline="0">
+                <a:solidFill>
+                  <a:schemeClr val="tx1"/>
+                </a:solidFill>
+                <a:effectLst/>
+                <a:latin typeface="+mn-lt"/>
+                <a:ea typeface="+mn-ea"/>
+                <a:cs typeface="+mn-cs"/>
+              </a:defRPr>
+            </a:lvl8pPr>
+            <a:lvl9pPr marL="3886200" indent="-228600" algn="l" defTabSz="914400" rtl="0" eaLnBrk="1" latinLnBrk="1" hangingPunct="1">
+              <a:lnSpc>
+                <a:spcPct val="120000"/>
+              </a:lnSpc>
+              <a:spcBef>
+                <a:spcPts val="500"/>
+              </a:spcBef>
+              <a:buClr>
+                <a:schemeClr val="accent1"/>
+              </a:buClr>
+              <a:buSzPct val="100000"/>
+              <a:buFont typeface="Arial" panose="020B0604020202020204" pitchFamily="34" charset="0"/>
+              <a:buChar char="•"/>
+              <a:defRPr sz="1200" kern="1200" baseline="0">
+                <a:solidFill>
+                  <a:schemeClr val="tx1"/>
+                </a:solidFill>
+                <a:effectLst/>
+                <a:latin typeface="+mn-lt"/>
+                <a:ea typeface="+mn-ea"/>
+                <a:cs typeface="+mn-cs"/>
+              </a:defRPr>
+            </a:lvl9pPr>
+          </a:lstStyle>
+          <a:p>
+            <a:r>
+              <a:rPr lang="ko-KR" altLang="en-US" dirty="0"/>
+              <a:t>와이파이나 블루투스를 사용 할 라면 복잡한 구조가 됨 </a:t>
+            </a:r>
+            <a:endParaRPr lang="en-US" altLang="ko-KR" dirty="0"/>
+          </a:p>
+          <a:p>
+            <a:endParaRPr lang="en-US" altLang="ko-KR" dirty="0"/>
+          </a:p>
+          <a:p>
+            <a:r>
+              <a:rPr lang="en-US" altLang="ko-KR" dirty="0"/>
+              <a:t> </a:t>
+            </a:r>
+            <a:r>
+              <a:rPr lang="ko-KR" altLang="en-US" dirty="0"/>
+              <a:t>학교에 이미 있는 스피커를 이용한 구조</a:t>
+            </a:r>
+            <a:endParaRPr lang="en-US" altLang="ko-KR" dirty="0"/>
+          </a:p>
+          <a:p>
+            <a:pPr marL="0" indent="0">
+              <a:buNone/>
+            </a:pPr>
+            <a:endParaRPr lang="en-US" altLang="ko-KR" dirty="0"/>
+          </a:p>
+          <a:p>
+            <a:r>
+              <a:rPr lang="ko-KR" altLang="en-US" dirty="0"/>
+              <a:t>소리로 데이터를 전송 받아 게시판을 갱신</a:t>
+            </a:r>
+            <a:endParaRPr lang="en-US" altLang="ko-KR" dirty="0"/>
+          </a:p>
+          <a:p>
+            <a:endParaRPr lang="en-US" altLang="ko-KR" dirty="0"/>
+          </a:p>
+          <a:p>
+            <a:endParaRPr lang="en-US" altLang="ko-KR" dirty="0"/>
+          </a:p>
+          <a:p>
+            <a:pPr marL="0" indent="0">
+              <a:buFont typeface="Arial" panose="020B0604020202020204" pitchFamily="34" charset="0"/>
+              <a:buNone/>
+            </a:pPr>
+            <a:r>
+              <a:rPr lang="en-US" altLang="ko-KR" dirty="0"/>
+              <a:t> </a:t>
+            </a:r>
+          </a:p>
+        </p:txBody>
+      </p:sp>
+    </p:spTree>
+    <p:extLst>
+      <p:ext uri="{BB962C8B-B14F-4D97-AF65-F5344CB8AC3E}">
+        <p14:creationId xmlns:p14="http://schemas.microsoft.com/office/powerpoint/2010/main" val="634347730"/>
       </p:ext>
     </p:extLst>
   </p:cSld>

--- a/캡스톤디자인발표.pptx
+++ b/캡스톤디자인발표.pptx
@@ -6,13 +6,14 @@
   </p:sldMasterIdLst>
   <p:sldIdLst>
     <p:sldId id="256" r:id="rId2"/>
-    <p:sldId id="258" r:id="rId3"/>
-    <p:sldId id="261" r:id="rId4"/>
+    <p:sldId id="266" r:id="rId3"/>
+    <p:sldId id="258" r:id="rId4"/>
     <p:sldId id="265" r:id="rId5"/>
-    <p:sldId id="264" r:id="rId6"/>
-    <p:sldId id="262" r:id="rId7"/>
-    <p:sldId id="259" r:id="rId8"/>
-    <p:sldId id="260" r:id="rId9"/>
+    <p:sldId id="270" r:id="rId6"/>
+    <p:sldId id="269" r:id="rId7"/>
+    <p:sldId id="271" r:id="rId8"/>
+    <p:sldId id="272" r:id="rId9"/>
+    <p:sldId id="268" r:id="rId10"/>
   </p:sldIdLst>
   <p:sldSz cx="12192000" cy="6858000"/>
   <p:notesSz cx="6858000" cy="9144000"/>
@@ -263,7 +264,7 @@
             <a:fld id="{5586B75A-687E-405C-8A0B-8D00578BA2C3}" type="datetimeFigureOut">
               <a:rPr lang="en-US" smtClean="0"/>
               <a:pPr/>
-              <a:t>9/21/2017</a:t>
+              <a:t>9/28/2017</a:t>
             </a:fld>
             <a:endParaRPr lang="en-US" dirty="0"/>
           </a:p>
@@ -476,7 +477,7 @@
             <a:fld id="{5586B75A-687E-405C-8A0B-8D00578BA2C3}" type="datetimeFigureOut">
               <a:rPr lang="en-US" smtClean="0"/>
               <a:pPr/>
-              <a:t>9/21/2017</a:t>
+              <a:t>9/28/2017</a:t>
             </a:fld>
             <a:endParaRPr lang="en-US" dirty="0"/>
           </a:p>
@@ -693,7 +694,7 @@
             <a:fld id="{5586B75A-687E-405C-8A0B-8D00578BA2C3}" type="datetimeFigureOut">
               <a:rPr lang="en-US" smtClean="0"/>
               <a:pPr/>
-              <a:t>9/21/2017</a:t>
+              <a:t>9/28/2017</a:t>
             </a:fld>
             <a:endParaRPr lang="en-US" dirty="0"/>
           </a:p>
@@ -896,7 +897,7 @@
             <a:fld id="{5586B75A-687E-405C-8A0B-8D00578BA2C3}" type="datetimeFigureOut">
               <a:rPr lang="en-US" smtClean="0"/>
               <a:pPr/>
-              <a:t>9/21/2017</a:t>
+              <a:t>9/28/2017</a:t>
             </a:fld>
             <a:endParaRPr lang="en-US" dirty="0"/>
           </a:p>
@@ -1177,7 +1178,7 @@
             <a:fld id="{5586B75A-687E-405C-8A0B-8D00578BA2C3}" type="datetimeFigureOut">
               <a:rPr lang="en-US" smtClean="0"/>
               <a:pPr/>
-              <a:t>9/21/2017</a:t>
+              <a:t>9/28/2017</a:t>
             </a:fld>
             <a:endParaRPr lang="en-US" dirty="0"/>
           </a:p>
@@ -1447,7 +1448,7 @@
             <a:fld id="{5586B75A-687E-405C-8A0B-8D00578BA2C3}" type="datetimeFigureOut">
               <a:rPr lang="en-US" smtClean="0"/>
               <a:pPr/>
-              <a:t>9/21/2017</a:t>
+              <a:t>9/28/2017</a:t>
             </a:fld>
             <a:endParaRPr lang="en-US" dirty="0"/>
           </a:p>
@@ -1865,7 +1866,7 @@
             <a:fld id="{5586B75A-687E-405C-8A0B-8D00578BA2C3}" type="datetimeFigureOut">
               <a:rPr lang="en-US" smtClean="0"/>
               <a:pPr/>
-              <a:t>9/21/2017</a:t>
+              <a:t>9/28/2017</a:t>
             </a:fld>
             <a:endParaRPr lang="en-US" dirty="0"/>
           </a:p>
@@ -2016,7 +2017,7 @@
             <a:fld id="{5586B75A-687E-405C-8A0B-8D00578BA2C3}" type="datetimeFigureOut">
               <a:rPr lang="en-US" smtClean="0"/>
               <a:pPr/>
-              <a:t>9/21/2017</a:t>
+              <a:t>9/28/2017</a:t>
             </a:fld>
             <a:endParaRPr lang="en-US" dirty="0"/>
           </a:p>
@@ -2144,7 +2145,7 @@
             <a:fld id="{5586B75A-687E-405C-8A0B-8D00578BA2C3}" type="datetimeFigureOut">
               <a:rPr lang="en-US" smtClean="0"/>
               <a:pPr/>
-              <a:t>9/21/2017</a:t>
+              <a:t>9/28/2017</a:t>
             </a:fld>
             <a:endParaRPr lang="en-US" dirty="0"/>
           </a:p>
@@ -2397,7 +2398,7 @@
             <a:fld id="{5586B75A-687E-405C-8A0B-8D00578BA2C3}" type="datetimeFigureOut">
               <a:rPr lang="en-US" smtClean="0"/>
               <a:pPr/>
-              <a:t>9/21/2017</a:t>
+              <a:t>9/28/2017</a:t>
             </a:fld>
             <a:endParaRPr lang="en-US" dirty="0"/>
           </a:p>
@@ -2844,7 +2845,7 @@
             <a:fld id="{5586B75A-687E-405C-8A0B-8D00578BA2C3}" type="datetimeFigureOut">
               <a:rPr lang="en-US" smtClean="0"/>
               <a:pPr/>
-              <a:t>9/21/2017</a:t>
+              <a:t>9/28/2017</a:t>
             </a:fld>
             <a:endParaRPr lang="en-US" dirty="0"/>
           </a:p>
@@ -3172,7 +3173,7 @@
             <a:fld id="{5586B75A-687E-405C-8A0B-8D00578BA2C3}" type="datetimeFigureOut">
               <a:rPr lang="en-US" smtClean="0"/>
               <a:pPr/>
-              <a:t>9/21/2017</a:t>
+              <a:t>9/28/2017</a:t>
             </a:fld>
             <a:endParaRPr lang="en-US" dirty="0"/>
           </a:p>
@@ -3742,6 +3743,124 @@
 </file>
 
 <file path=ppt/slides/slide2.xml><?xml version="1.0" encoding="utf-8"?>
+<p:sld xmlns:a="http://schemas.openxmlformats.org/drawingml/2006/main" xmlns:r="http://schemas.openxmlformats.org/officeDocument/2006/relationships" xmlns:p="http://schemas.openxmlformats.org/presentationml/2006/main" show="0">
+  <p:cSld>
+    <p:spTree>
+      <p:nvGrpSpPr>
+        <p:cNvPr id="1" name=""/>
+        <p:cNvGrpSpPr/>
+        <p:nvPr/>
+      </p:nvGrpSpPr>
+      <p:grpSpPr>
+        <a:xfrm>
+          <a:off x="0" y="0"/>
+          <a:ext cx="0" cy="0"/>
+          <a:chOff x="0" y="0"/>
+          <a:chExt cx="0" cy="0"/>
+        </a:xfrm>
+      </p:grpSpPr>
+      <p:sp>
+        <p:nvSpPr>
+          <p:cNvPr id="2" name="제목 1">
+            <a:extLst>
+              <a:ext uri="{FF2B5EF4-FFF2-40B4-BE49-F238E27FC236}">
+                <a16:creationId xmlns:a16="http://schemas.microsoft.com/office/drawing/2014/main" id="{39264B96-C62A-4B94-9C9A-A64F56B066B3}"/>
+              </a:ext>
+            </a:extLst>
+          </p:cNvPr>
+          <p:cNvSpPr>
+            <a:spLocks noGrp="1"/>
+          </p:cNvSpPr>
+          <p:nvPr>
+            <p:ph type="title"/>
+          </p:nvPr>
+        </p:nvSpPr>
+        <p:spPr/>
+        <p:txBody>
+          <a:bodyPr/>
+          <a:lstStyle/>
+          <a:p>
+            <a:r>
+              <a:rPr lang="ko-KR" altLang="en-US" dirty="0"/>
+              <a:t>히스토리</a:t>
+            </a:r>
+          </a:p>
+        </p:txBody>
+      </p:sp>
+      <p:sp>
+        <p:nvSpPr>
+          <p:cNvPr id="3" name="내용 개체 틀 2">
+            <a:extLst>
+              <a:ext uri="{FF2B5EF4-FFF2-40B4-BE49-F238E27FC236}">
+                <a16:creationId xmlns:a16="http://schemas.microsoft.com/office/drawing/2014/main" id="{870543DA-12D3-4359-AE31-40DF39D33972}"/>
+              </a:ext>
+            </a:extLst>
+          </p:cNvPr>
+          <p:cNvSpPr>
+            <a:spLocks noGrp="1"/>
+          </p:cNvSpPr>
+          <p:nvPr>
+            <p:ph idx="1"/>
+          </p:nvPr>
+        </p:nvSpPr>
+        <p:spPr/>
+        <p:txBody>
+          <a:bodyPr/>
+          <a:lstStyle/>
+          <a:p>
+            <a:r>
+              <a:rPr lang="en-US" altLang="ko-KR" dirty="0" smtClean="0"/>
+              <a:t>17.09.28 – </a:t>
+            </a:r>
+            <a:r>
+              <a:rPr lang="ko-KR" altLang="en-US" dirty="0" err="1" smtClean="0"/>
+              <a:t>시야각</a:t>
+            </a:r>
+            <a:r>
+              <a:rPr lang="ko-KR" altLang="en-US" dirty="0" smtClean="0"/>
+              <a:t> 관련 슬라이드 추가 </a:t>
+            </a:r>
+            <a:r>
+              <a:rPr lang="en-US" altLang="ko-KR" dirty="0" smtClean="0"/>
+              <a:t>- </a:t>
+            </a:r>
+            <a:r>
+              <a:rPr lang="ko-KR" altLang="en-US" smtClean="0"/>
+              <a:t>민재</a:t>
+            </a:r>
+            <a:endParaRPr lang="ko-KR" altLang="en-US" dirty="0"/>
+          </a:p>
+        </p:txBody>
+      </p:sp>
+    </p:spTree>
+    <p:extLst>
+      <p:ext uri="{BB962C8B-B14F-4D97-AF65-F5344CB8AC3E}">
+        <p14:creationId xmlns:p14="http://schemas.microsoft.com/office/powerpoint/2010/main" val="889015302"/>
+      </p:ext>
+    </p:extLst>
+  </p:cSld>
+  <p:clrMapOvr>
+    <a:masterClrMapping/>
+  </p:clrMapOvr>
+  <mc:AlternateContent xmlns:mc="http://schemas.openxmlformats.org/markup-compatibility/2006">
+    <mc:Choice xmlns:p14="http://schemas.microsoft.com/office/powerpoint/2010/main" Requires="p14">
+      <p:transition spd="slow" p14:dur="2000"/>
+    </mc:Choice>
+    <mc:Fallback>
+      <p:transition spd="slow"/>
+    </mc:Fallback>
+  </mc:AlternateContent>
+  <p:timing>
+    <p:tnLst>
+      <p:par>
+        <p:cTn id="1" dur="indefinite" restart="never" nodeType="tmRoot"/>
+      </p:par>
+    </p:tnLst>
+  </p:timing>
+</p:sld>
+</file>
+
+<file path=ppt/slides/slide3.xml><?xml version="1.0" encoding="utf-8"?>
 <p:sld xmlns:a="http://schemas.openxmlformats.org/drawingml/2006/main" xmlns:r="http://schemas.openxmlformats.org/officeDocument/2006/relationships" xmlns:p="http://schemas.openxmlformats.org/presentationml/2006/main">
   <p:cSld>
     <p:spTree>
@@ -3781,7 +3900,7 @@
           <a:p>
             <a:r>
               <a:rPr lang="ko-KR" altLang="en-US" dirty="0"/>
-              <a:t>지난 아이디어 개선 </a:t>
+              <a:t>아이디어   </a:t>
             </a:r>
           </a:p>
         </p:txBody>
@@ -4048,7 +4167,7 @@
           <a:p>
             <a:r>
               <a:rPr lang="ko-KR" altLang="en-US" dirty="0"/>
-              <a:t>구현하기 위해서는 손의 위치를 추정할 수 있는 방법이 필요</a:t>
+              <a:t>구현하기 위해서는 손의 위치를 추정할 수 있는 방법을 생각</a:t>
             </a:r>
             <a:endParaRPr lang="en-US" altLang="ko-KR" dirty="0"/>
           </a:p>
@@ -4058,12 +4177,12 @@
           <a:p>
             <a:r>
               <a:rPr lang="ko-KR" altLang="en-US" dirty="0"/>
-              <a:t>거리를 측정할 방법을 생각해 보았습니다</a:t>
-            </a:r>
-            <a:r>
-              <a:rPr lang="en-US" altLang="ko-KR" dirty="0"/>
-              <a:t>.</a:t>
-            </a:r>
+              <a:t>생각한 방법에 알맞은 센서가 있는 지 찾아보아야 함</a:t>
+            </a:r>
+            <a:endParaRPr lang="en-US" altLang="ko-KR" dirty="0"/>
+          </a:p>
+          <a:p>
+            <a:endParaRPr lang="en-US" altLang="ko-KR" dirty="0"/>
           </a:p>
         </p:txBody>
       </p:sp>
@@ -4080,7 +4199,7 @@
 </p:sld>
 </file>
 
-<file path=ppt/slides/slide3.xml><?xml version="1.0" encoding="utf-8"?>
+<file path=ppt/slides/slide4.xml><?xml version="1.0" encoding="utf-8"?>
 <p:sld xmlns:a="http://schemas.openxmlformats.org/drawingml/2006/main" xmlns:r="http://schemas.openxmlformats.org/officeDocument/2006/relationships" xmlns:p="http://schemas.openxmlformats.org/presentationml/2006/main">
   <p:cSld>
     <p:spTree>
@@ -4099,7 +4218,7 @@
       </p:grpSpPr>
       <p:grpSp>
         <p:nvGrpSpPr>
-          <p:cNvPr id="55" name="Group 54">
+          <p:cNvPr id="71" name="Group 70">
             <a:extLst>
               <a:ext uri="{FF2B5EF4-FFF2-40B4-BE49-F238E27FC236}">
                 <a16:creationId xmlns:a16="http://schemas.microsoft.com/office/drawing/2014/main" id="{ADB18E6F-FE38-40D0-A2EC-DB2E37F04189}"/>
@@ -4127,7 +4246,7 @@
         </p:grpSpPr>
         <p:sp>
           <p:nvSpPr>
-            <p:cNvPr id="56" name="Rectangle 55">
+            <p:cNvPr id="72" name="Rectangle 71">
               <a:extLst/>
             </p:cNvPr>
             <p:cNvSpPr/>
@@ -4201,7 +4320,7 @@
         </p:sp>
         <p:sp>
           <p:nvSpPr>
-            <p:cNvPr id="57" name="Rectangle 56">
+            <p:cNvPr id="73" name="Rectangle 72">
               <a:extLst/>
             </p:cNvPr>
             <p:cNvSpPr/>
@@ -4279,10 +4398,11 @@
       </p:grpSp>
       <p:pic>
         <p:nvPicPr>
-          <p:cNvPr id="50" name="Picture 4" descr="http://cfile21.uf.tistory.com/image/236F934B565ECF2A24116C">
+          <p:cNvPr id="1026" name="Picture 2" descr="STMicroelectronics VL53L0X Time-of-Flight Ranging 센서">
+            <a:hlinkClick r:id="rId2"/>
             <a:extLst>
               <a:ext uri="{FF2B5EF4-FFF2-40B4-BE49-F238E27FC236}">
-                <a16:creationId xmlns:a16="http://schemas.microsoft.com/office/drawing/2014/main" id="{ACABA598-40A8-493E-A048-286A5A2FBAFD}"/>
+                <a16:creationId xmlns:a16="http://schemas.microsoft.com/office/drawing/2014/main" id="{35B21800-435C-4CCC-80E5-4FE4115707F4}"/>
               </a:ext>
             </a:extLst>
           </p:cNvPr>
@@ -4292,20 +4412,20 @@
           <p:nvPr/>
         </p:nvPicPr>
         <p:blipFill rotWithShape="1">
-          <a:blip r:embed="rId2">
+          <a:blip r:embed="rId3">
             <a:extLst>
               <a:ext uri="{28A0092B-C50C-407E-A947-70E740481C1C}">
                 <a14:useLocalDpi xmlns:a14="http://schemas.microsoft.com/office/drawing/2010/main" val="0"/>
               </a:ext>
             </a:extLst>
           </a:blip>
-          <a:srcRect l="6324"/>
+          <a:srcRect l="8312" r="9752" b="-2"/>
           <a:stretch/>
         </p:blipFill>
         <p:spPr bwMode="auto">
           <a:xfrm>
-            <a:off x="1762012" y="2322814"/>
-            <a:ext cx="2782280" cy="2836452"/>
+            <a:off x="1921265" y="2491733"/>
+            <a:ext cx="2453183" cy="2500948"/>
           </a:xfrm>
           <a:prstGeom prst="rect">
             <a:avLst/>
@@ -4352,18 +4472,31 @@
           <a:p>
             <a:pPr latinLnBrk="0"/>
             <a:r>
+              <a:rPr lang="ko-KR" altLang="en-US" dirty="0" smtClean="0"/>
+              <a:t>적외선 </a:t>
+            </a:r>
+            <a:r>
+              <a:rPr lang="en-US" altLang="ko-KR" dirty="0" smtClean="0"/>
+              <a:t>TIME </a:t>
+            </a:r>
+            <a:r>
+              <a:rPr lang="en-US" altLang="ko-KR" dirty="0"/>
+              <a:t>OF FLIGHT RANGING </a:t>
+            </a:r>
+            <a:r>
               <a:rPr lang="ko-KR" altLang="en-US" dirty="0"/>
-              <a:t>전파 강도를 이용한 거리 인식 방법</a:t>
-            </a:r>
-          </a:p>
-        </p:txBody>
-      </p:sp>
-      <p:sp>
-        <p:nvSpPr>
-          <p:cNvPr id="9" name="내용 개체 틀 2">
+              <a:t>센서</a:t>
+            </a:r>
+            <a:endParaRPr lang="en-US" altLang="ko-KR" dirty="0"/>
+          </a:p>
+        </p:txBody>
+      </p:sp>
+      <p:sp>
+        <p:nvSpPr>
+          <p:cNvPr id="5" name="내용 개체 틀 2">
             <a:extLst>
               <a:ext uri="{FF2B5EF4-FFF2-40B4-BE49-F238E27FC236}">
-                <a16:creationId xmlns:a16="http://schemas.microsoft.com/office/drawing/2014/main" id="{5647755A-61AE-495E-AE6D-C8FE4D974240}"/>
+                <a16:creationId xmlns:a16="http://schemas.microsoft.com/office/drawing/2014/main" id="{D016B600-F388-4833-B10D-388A98DFA917}"/>
               </a:ext>
             </a:extLst>
           </p:cNvPr>
@@ -4597,8 +4730,20 @@
           <a:p>
             <a:pPr latinLnBrk="0"/>
             <a:r>
+              <a:rPr lang="ko-KR" altLang="en-US" dirty="0" smtClean="0"/>
+              <a:t>적외선 </a:t>
+            </a:r>
+            <a:r>
+              <a:rPr lang="en-US" altLang="ko-KR" dirty="0" err="1" smtClean="0"/>
+              <a:t>ToF</a:t>
+            </a:r>
+            <a:r>
+              <a:rPr lang="en-US" altLang="ko-KR" dirty="0" smtClean="0"/>
+              <a:t> </a:t>
+            </a:r>
+            <a:r>
               <a:rPr lang="ko-KR" altLang="en-US" dirty="0"/>
-              <a:t>전파의 강도는   발생지로부터 멀어질 수록 감소하는 점을 이용</a:t>
+              <a:t>센서로 물체에 반사해서 돌아오는 시간을 측정하여 거리를 계산함</a:t>
             </a:r>
             <a:endParaRPr lang="en-US" altLang="ko-KR" dirty="0"/>
           </a:p>
@@ -4610,12 +4755,9 @@
             <a:pPr latinLnBrk="0"/>
             <a:r>
               <a:rPr lang="ko-KR" altLang="en-US" dirty="0"/>
-              <a:t>블루투스로 거리를 측정한 경우는 이미 있다</a:t>
-            </a:r>
-            <a:r>
-              <a:rPr lang="en-US" altLang="ko-KR" dirty="0"/>
-              <a:t>.</a:t>
-            </a:r>
+              <a:t>적외선 레이저 센서 </a:t>
+            </a:r>
+            <a:endParaRPr lang="en-US" altLang="ko-KR" dirty="0"/>
           </a:p>
           <a:p>
             <a:pPr latinLnBrk="0"/>
@@ -4625,8 +4767,32 @@
             <a:pPr latinLnBrk="0"/>
             <a:r>
               <a:rPr lang="ko-KR" altLang="en-US" dirty="0"/>
-              <a:t>이점을 이용해서 손까지 거리를 측정하는 방법</a:t>
-            </a:r>
+              <a:t>최대 </a:t>
+            </a:r>
+            <a:r>
+              <a:rPr lang="en-US" altLang="ko-KR" dirty="0"/>
+              <a:t>2m</a:t>
+            </a:r>
+            <a:r>
+              <a:rPr lang="ko-KR" altLang="en-US" dirty="0"/>
+              <a:t>까지 거리 </a:t>
+            </a:r>
+            <a:r>
+              <a:rPr lang="ko-KR" altLang="en-US" dirty="0" err="1"/>
+              <a:t>측정가능</a:t>
+            </a:r>
+            <a:r>
+              <a:rPr lang="ko-KR" altLang="en-US" dirty="0"/>
+              <a:t> </a:t>
+            </a:r>
+            <a:endParaRPr lang="en-US" altLang="ko-KR" dirty="0"/>
+          </a:p>
+          <a:p>
+            <a:pPr latinLnBrk="0"/>
+            <a:endParaRPr lang="en-US" altLang="ko-KR" dirty="0"/>
+          </a:p>
+          <a:p>
+            <a:pPr latinLnBrk="0"/>
             <a:endParaRPr lang="en-US" altLang="ko-KR" dirty="0"/>
           </a:p>
           <a:p>
@@ -4642,7 +4808,7 @@
     </p:spTree>
     <p:extLst>
       <p:ext uri="{BB962C8B-B14F-4D97-AF65-F5344CB8AC3E}">
-        <p14:creationId xmlns:p14="http://schemas.microsoft.com/office/powerpoint/2010/main" val="1987633886"/>
+        <p14:creationId xmlns:p14="http://schemas.microsoft.com/office/powerpoint/2010/main" val="13549952"/>
       </p:ext>
     </p:extLst>
   </p:cSld>
@@ -4652,7 +4818,7 @@
 </p:sld>
 </file>
 
-<file path=ppt/slides/slide4.xml><?xml version="1.0" encoding="utf-8"?>
+<file path=ppt/slides/slide5.xml><?xml version="1.0" encoding="utf-8"?>
 <p:sld xmlns:a="http://schemas.openxmlformats.org/drawingml/2006/main" xmlns:r="http://schemas.openxmlformats.org/officeDocument/2006/relationships" xmlns:p="http://schemas.openxmlformats.org/presentationml/2006/main">
   <p:cSld>
     <p:spTree>
@@ -4669,21 +4835,137 @@
           <a:chExt cx="0" cy="0"/>
         </a:xfrm>
       </p:grpSpPr>
+      <p:sp>
+        <p:nvSpPr>
+          <p:cNvPr id="10" name="Rectangle 9"/>
+          <p:cNvSpPr>
+            <a:spLocks noGrp="1" noRot="1" noChangeAspect="1" noMove="1" noResize="1" noEditPoints="1" noAdjustHandles="1" noChangeArrowheads="1" noChangeShapeType="1" noTextEdit="1"/>
+          </p:cNvSpPr>
+          <p:nvPr>
+            <p:extLst>
+              <p:ext uri="{386F3935-93C4-4BCD-93E2-E3B085C9AB24}">
+                <p16:designElem xmlns:p16="http://schemas.microsoft.com/office/powerpoint/2015/main" val="1"/>
+              </p:ext>
+            </p:extLst>
+          </p:nvPr>
+        </p:nvSpPr>
+        <p:spPr bwMode="white">
+          <a:xfrm>
+            <a:off x="0" y="0"/>
+            <a:ext cx="12192000" cy="6858000"/>
+          </a:xfrm>
+          <a:prstGeom prst="rect">
+            <a:avLst/>
+          </a:prstGeom>
+          <a:gradFill rotWithShape="1">
+            <a:gsLst>
+              <a:gs pos="0">
+                <a:schemeClr val="bg2">
+                  <a:tint val="94000"/>
+                  <a:satMod val="80000"/>
+                  <a:lumMod val="106000"/>
+                </a:schemeClr>
+              </a:gs>
+              <a:gs pos="100000">
+                <a:schemeClr val="bg2">
+                  <a:shade val="80000"/>
+                </a:schemeClr>
+              </a:gs>
+            </a:gsLst>
+            <a:path path="circle">
+              <a:fillToRect l="43000" r="43000" b="100000"/>
+            </a:path>
+          </a:gradFill>
+          <a:ln>
+            <a:noFill/>
+          </a:ln>
+          <a:effectLst/>
+        </p:spPr>
+      </p:sp>
+      <p:sp>
+        <p:nvSpPr>
+          <p:cNvPr id="12" name="Rectangle 11">
+            <a:extLst>
+              <a:ext uri="{FF2B5EF4-FFF2-40B4-BE49-F238E27FC236}">
+                <a16:creationId xmlns:a16="http://schemas.microsoft.com/office/drawing/2014/main" id="{84C75E2B-CACA-478C-B26B-182AF87A18E3}"/>
+              </a:ext>
+            </a:extLst>
+          </p:cNvPr>
+          <p:cNvSpPr>
+            <a:spLocks noGrp="1" noRot="1" noChangeAspect="1" noMove="1" noResize="1" noEditPoints="1" noAdjustHandles="1" noChangeArrowheads="1" noChangeShapeType="1" noTextEdit="1"/>
+          </p:cNvSpPr>
+          <p:nvPr>
+            <p:extLst>
+              <p:ext uri="{386F3935-93C4-4BCD-93E2-E3B085C9AB24}">
+                <p16:designElem xmlns:p16="http://schemas.microsoft.com/office/powerpoint/2015/main" val="1"/>
+              </p:ext>
+            </p:extLst>
+          </p:nvPr>
+        </p:nvSpPr>
+        <p:spPr>
+          <a:xfrm>
+            <a:off x="0" y="2019476"/>
+            <a:ext cx="12192000" cy="4105941"/>
+          </a:xfrm>
+          <a:prstGeom prst="rect">
+            <a:avLst/>
+          </a:prstGeom>
+          <a:gradFill flip="none" rotWithShape="1">
+            <a:gsLst>
+              <a:gs pos="0">
+                <a:schemeClr val="bg2">
+                  <a:alpha val="0"/>
+                </a:schemeClr>
+              </a:gs>
+              <a:gs pos="100000">
+                <a:schemeClr val="bg2"/>
+              </a:gs>
+            </a:gsLst>
+            <a:lin ang="5400000" scaled="0"/>
+            <a:tileRect/>
+          </a:gradFill>
+          <a:ln>
+            <a:noFill/>
+          </a:ln>
+        </p:spPr>
+        <p:style>
+          <a:lnRef idx="2">
+            <a:schemeClr val="accent1">
+              <a:shade val="50000"/>
+            </a:schemeClr>
+          </a:lnRef>
+          <a:fillRef idx="1">
+            <a:schemeClr val="accent1"/>
+          </a:fillRef>
+          <a:effectRef idx="0">
+            <a:schemeClr val="accent1"/>
+          </a:effectRef>
+          <a:fontRef idx="minor">
+            <a:schemeClr val="lt1"/>
+          </a:fontRef>
+        </p:style>
+      </p:sp>
       <p:pic>
         <p:nvPicPr>
-          <p:cNvPr id="4100" name="Picture 4" descr="http://emf.kca.kr/publish/Images/elec_business/img_elec_business_business04_1.gif">
+          <p:cNvPr id="14" name="Picture 13" descr="실내, 가구이(가) 표시된 사진&#10;&#10;높은 신뢰도로 생성된 설명">
             <a:extLst>
               <a:ext uri="{FF2B5EF4-FFF2-40B4-BE49-F238E27FC236}">
-                <a16:creationId xmlns:a16="http://schemas.microsoft.com/office/drawing/2014/main" id="{D529C089-E9DA-460C-84A2-AFC899EA7E3A}"/>
+                <a16:creationId xmlns:a16="http://schemas.microsoft.com/office/drawing/2014/main" id="{50FF2874-547C-4D14-9E18-28B19002FB8C}"/>
               </a:ext>
             </a:extLst>
           </p:cNvPr>
           <p:cNvPicPr>
-            <a:picLocks noChangeAspect="1" noChangeArrowheads="1"/>
+            <a:picLocks noGrp="1" noRot="1" noChangeAspect="1" noMove="1" noResize="1" noEditPoints="1" noAdjustHandles="1" noChangeArrowheads="1" noChangeShapeType="1" noCrop="1"/>
           </p:cNvPicPr>
-          <p:nvPr/>
+          <p:nvPr>
+            <p:extLst>
+              <p:ext uri="{386F3935-93C4-4BCD-93E2-E3B085C9AB24}">
+                <p16:designElem xmlns:p16="http://schemas.microsoft.com/office/powerpoint/2015/main" val="1"/>
+              </p:ext>
+            </p:extLst>
+          </p:nvPr>
         </p:nvPicPr>
-        <p:blipFill>
+        <p:blipFill rotWithShape="1">
           <a:blip r:embed="rId2">
             <a:extLst>
               <a:ext uri="{28A0092B-C50C-407E-A947-70E740481C1C}">
@@ -4691,37 +4973,151 @@
               </a:ext>
             </a:extLst>
           </a:blip>
-          <a:srcRect/>
+          <a:srcRect t="1538" b="-1538"/>
+          <a:stretch/>
+        </p:blipFill>
+        <p:spPr bwMode="black">
+          <a:xfrm>
+            <a:off x="0" y="6126480"/>
+            <a:ext cx="12192000" cy="742950"/>
+          </a:xfrm>
+          <a:prstGeom prst="rect">
+            <a:avLst/>
+          </a:prstGeom>
+        </p:spPr>
+      </p:pic>
+      <p:cxnSp>
+        <p:nvCxnSpPr>
+          <p:cNvPr id="16" name="Straight Connector 15">
+            <a:extLst>
+              <a:ext uri="{FF2B5EF4-FFF2-40B4-BE49-F238E27FC236}">
+                <a16:creationId xmlns:a16="http://schemas.microsoft.com/office/drawing/2014/main" id="{36CF827D-A163-47F7-BD87-34EB4FA7D696}"/>
+              </a:ext>
+            </a:extLst>
+          </p:cNvPr>
+          <p:cNvCxnSpPr>
+            <a:cxnSpLocks noGrp="1" noRot="1" noChangeAspect="1" noMove="1" noResize="1" noEditPoints="1" noAdjustHandles="1" noChangeArrowheads="1" noChangeShapeType="1"/>
+          </p:cNvCxnSpPr>
+          <p:nvPr>
+            <p:extLst>
+              <p:ext uri="{386F3935-93C4-4BCD-93E2-E3B085C9AB24}">
+                <p16:designElem xmlns:p16="http://schemas.microsoft.com/office/powerpoint/2015/main" val="1"/>
+              </p:ext>
+            </p:extLst>
+          </p:nvPr>
+        </p:nvCxnSpPr>
+        <p:spPr>
+          <a:xfrm>
+            <a:off x="0" y="6128413"/>
+            <a:ext cx="12192000" cy="0"/>
+          </a:xfrm>
+          <a:prstGeom prst="line">
+            <a:avLst/>
+          </a:prstGeom>
+          <a:ln w="12700">
+            <a:solidFill>
+              <a:srgbClr val="000001">
+                <a:alpha val="20000"/>
+              </a:srgbClr>
+            </a:solidFill>
+          </a:ln>
+        </p:spPr>
+        <p:style>
+          <a:lnRef idx="1">
+            <a:schemeClr val="accent1"/>
+          </a:lnRef>
+          <a:fillRef idx="0">
+            <a:schemeClr val="accent1"/>
+          </a:fillRef>
+          <a:effectRef idx="0">
+            <a:schemeClr val="accent1"/>
+          </a:effectRef>
+          <a:fontRef idx="minor">
+            <a:schemeClr val="tx1"/>
+          </a:fontRef>
+        </p:style>
+      </p:cxnSp>
+      <p:cxnSp>
+        <p:nvCxnSpPr>
+          <p:cNvPr id="18" name="Straight Connector 17">
+            <a:extLst>
+              <a:ext uri="{FF2B5EF4-FFF2-40B4-BE49-F238E27FC236}">
+                <a16:creationId xmlns:a16="http://schemas.microsoft.com/office/drawing/2014/main" id="{D299D9A9-1DA8-433D-A9BC-FB48D93D4217}"/>
+              </a:ext>
+            </a:extLst>
+          </p:cNvPr>
+          <p:cNvCxnSpPr>
+            <a:cxnSpLocks noGrp="1" noRot="1" noChangeAspect="1" noMove="1" noResize="1" noEditPoints="1" noAdjustHandles="1" noChangeArrowheads="1" noChangeShapeType="1"/>
+          </p:cNvCxnSpPr>
+          <p:nvPr>
+            <p:extLst>
+              <p:ext uri="{386F3935-93C4-4BCD-93E2-E3B085C9AB24}">
+                <p16:designElem xmlns:p16="http://schemas.microsoft.com/office/powerpoint/2015/main" val="1"/>
+              </p:ext>
+            </p:extLst>
+          </p:nvPr>
+        </p:nvCxnSpPr>
+        <p:spPr>
+          <a:xfrm>
+            <a:off x="1453896" y="1847088"/>
+            <a:ext cx="9607522" cy="0"/>
+          </a:xfrm>
+          <a:prstGeom prst="line">
+            <a:avLst/>
+          </a:prstGeom>
+          <a:ln w="31750"/>
+        </p:spPr>
+        <p:style>
+          <a:lnRef idx="3">
+            <a:schemeClr val="accent1"/>
+          </a:lnRef>
+          <a:fillRef idx="0">
+            <a:schemeClr val="accent1"/>
+          </a:fillRef>
+          <a:effectRef idx="2">
+            <a:schemeClr val="accent1"/>
+          </a:effectRef>
+          <a:fontRef idx="minor">
+            <a:schemeClr val="tx1"/>
+          </a:fontRef>
+        </p:style>
+      </p:cxnSp>
+      <p:pic>
+        <p:nvPicPr>
+          <p:cNvPr id="3" name="그림 2" descr="스크린샷이(가) 표시된 사진&#10;&#10;매우 높은 신뢰도로 생성된 설명">
+            <a:extLst>
+              <a:ext uri="{FF2B5EF4-FFF2-40B4-BE49-F238E27FC236}">
+                <a16:creationId xmlns:a16="http://schemas.microsoft.com/office/drawing/2014/main" id="{BD6F9837-8BE9-4ACB-92FA-AD71F624E5BB}"/>
+              </a:ext>
+            </a:extLst>
+          </p:cNvPr>
+          <p:cNvPicPr>
+            <a:picLocks noChangeAspect="1"/>
+          </p:cNvPicPr>
+          <p:nvPr/>
+        </p:nvPicPr>
+        <p:blipFill>
+          <a:blip r:embed="rId3"/>
           <a:stretch>
             <a:fillRect/>
           </a:stretch>
         </p:blipFill>
-        <p:spPr bwMode="auto">
+        <p:spPr>
           <a:xfrm>
-            <a:off x="1451579" y="2446569"/>
-            <a:ext cx="4960443" cy="2588943"/>
+            <a:off x="1451579" y="2132490"/>
+            <a:ext cx="9744492" cy="3264404"/>
           </a:xfrm>
           <a:prstGeom prst="rect">
             <a:avLst/>
           </a:prstGeom>
-          <a:noFill/>
-          <a:extLst>
-            <a:ext uri="{909E8E84-426E-40DD-AFC4-6F175D3DCCD1}">
-              <a14:hiddenFill xmlns:a14="http://schemas.microsoft.com/office/drawing/2010/main">
-                <a:solidFill>
-                  <a:srgbClr val="FFFFFF"/>
-                </a:solidFill>
-              </a14:hiddenFill>
-            </a:ext>
-          </a:extLst>
         </p:spPr>
       </p:pic>
       <p:sp>
         <p:nvSpPr>
-          <p:cNvPr id="9" name="내용 개체 틀 2">
+          <p:cNvPr id="5" name="내용 개체 틀 2">
             <a:extLst>
               <a:ext uri="{FF2B5EF4-FFF2-40B4-BE49-F238E27FC236}">
-                <a16:creationId xmlns:a16="http://schemas.microsoft.com/office/drawing/2014/main" id="{5647755A-61AE-495E-AE6D-C8FE4D974240}"/>
+                <a16:creationId xmlns:a16="http://schemas.microsoft.com/office/drawing/2014/main" id="{D016B600-F388-4833-B10D-388A98DFA917}"/>
               </a:ext>
             </a:extLst>
           </p:cNvPr>
@@ -4732,8 +5128,8 @@
         </p:nvSpPr>
         <p:spPr>
           <a:xfrm>
-            <a:off x="1451578" y="2294064"/>
-            <a:ext cx="9603275" cy="3450613"/>
+            <a:off x="6892299" y="2015734"/>
+            <a:ext cx="4162555" cy="3450613"/>
           </a:xfrm>
           <a:prstGeom prst="rect">
             <a:avLst/>
@@ -4953,13 +5349,11 @@
             </a:lvl9pPr>
           </a:lstStyle>
           <a:p>
+            <a:pPr latinLnBrk="0"/>
             <a:endParaRPr lang="en-US" altLang="ko-KR" dirty="0"/>
           </a:p>
           <a:p>
-            <a:pPr marL="0" indent="0">
-              <a:buFont typeface="Arial" panose="020B0604020202020204" pitchFamily="34" charset="0"/>
-              <a:buNone/>
-            </a:pPr>
+            <a:pPr marL="0" latinLnBrk="0"/>
             <a:endParaRPr lang="en-US" altLang="ko-KR" dirty="0"/>
           </a:p>
         </p:txBody>
@@ -4994,21 +5388,320 @@
           <a:p>
             <a:pPr latinLnBrk="0"/>
             <a:r>
-              <a:rPr lang="ko-KR" altLang="en-US"/>
-              <a:t>동기화된 저주파의 위상 차 인식</a:t>
-            </a:r>
-            <a:r>
-              <a:rPr lang="en-US" altLang="ko-KR"/>
-              <a:t> </a:t>
-            </a:r>
-            <a:r>
-              <a:rPr lang="ko-KR" altLang="en-US"/>
-              <a:t>방법 </a:t>
-            </a:r>
-            <a:endParaRPr lang="en-US" altLang="ko-KR"/>
-          </a:p>
-        </p:txBody>
-      </p:sp>
+              <a:rPr lang="ko-KR" altLang="en-US" dirty="0"/>
+              <a:t>센서 오차</a:t>
+            </a:r>
+            <a:endParaRPr lang="en-US" altLang="ko-KR" dirty="0"/>
+          </a:p>
+        </p:txBody>
+      </p:sp>
+    </p:spTree>
+    <p:extLst>
+      <p:ext uri="{BB962C8B-B14F-4D97-AF65-F5344CB8AC3E}">
+        <p14:creationId xmlns:p14="http://schemas.microsoft.com/office/powerpoint/2010/main" val="2205754222"/>
+      </p:ext>
+    </p:extLst>
+  </p:cSld>
+  <p:clrMapOvr>
+    <a:masterClrMapping/>
+  </p:clrMapOvr>
+</p:sld>
+</file>
+
+<file path=ppt/slides/slide6.xml><?xml version="1.0" encoding="utf-8"?>
+<p:sld xmlns:a="http://schemas.openxmlformats.org/drawingml/2006/main" xmlns:r="http://schemas.openxmlformats.org/officeDocument/2006/relationships" xmlns:p="http://schemas.openxmlformats.org/presentationml/2006/main">
+  <p:cSld>
+    <p:spTree>
+      <p:nvGrpSpPr>
+        <p:cNvPr id="1" name=""/>
+        <p:cNvGrpSpPr/>
+        <p:nvPr/>
+      </p:nvGrpSpPr>
+      <p:grpSpPr>
+        <a:xfrm>
+          <a:off x="0" y="0"/>
+          <a:ext cx="0" cy="0"/>
+          <a:chOff x="0" y="0"/>
+          <a:chExt cx="0" cy="0"/>
+        </a:xfrm>
+      </p:grpSpPr>
+      <p:sp>
+        <p:nvSpPr>
+          <p:cNvPr id="10" name="Rectangle 9"/>
+          <p:cNvSpPr>
+            <a:spLocks noGrp="1" noRot="1" noChangeAspect="1" noMove="1" noResize="1" noEditPoints="1" noAdjustHandles="1" noChangeArrowheads="1" noChangeShapeType="1" noTextEdit="1"/>
+          </p:cNvSpPr>
+          <p:nvPr>
+            <p:extLst>
+              <p:ext uri="{386F3935-93C4-4BCD-93E2-E3B085C9AB24}">
+                <p16:designElem xmlns:p16="http://schemas.microsoft.com/office/powerpoint/2015/main" val="1"/>
+              </p:ext>
+            </p:extLst>
+          </p:nvPr>
+        </p:nvSpPr>
+        <p:spPr bwMode="white">
+          <a:xfrm>
+            <a:off x="0" y="0"/>
+            <a:ext cx="12192000" cy="6858000"/>
+          </a:xfrm>
+          <a:prstGeom prst="rect">
+            <a:avLst/>
+          </a:prstGeom>
+          <a:gradFill rotWithShape="1">
+            <a:gsLst>
+              <a:gs pos="0">
+                <a:schemeClr val="bg2">
+                  <a:tint val="94000"/>
+                  <a:satMod val="80000"/>
+                  <a:lumMod val="106000"/>
+                </a:schemeClr>
+              </a:gs>
+              <a:gs pos="100000">
+                <a:schemeClr val="bg2">
+                  <a:shade val="80000"/>
+                </a:schemeClr>
+              </a:gs>
+            </a:gsLst>
+            <a:path path="circle">
+              <a:fillToRect l="43000" r="43000" b="100000"/>
+            </a:path>
+          </a:gradFill>
+          <a:ln>
+            <a:noFill/>
+          </a:ln>
+          <a:effectLst/>
+        </p:spPr>
+      </p:sp>
+      <p:sp>
+        <p:nvSpPr>
+          <p:cNvPr id="12" name="Rectangle 11">
+            <a:extLst>
+              <a:ext uri="{FF2B5EF4-FFF2-40B4-BE49-F238E27FC236}">
+                <a16:creationId xmlns:a16="http://schemas.microsoft.com/office/drawing/2014/main" id="{84C75E2B-CACA-478C-B26B-182AF87A18E3}"/>
+              </a:ext>
+            </a:extLst>
+          </p:cNvPr>
+          <p:cNvSpPr>
+            <a:spLocks noGrp="1" noRot="1" noChangeAspect="1" noMove="1" noResize="1" noEditPoints="1" noAdjustHandles="1" noChangeArrowheads="1" noChangeShapeType="1" noTextEdit="1"/>
+          </p:cNvSpPr>
+          <p:nvPr>
+            <p:extLst>
+              <p:ext uri="{386F3935-93C4-4BCD-93E2-E3B085C9AB24}">
+                <p16:designElem xmlns:p16="http://schemas.microsoft.com/office/powerpoint/2015/main" val="1"/>
+              </p:ext>
+            </p:extLst>
+          </p:nvPr>
+        </p:nvSpPr>
+        <p:spPr>
+          <a:xfrm>
+            <a:off x="0" y="2019476"/>
+            <a:ext cx="12192000" cy="4105941"/>
+          </a:xfrm>
+          <a:prstGeom prst="rect">
+            <a:avLst/>
+          </a:prstGeom>
+          <a:gradFill flip="none" rotWithShape="1">
+            <a:gsLst>
+              <a:gs pos="0">
+                <a:schemeClr val="bg2">
+                  <a:alpha val="0"/>
+                </a:schemeClr>
+              </a:gs>
+              <a:gs pos="100000">
+                <a:schemeClr val="bg2"/>
+              </a:gs>
+            </a:gsLst>
+            <a:lin ang="5400000" scaled="0"/>
+            <a:tileRect/>
+          </a:gradFill>
+          <a:ln>
+            <a:noFill/>
+          </a:ln>
+        </p:spPr>
+        <p:style>
+          <a:lnRef idx="2">
+            <a:schemeClr val="accent1">
+              <a:shade val="50000"/>
+            </a:schemeClr>
+          </a:lnRef>
+          <a:fillRef idx="1">
+            <a:schemeClr val="accent1"/>
+          </a:fillRef>
+          <a:effectRef idx="0">
+            <a:schemeClr val="accent1"/>
+          </a:effectRef>
+          <a:fontRef idx="minor">
+            <a:schemeClr val="lt1"/>
+          </a:fontRef>
+        </p:style>
+      </p:sp>
+      <p:pic>
+        <p:nvPicPr>
+          <p:cNvPr id="14" name="Picture 13" descr="실내, 가구이(가) 표시된 사진&#10;&#10;높은 신뢰도로 생성된 설명">
+            <a:extLst>
+              <a:ext uri="{FF2B5EF4-FFF2-40B4-BE49-F238E27FC236}">
+                <a16:creationId xmlns:a16="http://schemas.microsoft.com/office/drawing/2014/main" id="{50FF2874-547C-4D14-9E18-28B19002FB8C}"/>
+              </a:ext>
+            </a:extLst>
+          </p:cNvPr>
+          <p:cNvPicPr>
+            <a:picLocks noGrp="1" noRot="1" noChangeAspect="1" noMove="1" noResize="1" noEditPoints="1" noAdjustHandles="1" noChangeArrowheads="1" noChangeShapeType="1" noCrop="1"/>
+          </p:cNvPicPr>
+          <p:nvPr>
+            <p:extLst>
+              <p:ext uri="{386F3935-93C4-4BCD-93E2-E3B085C9AB24}">
+                <p16:designElem xmlns:p16="http://schemas.microsoft.com/office/powerpoint/2015/main" val="1"/>
+              </p:ext>
+            </p:extLst>
+          </p:nvPr>
+        </p:nvPicPr>
+        <p:blipFill rotWithShape="1">
+          <a:blip r:embed="rId2">
+            <a:extLst>
+              <a:ext uri="{28A0092B-C50C-407E-A947-70E740481C1C}">
+                <a14:useLocalDpi xmlns:a14="http://schemas.microsoft.com/office/drawing/2010/main" val="0"/>
+              </a:ext>
+            </a:extLst>
+          </a:blip>
+          <a:srcRect t="1538" b="-1538"/>
+          <a:stretch/>
+        </p:blipFill>
+        <p:spPr bwMode="black">
+          <a:xfrm>
+            <a:off x="0" y="6126480"/>
+            <a:ext cx="12192000" cy="742950"/>
+          </a:xfrm>
+          <a:prstGeom prst="rect">
+            <a:avLst/>
+          </a:prstGeom>
+        </p:spPr>
+      </p:pic>
+      <p:cxnSp>
+        <p:nvCxnSpPr>
+          <p:cNvPr id="16" name="Straight Connector 15">
+            <a:extLst>
+              <a:ext uri="{FF2B5EF4-FFF2-40B4-BE49-F238E27FC236}">
+                <a16:creationId xmlns:a16="http://schemas.microsoft.com/office/drawing/2014/main" id="{36CF827D-A163-47F7-BD87-34EB4FA7D696}"/>
+              </a:ext>
+            </a:extLst>
+          </p:cNvPr>
+          <p:cNvCxnSpPr>
+            <a:cxnSpLocks noGrp="1" noRot="1" noChangeAspect="1" noMove="1" noResize="1" noEditPoints="1" noAdjustHandles="1" noChangeArrowheads="1" noChangeShapeType="1"/>
+          </p:cNvCxnSpPr>
+          <p:nvPr>
+            <p:extLst>
+              <p:ext uri="{386F3935-93C4-4BCD-93E2-E3B085C9AB24}">
+                <p16:designElem xmlns:p16="http://schemas.microsoft.com/office/powerpoint/2015/main" val="1"/>
+              </p:ext>
+            </p:extLst>
+          </p:nvPr>
+        </p:nvCxnSpPr>
+        <p:spPr>
+          <a:xfrm>
+            <a:off x="0" y="6128413"/>
+            <a:ext cx="12192000" cy="0"/>
+          </a:xfrm>
+          <a:prstGeom prst="line">
+            <a:avLst/>
+          </a:prstGeom>
+          <a:ln w="12700">
+            <a:solidFill>
+              <a:srgbClr val="000001">
+                <a:alpha val="20000"/>
+              </a:srgbClr>
+            </a:solidFill>
+          </a:ln>
+        </p:spPr>
+        <p:style>
+          <a:lnRef idx="1">
+            <a:schemeClr val="accent1"/>
+          </a:lnRef>
+          <a:fillRef idx="0">
+            <a:schemeClr val="accent1"/>
+          </a:fillRef>
+          <a:effectRef idx="0">
+            <a:schemeClr val="accent1"/>
+          </a:effectRef>
+          <a:fontRef idx="minor">
+            <a:schemeClr val="tx1"/>
+          </a:fontRef>
+        </p:style>
+      </p:cxnSp>
+      <p:cxnSp>
+        <p:nvCxnSpPr>
+          <p:cNvPr id="18" name="Straight Connector 17">
+            <a:extLst>
+              <a:ext uri="{FF2B5EF4-FFF2-40B4-BE49-F238E27FC236}">
+                <a16:creationId xmlns:a16="http://schemas.microsoft.com/office/drawing/2014/main" id="{D299D9A9-1DA8-433D-A9BC-FB48D93D4217}"/>
+              </a:ext>
+            </a:extLst>
+          </p:cNvPr>
+          <p:cNvCxnSpPr>
+            <a:cxnSpLocks noGrp="1" noRot="1" noChangeAspect="1" noMove="1" noResize="1" noEditPoints="1" noAdjustHandles="1" noChangeArrowheads="1" noChangeShapeType="1"/>
+          </p:cNvCxnSpPr>
+          <p:nvPr>
+            <p:extLst>
+              <p:ext uri="{386F3935-93C4-4BCD-93E2-E3B085C9AB24}">
+                <p16:designElem xmlns:p16="http://schemas.microsoft.com/office/powerpoint/2015/main" val="1"/>
+              </p:ext>
+            </p:extLst>
+          </p:nvPr>
+        </p:nvCxnSpPr>
+        <p:spPr>
+          <a:xfrm>
+            <a:off x="1453896" y="1847088"/>
+            <a:ext cx="9607522" cy="0"/>
+          </a:xfrm>
+          <a:prstGeom prst="line">
+            <a:avLst/>
+          </a:prstGeom>
+          <a:ln w="31750"/>
+        </p:spPr>
+        <p:style>
+          <a:lnRef idx="3">
+            <a:schemeClr val="accent1"/>
+          </a:lnRef>
+          <a:fillRef idx="0">
+            <a:schemeClr val="accent1"/>
+          </a:fillRef>
+          <a:effectRef idx="2">
+            <a:schemeClr val="accent1"/>
+          </a:effectRef>
+          <a:fontRef idx="minor">
+            <a:schemeClr val="tx1"/>
+          </a:fontRef>
+        </p:style>
+      </p:cxnSp>
+      <p:pic>
+        <p:nvPicPr>
+          <p:cNvPr id="4" name="그림 3" descr="스크린샷이(가) 표시된 사진&#10;&#10;매우 높은 신뢰도로 생성된 설명">
+            <a:extLst>
+              <a:ext uri="{FF2B5EF4-FFF2-40B4-BE49-F238E27FC236}">
+                <a16:creationId xmlns:a16="http://schemas.microsoft.com/office/drawing/2014/main" id="{64CE11FA-CC65-41AE-BFBF-F99BC503E906}"/>
+              </a:ext>
+            </a:extLst>
+          </p:cNvPr>
+          <p:cNvPicPr>
+            <a:picLocks noChangeAspect="1"/>
+          </p:cNvPicPr>
+          <p:nvPr/>
+        </p:nvPicPr>
+        <p:blipFill>
+          <a:blip r:embed="rId3"/>
+          <a:stretch>
+            <a:fillRect/>
+          </a:stretch>
+        </p:blipFill>
+        <p:spPr>
+          <a:xfrm>
+            <a:off x="1451579" y="2396580"/>
+            <a:ext cx="9603274" cy="2688916"/>
+          </a:xfrm>
+          <a:prstGeom prst="rect">
+            <a:avLst/>
+          </a:prstGeom>
+        </p:spPr>
+      </p:pic>
       <p:sp>
         <p:nvSpPr>
           <p:cNvPr id="5" name="내용 개체 틀 2">
@@ -5246,79 +5939,56 @@
             </a:lvl9pPr>
           </a:lstStyle>
           <a:p>
-            <a:pPr latinLnBrk="0">
-              <a:lnSpc>
-                <a:spcPct val="110000"/>
-              </a:lnSpc>
-            </a:pPr>
-            <a:r>
-              <a:rPr lang="ko-KR" altLang="en-US" sz="1700" dirty="0"/>
-              <a:t>저주파의 파장이 비교적 길다는 점을 이용한 방법</a:t>
-            </a:r>
-            <a:endParaRPr lang="en-US" altLang="ko-KR" sz="1700" dirty="0"/>
-          </a:p>
-          <a:p>
-            <a:pPr latinLnBrk="0">
-              <a:lnSpc>
-                <a:spcPct val="110000"/>
-              </a:lnSpc>
-            </a:pPr>
-            <a:endParaRPr lang="en-US" altLang="ko-KR" sz="1700" dirty="0"/>
-          </a:p>
-          <a:p>
-            <a:pPr latinLnBrk="0">
-              <a:lnSpc>
-                <a:spcPct val="110000"/>
-              </a:lnSpc>
-            </a:pPr>
-            <a:r>
-              <a:rPr lang="ko-KR" altLang="en-US" sz="1700" dirty="0"/>
-              <a:t>거리에 따라 저주파가 발생하는 곳과 받는 곳에서의 위상 차를 측정</a:t>
-            </a:r>
-            <a:endParaRPr lang="en-US" altLang="ko-KR" sz="1700" dirty="0"/>
-          </a:p>
-          <a:p>
-            <a:pPr latinLnBrk="0">
-              <a:lnSpc>
-                <a:spcPct val="110000"/>
-              </a:lnSpc>
-            </a:pPr>
-            <a:endParaRPr lang="en-US" altLang="ko-KR" sz="1700" dirty="0"/>
-          </a:p>
-          <a:p>
-            <a:pPr latinLnBrk="0">
-              <a:lnSpc>
-                <a:spcPct val="110000"/>
-              </a:lnSpc>
-            </a:pPr>
-            <a:r>
-              <a:rPr lang="ko-KR" altLang="en-US" sz="1700" dirty="0"/>
-              <a:t>위상 차로 거리를 계산하는 방법</a:t>
-            </a:r>
-            <a:endParaRPr lang="en-US" altLang="ko-KR" sz="1700" dirty="0"/>
-          </a:p>
-          <a:p>
-            <a:pPr latinLnBrk="0">
-              <a:lnSpc>
-                <a:spcPct val="110000"/>
-              </a:lnSpc>
-            </a:pPr>
-            <a:endParaRPr lang="en-US" altLang="ko-KR" sz="1700" dirty="0"/>
-          </a:p>
-          <a:p>
-            <a:pPr marL="0" latinLnBrk="0">
-              <a:lnSpc>
-                <a:spcPct val="110000"/>
-              </a:lnSpc>
-            </a:pPr>
-            <a:endParaRPr lang="en-US" altLang="ko-KR" sz="1700" dirty="0"/>
+            <a:pPr latinLnBrk="0"/>
+            <a:endParaRPr lang="en-US" altLang="ko-KR" dirty="0"/>
+          </a:p>
+          <a:p>
+            <a:pPr marL="0" latinLnBrk="0"/>
+            <a:endParaRPr lang="en-US" altLang="ko-KR" dirty="0"/>
+          </a:p>
+        </p:txBody>
+      </p:sp>
+      <p:sp>
+        <p:nvSpPr>
+          <p:cNvPr id="2" name="제목 1">
+            <a:extLst>
+              <a:ext uri="{FF2B5EF4-FFF2-40B4-BE49-F238E27FC236}">
+                <a16:creationId xmlns:a16="http://schemas.microsoft.com/office/drawing/2014/main" id="{E7E29B15-BD08-4688-B649-6836E8C6C3AC}"/>
+              </a:ext>
+            </a:extLst>
+          </p:cNvPr>
+          <p:cNvSpPr>
+            <a:spLocks noGrp="1"/>
+          </p:cNvSpPr>
+          <p:nvPr>
+            <p:ph type="title"/>
+          </p:nvPr>
+        </p:nvSpPr>
+        <p:spPr>
+          <a:xfrm>
+            <a:off x="1451579" y="804519"/>
+            <a:ext cx="9603275" cy="1049235"/>
+          </a:xfrm>
+        </p:spPr>
+        <p:txBody>
+          <a:bodyPr vert="horz" lIns="91440" tIns="45720" rIns="91440" bIns="45720" rtlCol="0" anchor="t">
+            <a:normAutofit/>
+          </a:bodyPr>
+          <a:lstStyle/>
+          <a:p>
+            <a:pPr latinLnBrk="0"/>
+            <a:r>
+              <a:rPr lang="ko-KR" altLang="en-US" dirty="0"/>
+              <a:t>센서 오차</a:t>
+            </a:r>
+            <a:endParaRPr lang="en-US" altLang="ko-KR" dirty="0"/>
           </a:p>
         </p:txBody>
       </p:sp>
     </p:spTree>
     <p:extLst>
       <p:ext uri="{BB962C8B-B14F-4D97-AF65-F5344CB8AC3E}">
-        <p14:creationId xmlns:p14="http://schemas.microsoft.com/office/powerpoint/2010/main" val="13549952"/>
+        <p14:creationId xmlns:p14="http://schemas.microsoft.com/office/powerpoint/2010/main" val="3003999658"/>
       </p:ext>
     </p:extLst>
   </p:cSld>
@@ -5328,7 +5998,7 @@
 </p:sld>
 </file>
 
-<file path=ppt/slides/slide5.xml><?xml version="1.0" encoding="utf-8"?>
+<file path=ppt/slides/slide7.xml><?xml version="1.0" encoding="utf-8"?>
 <p:sld xmlns:a="http://schemas.openxmlformats.org/drawingml/2006/main" xmlns:r="http://schemas.openxmlformats.org/officeDocument/2006/relationships" xmlns:p="http://schemas.openxmlformats.org/presentationml/2006/main">
   <p:cSld>
     <p:spTree>
@@ -5345,18 +6015,12 @@
           <a:chExt cx="0" cy="0"/>
         </a:xfrm>
       </p:grpSpPr>
-      <p:grpSp>
-        <p:nvGrpSpPr>
-          <p:cNvPr id="53" name="Group 52">
-            <a:extLst>
-              <a:ext uri="{FF2B5EF4-FFF2-40B4-BE49-F238E27FC236}">
-                <a16:creationId xmlns:a16="http://schemas.microsoft.com/office/drawing/2014/main" id="{ADB18E6F-FE38-40D0-A2EC-DB2E37F04189}"/>
-              </a:ext>
-            </a:extLst>
-          </p:cNvPr>
-          <p:cNvGrpSpPr>
-            <a:grpSpLocks noGrp="1" noUngrp="1" noRot="1" noChangeAspect="1" noMove="1" noResize="1"/>
-          </p:cNvGrpSpPr>
+      <p:sp>
+        <p:nvSpPr>
+          <p:cNvPr id="10" name="Rectangle 9"/>
+          <p:cNvSpPr>
+            <a:spLocks noGrp="1" noRot="1" noChangeAspect="1" noMove="1" noResize="1" noEditPoints="1" noAdjustHandles="1" noChangeArrowheads="1" noChangeShapeType="1" noTextEdit="1"/>
+          </p:cNvSpPr>
           <p:nvPr>
             <p:extLst>
               <p:ext uri="{386F3935-93C4-4BCD-93E2-E3B085C9AB24}">
@@ -5364,601 +6028,52 @@
               </p:ext>
             </p:extLst>
           </p:nvPr>
-        </p:nvGrpSpPr>
-        <p:grpSpPr>
+        </p:nvSpPr>
+        <p:spPr bwMode="white">
           <a:xfrm>
-            <a:off x="1446399" y="2012810"/>
-            <a:ext cx="3413507" cy="3459865"/>
-            <a:chOff x="7630846" y="2123762"/>
-            <a:chExt cx="3413507" cy="3481923"/>
-          </a:xfrm>
-        </p:grpSpPr>
-        <p:sp>
-          <p:nvSpPr>
-            <p:cNvPr id="54" name="Rectangle 53">
-              <a:extLst/>
-            </p:cNvPr>
-            <p:cNvSpPr/>
-            <p:nvPr>
-              <p:extLst>
-                <p:ext uri="{386F3935-93C4-4BCD-93E2-E3B085C9AB24}">
-                  <p16:designElem xmlns:p16="http://schemas.microsoft.com/office/powerpoint/2015/main" val="1"/>
-                </p:ext>
-              </p:extLst>
-            </p:nvPr>
-          </p:nvSpPr>
-          <p:spPr>
-            <a:xfrm>
-              <a:off x="7630846" y="2123762"/>
-              <a:ext cx="3413507" cy="3481923"/>
-            </a:xfrm>
-            <a:prstGeom prst="rect">
-              <a:avLst/>
-            </a:prstGeom>
-            <a:gradFill>
-              <a:gsLst>
-                <a:gs pos="0">
-                  <a:srgbClr val="000001"/>
-                </a:gs>
-                <a:gs pos="100000">
-                  <a:srgbClr val="191919"/>
-                </a:gs>
-              </a:gsLst>
-            </a:gradFill>
-            <a:ln w="76200" cmpd="sng">
-              <a:noFill/>
-              <a:miter lim="800000"/>
-            </a:ln>
-            <a:effectLst>
-              <a:outerShdw blurRad="127000" dist="228600" dir="4740000" sx="98000" sy="98000" algn="tl" rotWithShape="0">
-                <a:srgbClr val="000000">
-                  <a:alpha val="34000"/>
-                </a:srgbClr>
-              </a:outerShdw>
-            </a:effectLst>
-            <a:scene3d>
-              <a:camera prst="orthographicFront"/>
-              <a:lightRig rig="threePt" dir="t"/>
-            </a:scene3d>
-            <a:sp3d>
-              <a:bevelT w="152400" h="50800" prst="softRound"/>
-            </a:sp3d>
-          </p:spPr>
-          <p:style>
-            <a:lnRef idx="1">
-              <a:schemeClr val="accent1"/>
-            </a:lnRef>
-            <a:fillRef idx="3">
-              <a:schemeClr val="accent1"/>
-            </a:fillRef>
-            <a:effectRef idx="2">
-              <a:schemeClr val="accent1"/>
-            </a:effectRef>
-            <a:fontRef idx="minor">
-              <a:schemeClr val="lt1"/>
-            </a:fontRef>
-          </p:style>
-          <p:txBody>
-            <a:bodyPr rtlCol="0" anchor="ctr"/>
-            <a:lstStyle/>
-            <a:p>
-              <a:pPr algn="ctr"/>
-              <a:endParaRPr lang="en-US"/>
-            </a:p>
-          </p:txBody>
-        </p:sp>
-        <p:sp>
-          <p:nvSpPr>
-            <p:cNvPr id="55" name="Rectangle 54">
-              <a:extLst/>
-            </p:cNvPr>
-            <p:cNvSpPr/>
-            <p:nvPr>
-              <p:extLst>
-                <p:ext uri="{386F3935-93C4-4BCD-93E2-E3B085C9AB24}">
-                  <p16:designElem xmlns:p16="http://schemas.microsoft.com/office/powerpoint/2015/main" val="1"/>
-                </p:ext>
-              </p:extLst>
-            </p:nvPr>
-          </p:nvSpPr>
-          <p:spPr>
-            <a:xfrm>
-              <a:off x="7779809" y="2294169"/>
-              <a:ext cx="3100817" cy="3149963"/>
-            </a:xfrm>
-            <a:prstGeom prst="rect">
-              <a:avLst/>
-            </a:prstGeom>
-            <a:gradFill>
-              <a:gsLst>
-                <a:gs pos="0">
-                  <a:srgbClr val="DADADA"/>
-                </a:gs>
-                <a:gs pos="100000">
-                  <a:srgbClr val="FFFFFE"/>
-                </a:gs>
-              </a:gsLst>
-              <a:lin ang="16200000" scaled="0"/>
-            </a:gradFill>
-            <a:ln w="50800" cmpd="sng">
-              <a:solidFill>
-                <a:srgbClr val="191919"/>
-              </a:solidFill>
-              <a:miter lim="800000"/>
-            </a:ln>
-            <a:effectLst>
-              <a:innerShdw blurRad="63500" dist="88900" dir="14100000">
-                <a:srgbClr val="000000">
-                  <a:alpha val="30000"/>
-                </a:srgbClr>
-              </a:innerShdw>
-            </a:effectLst>
-            <a:scene3d>
-              <a:camera prst="orthographicFront"/>
-              <a:lightRig rig="threePt" dir="t"/>
-            </a:scene3d>
-            <a:sp3d>
-              <a:bevelT prst="relaxedInset"/>
-            </a:sp3d>
-          </p:spPr>
-          <p:style>
-            <a:lnRef idx="1">
-              <a:schemeClr val="accent1"/>
-            </a:lnRef>
-            <a:fillRef idx="3">
-              <a:schemeClr val="accent1"/>
-            </a:fillRef>
-            <a:effectRef idx="2">
-              <a:schemeClr val="accent1"/>
-            </a:effectRef>
-            <a:fontRef idx="minor">
-              <a:schemeClr val="lt1"/>
-            </a:fontRef>
-          </p:style>
-          <p:txBody>
-            <a:bodyPr rtlCol="0" anchor="ctr"/>
-            <a:lstStyle/>
-            <a:p>
-              <a:pPr algn="ctr"/>
-              <a:endParaRPr lang="en-US"/>
-            </a:p>
-          </p:txBody>
-        </p:sp>
-      </p:grpSp>
-      <p:pic>
-        <p:nvPicPr>
-          <p:cNvPr id="7" name="그림 6" descr="벽, 실내, 모니터이(가) 표시된 사진&#10;&#10;높은 신뢰도로 생성된 설명">
-            <a:hlinkClick r:id="rId2"/>
-            <a:extLst>
-              <a:ext uri="{FF2B5EF4-FFF2-40B4-BE49-F238E27FC236}">
-                <a16:creationId xmlns:a16="http://schemas.microsoft.com/office/drawing/2014/main" id="{C9C4ED27-D034-4D75-A97D-383A7016799E}"/>
-              </a:ext>
-            </a:extLst>
-          </p:cNvPr>
-          <p:cNvPicPr>
-            <a:picLocks noChangeAspect="1"/>
-          </p:cNvPicPr>
-          <p:nvPr/>
-        </p:nvPicPr>
-        <p:blipFill rotWithShape="1">
-          <a:blip r:embed="rId3"/>
-          <a:srcRect l="24347" r="20232" b="-1"/>
-          <a:stretch/>
-        </p:blipFill>
-        <p:spPr>
-          <a:xfrm>
-            <a:off x="1921265" y="2491733"/>
-            <a:ext cx="2453183" cy="2500948"/>
+            <a:off x="0" y="0"/>
+            <a:ext cx="12192000" cy="6858000"/>
           </a:xfrm>
           <a:prstGeom prst="rect">
             <a:avLst/>
           </a:prstGeom>
+          <a:gradFill rotWithShape="1">
+            <a:gsLst>
+              <a:gs pos="0">
+                <a:schemeClr val="bg2">
+                  <a:tint val="94000"/>
+                  <a:satMod val="80000"/>
+                  <a:lumMod val="106000"/>
+                </a:schemeClr>
+              </a:gs>
+              <a:gs pos="100000">
+                <a:schemeClr val="bg2">
+                  <a:shade val="80000"/>
+                </a:schemeClr>
+              </a:gs>
+            </a:gsLst>
+            <a:path path="circle">
+              <a:fillToRect l="43000" r="43000" b="100000"/>
+            </a:path>
+          </a:gradFill>
+          <a:ln>
+            <a:noFill/>
+          </a:ln>
+          <a:effectLst/>
         </p:spPr>
-      </p:pic>
-      <p:sp>
-        <p:nvSpPr>
-          <p:cNvPr id="2" name="제목 1">
+      </p:sp>
+      <p:sp>
+        <p:nvSpPr>
+          <p:cNvPr id="12" name="Rectangle 11">
             <a:extLst>
               <a:ext uri="{FF2B5EF4-FFF2-40B4-BE49-F238E27FC236}">
-                <a16:creationId xmlns:a16="http://schemas.microsoft.com/office/drawing/2014/main" id="{E7E29B15-BD08-4688-B649-6836E8C6C3AC}"/>
+                <a16:creationId xmlns:a16="http://schemas.microsoft.com/office/drawing/2014/main" id="{84C75E2B-CACA-478C-B26B-182AF87A18E3}"/>
               </a:ext>
             </a:extLst>
           </p:cNvPr>
           <p:cNvSpPr>
-            <a:spLocks noGrp="1"/>
-          </p:cNvSpPr>
-          <p:nvPr>
-            <p:ph type="title"/>
-          </p:nvPr>
-        </p:nvSpPr>
-        <p:spPr>
-          <a:xfrm>
-            <a:off x="1451579" y="804519"/>
-            <a:ext cx="9603275" cy="1049235"/>
-          </a:xfrm>
-        </p:spPr>
-        <p:txBody>
-          <a:bodyPr vert="horz" lIns="91440" tIns="45720" rIns="91440" bIns="45720" rtlCol="0" anchor="t">
-            <a:normAutofit/>
-          </a:bodyPr>
-          <a:lstStyle/>
-          <a:p>
-            <a:pPr latinLnBrk="0"/>
-            <a:r>
-              <a:rPr lang="en-US" altLang="ko-KR"/>
-              <a:t>-</a:t>
-            </a:r>
-            <a:r>
-              <a:rPr lang="ko-KR" altLang="en-US"/>
-              <a:t>적외선 센서를 이용하여 거리 측정 방법</a:t>
-            </a:r>
-            <a:r>
-              <a:rPr lang="en-US" altLang="ko-KR"/>
-              <a:t> </a:t>
-            </a:r>
-          </a:p>
-        </p:txBody>
-      </p:sp>
-      <p:sp>
-        <p:nvSpPr>
-          <p:cNvPr id="9" name="내용 개체 틀 2">
-            <a:extLst>
-              <a:ext uri="{FF2B5EF4-FFF2-40B4-BE49-F238E27FC236}">
-                <a16:creationId xmlns:a16="http://schemas.microsoft.com/office/drawing/2014/main" id="{5647755A-61AE-495E-AE6D-C8FE4D974240}"/>
-              </a:ext>
-            </a:extLst>
-          </p:cNvPr>
-          <p:cNvSpPr txBox="1">
-            <a:spLocks/>
-          </p:cNvSpPr>
-          <p:nvPr/>
-        </p:nvSpPr>
-        <p:spPr>
-          <a:xfrm>
-            <a:off x="5342122" y="2015734"/>
-            <a:ext cx="5707937" cy="3450613"/>
-          </a:xfrm>
-          <a:prstGeom prst="rect">
-            <a:avLst/>
-          </a:prstGeom>
-        </p:spPr>
-        <p:txBody>
-          <a:bodyPr vert="horz" lIns="91440" tIns="45720" rIns="91440" bIns="45720" rtlCol="0" anchor="t">
-            <a:normAutofit fontScale="92500" lnSpcReduction="10000"/>
-          </a:bodyPr>
-          <a:lstStyle>
-            <a:lvl1pPr marL="228600" indent="-228600" algn="l" defTabSz="914400" rtl="0" eaLnBrk="1" latinLnBrk="1" hangingPunct="1">
-              <a:lnSpc>
-                <a:spcPct val="120000"/>
-              </a:lnSpc>
-              <a:spcBef>
-                <a:spcPts val="1000"/>
-              </a:spcBef>
-              <a:buClr>
-                <a:schemeClr val="accent1"/>
-              </a:buClr>
-              <a:buSzPct val="100000"/>
-              <a:buFont typeface="Arial" panose="020B0604020202020204" pitchFamily="34" charset="0"/>
-              <a:buChar char="•"/>
-              <a:defRPr sz="2000" kern="1200">
-                <a:solidFill>
-                  <a:schemeClr val="tx1"/>
-                </a:solidFill>
-                <a:effectLst/>
-                <a:latin typeface="+mn-lt"/>
-                <a:ea typeface="+mn-ea"/>
-                <a:cs typeface="+mn-cs"/>
-              </a:defRPr>
-            </a:lvl1pPr>
-            <a:lvl2pPr marL="685800" indent="-228600" algn="l" defTabSz="914400" rtl="0" eaLnBrk="1" latinLnBrk="1" hangingPunct="1">
-              <a:lnSpc>
-                <a:spcPct val="120000"/>
-              </a:lnSpc>
-              <a:spcBef>
-                <a:spcPts val="500"/>
-              </a:spcBef>
-              <a:buClr>
-                <a:schemeClr val="accent1"/>
-              </a:buClr>
-              <a:buSzPct val="100000"/>
-              <a:buFont typeface="Arial" panose="020B0604020202020204" pitchFamily="34" charset="0"/>
-              <a:buChar char="•"/>
-              <a:defRPr sz="1800" kern="1200" cap="none" baseline="0">
-                <a:solidFill>
-                  <a:schemeClr val="tx1"/>
-                </a:solidFill>
-                <a:effectLst/>
-                <a:latin typeface="+mn-lt"/>
-                <a:ea typeface="+mn-ea"/>
-                <a:cs typeface="+mn-cs"/>
-              </a:defRPr>
-            </a:lvl2pPr>
-            <a:lvl3pPr marL="1143000" indent="-228600" algn="l" defTabSz="914400" rtl="0" eaLnBrk="1" latinLnBrk="1" hangingPunct="1">
-              <a:lnSpc>
-                <a:spcPct val="120000"/>
-              </a:lnSpc>
-              <a:spcBef>
-                <a:spcPts val="500"/>
-              </a:spcBef>
-              <a:buClr>
-                <a:schemeClr val="accent1"/>
-              </a:buClr>
-              <a:buSzPct val="100000"/>
-              <a:buFont typeface="Arial" panose="020B0604020202020204" pitchFamily="34" charset="0"/>
-              <a:buChar char="•"/>
-              <a:defRPr sz="1600" kern="1200">
-                <a:solidFill>
-                  <a:schemeClr val="tx1"/>
-                </a:solidFill>
-                <a:effectLst/>
-                <a:latin typeface="+mn-lt"/>
-                <a:ea typeface="+mn-ea"/>
-                <a:cs typeface="+mn-cs"/>
-              </a:defRPr>
-            </a:lvl3pPr>
-            <a:lvl4pPr marL="1600200" indent="-228600" algn="l" defTabSz="914400" rtl="0" eaLnBrk="1" latinLnBrk="1" hangingPunct="1">
-              <a:lnSpc>
-                <a:spcPct val="120000"/>
-              </a:lnSpc>
-              <a:spcBef>
-                <a:spcPts val="500"/>
-              </a:spcBef>
-              <a:buClr>
-                <a:schemeClr val="accent1"/>
-              </a:buClr>
-              <a:buSzPct val="100000"/>
-              <a:buFont typeface="Arial" panose="020B0604020202020204" pitchFamily="34" charset="0"/>
-              <a:buChar char="•"/>
-              <a:defRPr sz="1400" kern="1200" cap="none" baseline="0">
-                <a:solidFill>
-                  <a:schemeClr val="tx1"/>
-                </a:solidFill>
-                <a:effectLst/>
-                <a:latin typeface="+mn-lt"/>
-                <a:ea typeface="+mn-ea"/>
-                <a:cs typeface="+mn-cs"/>
-              </a:defRPr>
-            </a:lvl4pPr>
-            <a:lvl5pPr marL="2057400" indent="-228600" algn="l" defTabSz="914400" rtl="0" eaLnBrk="1" latinLnBrk="1" hangingPunct="1">
-              <a:lnSpc>
-                <a:spcPct val="120000"/>
-              </a:lnSpc>
-              <a:spcBef>
-                <a:spcPts val="500"/>
-              </a:spcBef>
-              <a:buClr>
-                <a:schemeClr val="accent1"/>
-              </a:buClr>
-              <a:buSzPct val="100000"/>
-              <a:buFont typeface="Arial" panose="020B0604020202020204" pitchFamily="34" charset="0"/>
-              <a:buChar char="•"/>
-              <a:defRPr sz="1200" kern="1200">
-                <a:solidFill>
-                  <a:schemeClr val="tx1"/>
-                </a:solidFill>
-                <a:effectLst/>
-                <a:latin typeface="+mn-lt"/>
-                <a:ea typeface="+mn-ea"/>
-                <a:cs typeface="+mn-cs"/>
-              </a:defRPr>
-            </a:lvl5pPr>
-            <a:lvl6pPr marL="2514600" indent="-228600" algn="l" defTabSz="914400" rtl="0" eaLnBrk="1" latinLnBrk="1" hangingPunct="1">
-              <a:lnSpc>
-                <a:spcPct val="120000"/>
-              </a:lnSpc>
-              <a:spcBef>
-                <a:spcPts val="500"/>
-              </a:spcBef>
-              <a:buClr>
-                <a:schemeClr val="accent1"/>
-              </a:buClr>
-              <a:buSzPct val="100000"/>
-              <a:buFont typeface="Arial" panose="020B0604020202020204" pitchFamily="34" charset="0"/>
-              <a:buChar char="•"/>
-              <a:defRPr sz="1200" kern="1200">
-                <a:solidFill>
-                  <a:schemeClr val="tx1"/>
-                </a:solidFill>
-                <a:effectLst/>
-                <a:latin typeface="+mn-lt"/>
-                <a:ea typeface="+mn-ea"/>
-                <a:cs typeface="+mn-cs"/>
-              </a:defRPr>
-            </a:lvl6pPr>
-            <a:lvl7pPr marL="2971800" indent="-228600" algn="l" defTabSz="914400" rtl="0" eaLnBrk="1" latinLnBrk="1" hangingPunct="1">
-              <a:lnSpc>
-                <a:spcPct val="120000"/>
-              </a:lnSpc>
-              <a:spcBef>
-                <a:spcPts val="500"/>
-              </a:spcBef>
-              <a:buClr>
-                <a:schemeClr val="accent1"/>
-              </a:buClr>
-              <a:buSzPct val="100000"/>
-              <a:buFont typeface="Arial" panose="020B0604020202020204" pitchFamily="34" charset="0"/>
-              <a:buChar char="•"/>
-              <a:defRPr sz="1200" kern="1200">
-                <a:solidFill>
-                  <a:schemeClr val="tx1"/>
-                </a:solidFill>
-                <a:effectLst/>
-                <a:latin typeface="+mn-lt"/>
-                <a:ea typeface="+mn-ea"/>
-                <a:cs typeface="+mn-cs"/>
-              </a:defRPr>
-            </a:lvl7pPr>
-            <a:lvl8pPr marL="3429000" indent="-228600" algn="l" defTabSz="914400" rtl="0" eaLnBrk="1" latinLnBrk="1" hangingPunct="1">
-              <a:lnSpc>
-                <a:spcPct val="120000"/>
-              </a:lnSpc>
-              <a:spcBef>
-                <a:spcPts val="500"/>
-              </a:spcBef>
-              <a:buClr>
-                <a:schemeClr val="accent1"/>
-              </a:buClr>
-              <a:buSzPct val="100000"/>
-              <a:buFont typeface="Arial" panose="020B0604020202020204" pitchFamily="34" charset="0"/>
-              <a:buChar char="•"/>
-              <a:defRPr sz="1200" kern="1200" baseline="0">
-                <a:solidFill>
-                  <a:schemeClr val="tx1"/>
-                </a:solidFill>
-                <a:effectLst/>
-                <a:latin typeface="+mn-lt"/>
-                <a:ea typeface="+mn-ea"/>
-                <a:cs typeface="+mn-cs"/>
-              </a:defRPr>
-            </a:lvl8pPr>
-            <a:lvl9pPr marL="3886200" indent="-228600" algn="l" defTabSz="914400" rtl="0" eaLnBrk="1" latinLnBrk="1" hangingPunct="1">
-              <a:lnSpc>
-                <a:spcPct val="120000"/>
-              </a:lnSpc>
-              <a:spcBef>
-                <a:spcPts val="500"/>
-              </a:spcBef>
-              <a:buClr>
-                <a:schemeClr val="accent1"/>
-              </a:buClr>
-              <a:buSzPct val="100000"/>
-              <a:buFont typeface="Arial" panose="020B0604020202020204" pitchFamily="34" charset="0"/>
-              <a:buChar char="•"/>
-              <a:defRPr sz="1200" kern="1200" baseline="0">
-                <a:solidFill>
-                  <a:schemeClr val="tx1"/>
-                </a:solidFill>
-                <a:effectLst/>
-                <a:latin typeface="+mn-lt"/>
-                <a:ea typeface="+mn-ea"/>
-                <a:cs typeface="+mn-cs"/>
-              </a:defRPr>
-            </a:lvl9pPr>
-          </a:lstStyle>
-          <a:p>
-            <a:pPr latinLnBrk="0"/>
-            <a:r>
-              <a:rPr lang="en-US" altLang="ko-KR" dirty="0"/>
-              <a:t>VR </a:t>
-            </a:r>
-            <a:r>
-              <a:rPr lang="ko-KR" altLang="en-US" dirty="0"/>
-              <a:t>컨트롤러의 위치 추적 방식에서 착안</a:t>
-            </a:r>
-            <a:endParaRPr lang="en-US" altLang="ko-KR" dirty="0"/>
-          </a:p>
-          <a:p>
-            <a:pPr latinLnBrk="0"/>
-            <a:endParaRPr lang="en-US" altLang="ko-KR" dirty="0"/>
-          </a:p>
-          <a:p>
-            <a:pPr latinLnBrk="0"/>
-            <a:r>
-              <a:rPr lang="ko-KR" altLang="en-US" dirty="0"/>
-              <a:t> </a:t>
-            </a:r>
-            <a:r>
-              <a:rPr lang="en-US" altLang="ko-KR" dirty="0" err="1"/>
-              <a:t>airbar</a:t>
-            </a:r>
-            <a:r>
-              <a:rPr lang="en-US" altLang="ko-KR" dirty="0"/>
-              <a:t>  </a:t>
-            </a:r>
-            <a:r>
-              <a:rPr lang="ko-KR" altLang="en-US" dirty="0"/>
-              <a:t>또한 찾아보니 적외선방식을 이용</a:t>
-            </a:r>
-            <a:endParaRPr lang="en-US" altLang="ko-KR" dirty="0"/>
-          </a:p>
-          <a:p>
-            <a:pPr marL="0" indent="0" latinLnBrk="0">
-              <a:buNone/>
-            </a:pPr>
-            <a:endParaRPr lang="en-US" altLang="ko-KR" dirty="0"/>
-          </a:p>
-          <a:p>
-            <a:pPr latinLnBrk="0"/>
-            <a:r>
-              <a:rPr lang="ko-KR" altLang="en-US" dirty="0"/>
-              <a:t>센서를 </a:t>
-            </a:r>
-            <a:r>
-              <a:rPr lang="en-US" altLang="ko-KR" dirty="0"/>
-              <a:t>360</a:t>
-            </a:r>
-            <a:r>
-              <a:rPr lang="ko-KR" altLang="en-US" dirty="0"/>
-              <a:t>도 돌리면서 적외선으로 스캔하는 방식</a:t>
-            </a:r>
-            <a:endParaRPr lang="en-US" altLang="ko-KR" dirty="0"/>
-          </a:p>
-          <a:p>
-            <a:pPr marL="0" indent="0" latinLnBrk="0">
-              <a:buNone/>
-            </a:pPr>
-            <a:endParaRPr lang="en-US" altLang="ko-KR" dirty="0"/>
-          </a:p>
-          <a:p>
-            <a:pPr latinLnBrk="0"/>
-            <a:r>
-              <a:rPr lang="ko-KR" altLang="en-US" dirty="0"/>
-              <a:t>이를 통해 거리와 스크린 위의 손 위치를 파악이 가능함 </a:t>
-            </a:r>
-            <a:endParaRPr lang="en-US" altLang="ko-KR" dirty="0"/>
-          </a:p>
-          <a:p>
-            <a:pPr latinLnBrk="0"/>
-            <a:endParaRPr lang="en-US" altLang="ko-KR" dirty="0"/>
-          </a:p>
-          <a:p>
-            <a:pPr marL="0" latinLnBrk="0"/>
-            <a:endParaRPr lang="en-US" altLang="ko-KR" dirty="0"/>
-          </a:p>
-        </p:txBody>
-      </p:sp>
-    </p:spTree>
-    <p:extLst>
-      <p:ext uri="{BB962C8B-B14F-4D97-AF65-F5344CB8AC3E}">
-        <p14:creationId xmlns:p14="http://schemas.microsoft.com/office/powerpoint/2010/main" val="3303681834"/>
-      </p:ext>
-    </p:extLst>
-  </p:cSld>
-  <p:clrMapOvr>
-    <a:masterClrMapping/>
-  </p:clrMapOvr>
-</p:sld>
-</file>
-
-<file path=ppt/slides/slide6.xml><?xml version="1.0" encoding="utf-8"?>
-<p:sld xmlns:a="http://schemas.openxmlformats.org/drawingml/2006/main" xmlns:r="http://schemas.openxmlformats.org/officeDocument/2006/relationships" xmlns:p="http://schemas.openxmlformats.org/presentationml/2006/main">
-  <p:cSld>
-    <p:spTree>
-      <p:nvGrpSpPr>
-        <p:cNvPr id="1" name=""/>
-        <p:cNvGrpSpPr/>
-        <p:nvPr/>
-      </p:nvGrpSpPr>
-      <p:grpSpPr>
-        <a:xfrm>
-          <a:off x="0" y="0"/>
-          <a:ext cx="0" cy="0"/>
-          <a:chOff x="0" y="0"/>
-          <a:chExt cx="0" cy="0"/>
-        </a:xfrm>
-      </p:grpSpPr>
-      <p:grpSp>
-        <p:nvGrpSpPr>
-          <p:cNvPr id="101" name="Group 100">
-            <a:extLst>
-              <a:ext uri="{FF2B5EF4-FFF2-40B4-BE49-F238E27FC236}">
-                <a16:creationId xmlns:a16="http://schemas.microsoft.com/office/drawing/2014/main" id="{ADB18E6F-FE38-40D0-A2EC-DB2E37F04189}"/>
-              </a:ext>
-            </a:extLst>
-          </p:cNvPr>
-          <p:cNvGrpSpPr>
-            <a:grpSpLocks noGrp="1" noUngrp="1" noRot="1" noChangeAspect="1" noMove="1" noResize="1"/>
-          </p:cNvGrpSpPr>
+            <a:spLocks noGrp="1" noRot="1" noChangeAspect="1" noMove="1" noResize="1" noEditPoints="1" noAdjustHandles="1" noChangeArrowheads="1" noChangeShapeType="1" noTextEdit="1"/>
+          </p:cNvSpPr>
           <p:nvPr>
             <p:extLst>
               <p:ext uri="{386F3935-93C4-4BCD-93E2-E3B085C9AB24}">
@@ -5966,180 +6081,69 @@
               </p:ext>
             </p:extLst>
           </p:nvPr>
-        </p:nvGrpSpPr>
-        <p:grpSpPr>
+        </p:nvSpPr>
+        <p:spPr>
           <a:xfrm>
-            <a:off x="1446399" y="2012810"/>
-            <a:ext cx="3413507" cy="3459865"/>
-            <a:chOff x="7630846" y="2123762"/>
-            <a:chExt cx="3413507" cy="3481923"/>
-          </a:xfrm>
-        </p:grpSpPr>
-        <p:sp>
-          <p:nvSpPr>
-            <p:cNvPr id="102" name="Rectangle 101">
-              <a:extLst/>
-            </p:cNvPr>
-            <p:cNvSpPr/>
-            <p:nvPr>
-              <p:extLst>
-                <p:ext uri="{386F3935-93C4-4BCD-93E2-E3B085C9AB24}">
-                  <p16:designElem xmlns:p16="http://schemas.microsoft.com/office/powerpoint/2015/main" val="1"/>
-                </p:ext>
-              </p:extLst>
-            </p:nvPr>
-          </p:nvSpPr>
-          <p:spPr>
-            <a:xfrm>
-              <a:off x="7630846" y="2123762"/>
-              <a:ext cx="3413507" cy="3481923"/>
-            </a:xfrm>
-            <a:prstGeom prst="rect">
-              <a:avLst/>
-            </a:prstGeom>
-            <a:gradFill>
-              <a:gsLst>
-                <a:gs pos="0">
-                  <a:srgbClr val="000001"/>
-                </a:gs>
-                <a:gs pos="100000">
-                  <a:srgbClr val="191919"/>
-                </a:gs>
-              </a:gsLst>
-            </a:gradFill>
-            <a:ln w="76200" cmpd="sng">
-              <a:noFill/>
-              <a:miter lim="800000"/>
-            </a:ln>
-            <a:effectLst>
-              <a:outerShdw blurRad="127000" dist="228600" dir="4740000" sx="98000" sy="98000" algn="tl" rotWithShape="0">
-                <a:srgbClr val="000000">
-                  <a:alpha val="34000"/>
-                </a:srgbClr>
-              </a:outerShdw>
-            </a:effectLst>
-            <a:scene3d>
-              <a:camera prst="orthographicFront"/>
-              <a:lightRig rig="threePt" dir="t"/>
-            </a:scene3d>
-            <a:sp3d>
-              <a:bevelT w="152400" h="50800" prst="softRound"/>
-            </a:sp3d>
-          </p:spPr>
-          <p:style>
-            <a:lnRef idx="1">
-              <a:schemeClr val="accent1"/>
-            </a:lnRef>
-            <a:fillRef idx="3">
-              <a:schemeClr val="accent1"/>
-            </a:fillRef>
-            <a:effectRef idx="2">
-              <a:schemeClr val="accent1"/>
-            </a:effectRef>
-            <a:fontRef idx="minor">
-              <a:schemeClr val="lt1"/>
-            </a:fontRef>
-          </p:style>
-          <p:txBody>
-            <a:bodyPr rtlCol="0" anchor="ctr"/>
-            <a:lstStyle/>
-            <a:p>
-              <a:pPr algn="ctr"/>
-              <a:endParaRPr lang="en-US"/>
-            </a:p>
-          </p:txBody>
-        </p:sp>
-        <p:sp>
-          <p:nvSpPr>
-            <p:cNvPr id="103" name="Rectangle 102">
-              <a:extLst/>
-            </p:cNvPr>
-            <p:cNvSpPr/>
-            <p:nvPr>
-              <p:extLst>
-                <p:ext uri="{386F3935-93C4-4BCD-93E2-E3B085C9AB24}">
-                  <p16:designElem xmlns:p16="http://schemas.microsoft.com/office/powerpoint/2015/main" val="1"/>
-                </p:ext>
-              </p:extLst>
-            </p:nvPr>
-          </p:nvSpPr>
-          <p:spPr>
-            <a:xfrm>
-              <a:off x="7779809" y="2294169"/>
-              <a:ext cx="3100817" cy="3149963"/>
-            </a:xfrm>
-            <a:prstGeom prst="rect">
-              <a:avLst/>
-            </a:prstGeom>
-            <a:gradFill>
-              <a:gsLst>
-                <a:gs pos="0">
-                  <a:srgbClr val="DADADA"/>
-                </a:gs>
-                <a:gs pos="100000">
-                  <a:srgbClr val="FFFFFE"/>
-                </a:gs>
-              </a:gsLst>
-              <a:lin ang="16200000" scaled="0"/>
-            </a:gradFill>
-            <a:ln w="50800" cmpd="sng">
-              <a:solidFill>
-                <a:srgbClr val="191919"/>
-              </a:solidFill>
-              <a:miter lim="800000"/>
-            </a:ln>
-            <a:effectLst>
-              <a:innerShdw blurRad="63500" dist="88900" dir="14100000">
-                <a:srgbClr val="000000">
-                  <a:alpha val="30000"/>
-                </a:srgbClr>
-              </a:innerShdw>
-            </a:effectLst>
-            <a:scene3d>
-              <a:camera prst="orthographicFront"/>
-              <a:lightRig rig="threePt" dir="t"/>
-            </a:scene3d>
-            <a:sp3d>
-              <a:bevelT prst="relaxedInset"/>
-            </a:sp3d>
-          </p:spPr>
-          <p:style>
-            <a:lnRef idx="1">
-              <a:schemeClr val="accent1"/>
-            </a:lnRef>
-            <a:fillRef idx="3">
-              <a:schemeClr val="accent1"/>
-            </a:fillRef>
-            <a:effectRef idx="2">
-              <a:schemeClr val="accent1"/>
-            </a:effectRef>
-            <a:fontRef idx="minor">
-              <a:schemeClr val="lt1"/>
-            </a:fontRef>
-          </p:style>
-          <p:txBody>
-            <a:bodyPr rtlCol="0" anchor="ctr"/>
-            <a:lstStyle/>
-            <a:p>
-              <a:pPr algn="ctr"/>
-              <a:endParaRPr lang="en-US"/>
-            </a:p>
-          </p:txBody>
-        </p:sp>
-      </p:grpSp>
+            <a:off x="0" y="2019476"/>
+            <a:ext cx="12192000" cy="4105941"/>
+          </a:xfrm>
+          <a:prstGeom prst="rect">
+            <a:avLst/>
+          </a:prstGeom>
+          <a:gradFill flip="none" rotWithShape="1">
+            <a:gsLst>
+              <a:gs pos="0">
+                <a:schemeClr val="bg2">
+                  <a:alpha val="0"/>
+                </a:schemeClr>
+              </a:gs>
+              <a:gs pos="100000">
+                <a:schemeClr val="bg2"/>
+              </a:gs>
+            </a:gsLst>
+            <a:lin ang="5400000" scaled="0"/>
+            <a:tileRect/>
+          </a:gradFill>
+          <a:ln>
+            <a:noFill/>
+          </a:ln>
+        </p:spPr>
+        <p:style>
+          <a:lnRef idx="2">
+            <a:schemeClr val="accent1">
+              <a:shade val="50000"/>
+            </a:schemeClr>
+          </a:lnRef>
+          <a:fillRef idx="1">
+            <a:schemeClr val="accent1"/>
+          </a:fillRef>
+          <a:effectRef idx="0">
+            <a:schemeClr val="accent1"/>
+          </a:effectRef>
+          <a:fontRef idx="minor">
+            <a:schemeClr val="lt1"/>
+          </a:fontRef>
+        </p:style>
+      </p:sp>
       <p:pic>
         <p:nvPicPr>
-          <p:cNvPr id="21" name="Picture 2" descr="https://image.slidesharecdn.com/hexmagslamipin201302-131031152606-phpapp01/95/simultaneous-localization-and-mapping-for-pedestrians-using-distortions-of-the-local-magnetic-field-intensity-in-large-indoor-environments-3-638.jpg?cb=1383233353">
+          <p:cNvPr id="14" name="Picture 13" descr="실내, 가구이(가) 표시된 사진&#10;&#10;높은 신뢰도로 생성된 설명">
             <a:extLst>
               <a:ext uri="{FF2B5EF4-FFF2-40B4-BE49-F238E27FC236}">
-                <a16:creationId xmlns:a16="http://schemas.microsoft.com/office/drawing/2014/main" id="{77FE2A5B-5326-4236-8F98-C8AD92AC0D8E}"/>
+                <a16:creationId xmlns:a16="http://schemas.microsoft.com/office/drawing/2014/main" id="{50FF2874-547C-4D14-9E18-28B19002FB8C}"/>
               </a:ext>
             </a:extLst>
           </p:cNvPr>
           <p:cNvPicPr>
-            <a:picLocks noChangeAspect="1" noChangeArrowheads="1"/>
+            <a:picLocks noGrp="1" noRot="1" noChangeAspect="1" noMove="1" noResize="1" noEditPoints="1" noAdjustHandles="1" noChangeArrowheads="1" noChangeShapeType="1" noCrop="1"/>
           </p:cNvPicPr>
-          <p:nvPr/>
+          <p:nvPr>
+            <p:extLst>
+              <p:ext uri="{386F3935-93C4-4BCD-93E2-E3B085C9AB24}">
+                <p16:designElem xmlns:p16="http://schemas.microsoft.com/office/powerpoint/2015/main" val="1"/>
+              </p:ext>
+            </p:extLst>
+          </p:nvPr>
         </p:nvPicPr>
         <p:blipFill rotWithShape="1">
           <a:blip r:embed="rId2">
@@ -6149,71 +6153,151 @@
               </a:ext>
             </a:extLst>
           </a:blip>
-          <a:srcRect l="17343" r="9085" b="-6"/>
+          <a:srcRect t="1538" b="-1538"/>
           <a:stretch/>
         </p:blipFill>
-        <p:spPr bwMode="auto">
+        <p:spPr bwMode="black">
           <a:xfrm>
-            <a:off x="1699492" y="2265641"/>
-            <a:ext cx="2896730" cy="2953132"/>
+            <a:off x="0" y="6126480"/>
+            <a:ext cx="12192000" cy="742950"/>
           </a:xfrm>
           <a:prstGeom prst="rect">
             <a:avLst/>
           </a:prstGeom>
-          <a:noFill/>
-          <a:extLst>
-            <a:ext uri="{909E8E84-426E-40DD-AFC4-6F175D3DCCD1}">
-              <a14:hiddenFill xmlns:a14="http://schemas.microsoft.com/office/drawing/2010/main">
-                <a:solidFill>
-                  <a:srgbClr val="FFFFFF"/>
-                </a:solidFill>
-              </a14:hiddenFill>
-            </a:ext>
-          </a:extLst>
         </p:spPr>
       </p:pic>
-      <p:sp>
-        <p:nvSpPr>
-          <p:cNvPr id="2" name="제목 1">
+      <p:cxnSp>
+        <p:nvCxnSpPr>
+          <p:cNvPr id="16" name="Straight Connector 15">
             <a:extLst>
               <a:ext uri="{FF2B5EF4-FFF2-40B4-BE49-F238E27FC236}">
-                <a16:creationId xmlns:a16="http://schemas.microsoft.com/office/drawing/2014/main" id="{E7E29B15-BD08-4688-B649-6836E8C6C3AC}"/>
+                <a16:creationId xmlns:a16="http://schemas.microsoft.com/office/drawing/2014/main" id="{36CF827D-A163-47F7-BD87-34EB4FA7D696}"/>
               </a:ext>
             </a:extLst>
           </p:cNvPr>
-          <p:cNvSpPr>
-            <a:spLocks noGrp="1"/>
-          </p:cNvSpPr>
-          <p:nvPr>
-            <p:ph type="title"/>
-          </p:nvPr>
-        </p:nvSpPr>
+          <p:cNvCxnSpPr>
+            <a:cxnSpLocks noGrp="1" noRot="1" noChangeAspect="1" noMove="1" noResize="1" noEditPoints="1" noAdjustHandles="1" noChangeArrowheads="1" noChangeShapeType="1"/>
+          </p:cNvCxnSpPr>
+          <p:nvPr>
+            <p:extLst>
+              <p:ext uri="{386F3935-93C4-4BCD-93E2-E3B085C9AB24}">
+                <p16:designElem xmlns:p16="http://schemas.microsoft.com/office/powerpoint/2015/main" val="1"/>
+              </p:ext>
+            </p:extLst>
+          </p:nvPr>
+        </p:nvCxnSpPr>
         <p:spPr>
           <a:xfrm>
-            <a:off x="1451579" y="804519"/>
-            <a:ext cx="9603275" cy="1049235"/>
-          </a:xfrm>
+            <a:off x="0" y="6128413"/>
+            <a:ext cx="12192000" cy="0"/>
+          </a:xfrm>
+          <a:prstGeom prst="line">
+            <a:avLst/>
+          </a:prstGeom>
+          <a:ln w="12700">
+            <a:solidFill>
+              <a:srgbClr val="000001">
+                <a:alpha val="20000"/>
+              </a:srgbClr>
+            </a:solidFill>
+          </a:ln>
         </p:spPr>
-        <p:txBody>
-          <a:bodyPr vert="horz" lIns="91440" tIns="45720" rIns="91440" bIns="45720" rtlCol="0" anchor="t">
-            <a:normAutofit/>
-          </a:bodyPr>
-          <a:lstStyle/>
-          <a:p>
-            <a:pPr latinLnBrk="0"/>
-            <a:r>
-              <a:rPr lang="ko-KR" altLang="en-US" dirty="0"/>
-              <a:t>자기장 변화를 이용한 거리 인식 방법</a:t>
-            </a:r>
-          </a:p>
-        </p:txBody>
-      </p:sp>
-      <p:sp>
-        <p:nvSpPr>
-          <p:cNvPr id="9" name="내용 개체 틀 2">
+        <p:style>
+          <a:lnRef idx="1">
+            <a:schemeClr val="accent1"/>
+          </a:lnRef>
+          <a:fillRef idx="0">
+            <a:schemeClr val="accent1"/>
+          </a:fillRef>
+          <a:effectRef idx="0">
+            <a:schemeClr val="accent1"/>
+          </a:effectRef>
+          <a:fontRef idx="minor">
+            <a:schemeClr val="tx1"/>
+          </a:fontRef>
+        </p:style>
+      </p:cxnSp>
+      <p:cxnSp>
+        <p:nvCxnSpPr>
+          <p:cNvPr id="18" name="Straight Connector 17">
             <a:extLst>
               <a:ext uri="{FF2B5EF4-FFF2-40B4-BE49-F238E27FC236}">
-                <a16:creationId xmlns:a16="http://schemas.microsoft.com/office/drawing/2014/main" id="{5647755A-61AE-495E-AE6D-C8FE4D974240}"/>
+                <a16:creationId xmlns:a16="http://schemas.microsoft.com/office/drawing/2014/main" id="{D299D9A9-1DA8-433D-A9BC-FB48D93D4217}"/>
+              </a:ext>
+            </a:extLst>
+          </p:cNvPr>
+          <p:cNvCxnSpPr>
+            <a:cxnSpLocks noGrp="1" noRot="1" noChangeAspect="1" noMove="1" noResize="1" noEditPoints="1" noAdjustHandles="1" noChangeArrowheads="1" noChangeShapeType="1"/>
+          </p:cNvCxnSpPr>
+          <p:nvPr>
+            <p:extLst>
+              <p:ext uri="{386F3935-93C4-4BCD-93E2-E3B085C9AB24}">
+                <p16:designElem xmlns:p16="http://schemas.microsoft.com/office/powerpoint/2015/main" val="1"/>
+              </p:ext>
+            </p:extLst>
+          </p:nvPr>
+        </p:nvCxnSpPr>
+        <p:spPr>
+          <a:xfrm>
+            <a:off x="1453896" y="1847088"/>
+            <a:ext cx="9607522" cy="0"/>
+          </a:xfrm>
+          <a:prstGeom prst="line">
+            <a:avLst/>
+          </a:prstGeom>
+          <a:ln w="31750"/>
+        </p:spPr>
+        <p:style>
+          <a:lnRef idx="3">
+            <a:schemeClr val="accent1"/>
+          </a:lnRef>
+          <a:fillRef idx="0">
+            <a:schemeClr val="accent1"/>
+          </a:fillRef>
+          <a:effectRef idx="2">
+            <a:schemeClr val="accent1"/>
+          </a:effectRef>
+          <a:fontRef idx="minor">
+            <a:schemeClr val="tx1"/>
+          </a:fontRef>
+        </p:style>
+      </p:cxnSp>
+      <p:pic>
+        <p:nvPicPr>
+          <p:cNvPr id="4" name="그림 3" descr="스크린샷이(가) 표시된 사진&#10;&#10;매우 높은 신뢰도로 생성된 설명">
+            <a:extLst>
+              <a:ext uri="{FF2B5EF4-FFF2-40B4-BE49-F238E27FC236}">
+                <a16:creationId xmlns:a16="http://schemas.microsoft.com/office/drawing/2014/main" id="{AB134882-A4A5-4A94-84D6-24306C9B438F}"/>
+              </a:ext>
+            </a:extLst>
+          </p:cNvPr>
+          <p:cNvPicPr>
+            <a:picLocks noChangeAspect="1"/>
+          </p:cNvPicPr>
+          <p:nvPr/>
+        </p:nvPicPr>
+        <p:blipFill>
+          <a:blip r:embed="rId3"/>
+          <a:stretch>
+            <a:fillRect/>
+          </a:stretch>
+        </p:blipFill>
+        <p:spPr>
+          <a:xfrm>
+            <a:off x="1451579" y="2015732"/>
+            <a:ext cx="9021213" cy="3450613"/>
+          </a:xfrm>
+          <a:prstGeom prst="rect">
+            <a:avLst/>
+          </a:prstGeom>
+        </p:spPr>
+      </p:pic>
+      <p:sp>
+        <p:nvSpPr>
+          <p:cNvPr id="5" name="내용 개체 틀 2">
+            <a:extLst>
+              <a:ext uri="{FF2B5EF4-FFF2-40B4-BE49-F238E27FC236}">
+                <a16:creationId xmlns:a16="http://schemas.microsoft.com/office/drawing/2014/main" id="{D016B600-F388-4833-B10D-388A98DFA917}"/>
               </a:ext>
             </a:extLst>
           </p:cNvPr>
@@ -6224,8 +6308,8 @@
         </p:nvSpPr>
         <p:spPr>
           <a:xfrm>
-            <a:off x="5342122" y="2015734"/>
-            <a:ext cx="5707937" cy="3450613"/>
+            <a:off x="6892299" y="2015734"/>
+            <a:ext cx="4162555" cy="3450613"/>
           </a:xfrm>
           <a:prstGeom prst="rect">
             <a:avLst/>
@@ -6445,442 +6529,69 @@
             </a:lvl9pPr>
           </a:lstStyle>
           <a:p>
-            <a:pPr latinLnBrk="0">
-              <a:lnSpc>
-                <a:spcPct val="110000"/>
-              </a:lnSpc>
-            </a:pPr>
-            <a:r>
-              <a:rPr lang="en-US" altLang="ko-KR" sz="1900" dirty="0"/>
-              <a:t>Indoor</a:t>
-            </a:r>
-            <a:r>
-              <a:rPr lang="ko-KR" altLang="en-US" sz="1900" dirty="0"/>
-              <a:t> </a:t>
-            </a:r>
-            <a:r>
-              <a:rPr lang="en-US" altLang="ko-KR" sz="1900" dirty="0"/>
-              <a:t>navigation</a:t>
-            </a:r>
-            <a:r>
-              <a:rPr lang="ko-KR" altLang="en-US" sz="1900" dirty="0"/>
-              <a:t>으로 쓰이는 방법 중 하나 </a:t>
-            </a:r>
-            <a:endParaRPr lang="en-US" altLang="ko-KR" sz="1900" dirty="0"/>
-          </a:p>
-          <a:p>
-            <a:pPr latinLnBrk="0">
-              <a:lnSpc>
-                <a:spcPct val="110000"/>
-              </a:lnSpc>
-            </a:pPr>
-            <a:endParaRPr lang="en-US" altLang="ko-KR" sz="1900" dirty="0"/>
-          </a:p>
-          <a:p>
-            <a:pPr latinLnBrk="0">
-              <a:lnSpc>
-                <a:spcPct val="110000"/>
-              </a:lnSpc>
-            </a:pPr>
-            <a:r>
-              <a:rPr lang="ko-KR" altLang="en-US" sz="1900" dirty="0"/>
-              <a:t>실내 위치에 따른 자기장 변화를 인식하여서  위치 인식 방법</a:t>
-            </a:r>
-            <a:endParaRPr lang="en-US" altLang="ko-KR" sz="1900" dirty="0"/>
-          </a:p>
-          <a:p>
-            <a:pPr latinLnBrk="0">
-              <a:lnSpc>
-                <a:spcPct val="110000"/>
-              </a:lnSpc>
-            </a:pPr>
-            <a:endParaRPr lang="en-US" altLang="ko-KR" sz="1900" dirty="0"/>
-          </a:p>
-          <a:p>
-            <a:pPr latinLnBrk="0">
-              <a:lnSpc>
-                <a:spcPct val="110000"/>
-              </a:lnSpc>
-            </a:pPr>
-            <a:r>
-              <a:rPr lang="ko-KR" altLang="en-US" sz="1900" dirty="0"/>
-              <a:t>이 방법을 이용하여서 스크린 위 손 위치를 파악</a:t>
-            </a:r>
-            <a:endParaRPr lang="en-US" altLang="ko-KR" sz="1900" dirty="0"/>
-          </a:p>
-          <a:p>
-            <a:pPr marL="0" indent="0" latinLnBrk="0">
-              <a:lnSpc>
-                <a:spcPct val="110000"/>
-              </a:lnSpc>
-              <a:buNone/>
-            </a:pPr>
-            <a:endParaRPr lang="en-US" altLang="ko-KR" sz="1900" dirty="0"/>
+            <a:pPr latinLnBrk="0"/>
+            <a:endParaRPr lang="en-US" altLang="ko-KR" dirty="0"/>
+          </a:p>
+          <a:p>
+            <a:pPr marL="0" latinLnBrk="0"/>
+            <a:endParaRPr lang="en-US" altLang="ko-KR" dirty="0"/>
+          </a:p>
+        </p:txBody>
+      </p:sp>
+      <p:sp>
+        <p:nvSpPr>
+          <p:cNvPr id="2" name="제목 1">
+            <a:extLst>
+              <a:ext uri="{FF2B5EF4-FFF2-40B4-BE49-F238E27FC236}">
+                <a16:creationId xmlns:a16="http://schemas.microsoft.com/office/drawing/2014/main" id="{E7E29B15-BD08-4688-B649-6836E8C6C3AC}"/>
+              </a:ext>
+            </a:extLst>
+          </p:cNvPr>
+          <p:cNvSpPr>
+            <a:spLocks noGrp="1"/>
+          </p:cNvSpPr>
+          <p:nvPr>
+            <p:ph type="title"/>
+          </p:nvPr>
+        </p:nvSpPr>
+        <p:spPr>
+          <a:xfrm>
+            <a:off x="1451579" y="804519"/>
+            <a:ext cx="9603275" cy="1049235"/>
+          </a:xfrm>
+        </p:spPr>
+        <p:txBody>
+          <a:bodyPr vert="horz" lIns="91440" tIns="45720" rIns="91440" bIns="45720" rtlCol="0" anchor="t">
+            <a:normAutofit/>
+          </a:bodyPr>
+          <a:lstStyle/>
+          <a:p>
+            <a:pPr latinLnBrk="0"/>
+            <a:r>
+              <a:rPr lang="ko-KR" altLang="en-US" dirty="0"/>
+              <a:t>센서 오차</a:t>
+            </a:r>
+            <a:endParaRPr lang="en-US" altLang="ko-KR" dirty="0"/>
           </a:p>
         </p:txBody>
       </p:sp>
     </p:spTree>
     <p:extLst>
       <p:ext uri="{BB962C8B-B14F-4D97-AF65-F5344CB8AC3E}">
-        <p14:creationId xmlns:p14="http://schemas.microsoft.com/office/powerpoint/2010/main" val="3139515882"/>
+        <p14:creationId xmlns:p14="http://schemas.microsoft.com/office/powerpoint/2010/main" val="2769545911"/>
       </p:ext>
     </p:extLst>
   </p:cSld>
   <p:clrMapOvr>
     <a:masterClrMapping/>
   </p:clrMapOvr>
-</p:sld>
-</file>
-
-<file path=ppt/slides/slide7.xml><?xml version="1.0" encoding="utf-8"?>
-<p:sld xmlns:a="http://schemas.openxmlformats.org/drawingml/2006/main" xmlns:r="http://schemas.openxmlformats.org/officeDocument/2006/relationships" xmlns:p="http://schemas.openxmlformats.org/presentationml/2006/main">
-  <p:cSld>
-    <p:spTree>
-      <p:nvGrpSpPr>
-        <p:cNvPr id="1" name=""/>
-        <p:cNvGrpSpPr/>
-        <p:nvPr/>
-      </p:nvGrpSpPr>
-      <p:grpSpPr>
-        <a:xfrm>
-          <a:off x="0" y="0"/>
-          <a:ext cx="0" cy="0"/>
-          <a:chOff x="0" y="0"/>
-          <a:chExt cx="0" cy="0"/>
-        </a:xfrm>
-      </p:grpSpPr>
-      <p:grpSp>
-        <p:nvGrpSpPr>
-          <p:cNvPr id="71" name="Group 70">
-            <a:extLst>
-              <a:ext uri="{FF2B5EF4-FFF2-40B4-BE49-F238E27FC236}">
-                <a16:creationId xmlns:a16="http://schemas.microsoft.com/office/drawing/2014/main" id="{ADB18E6F-FE38-40D0-A2EC-DB2E37F04189}"/>
-              </a:ext>
-            </a:extLst>
-          </p:cNvPr>
-          <p:cNvGrpSpPr>
-            <a:grpSpLocks noGrp="1" noUngrp="1" noRot="1" noChangeAspect="1" noMove="1" noResize="1"/>
-          </p:cNvGrpSpPr>
-          <p:nvPr>
-            <p:extLst>
-              <p:ext uri="{386F3935-93C4-4BCD-93E2-E3B085C9AB24}">
-                <p16:designElem xmlns:p16="http://schemas.microsoft.com/office/powerpoint/2015/main" val="1"/>
-              </p:ext>
-            </p:extLst>
-          </p:nvPr>
-        </p:nvGrpSpPr>
-        <p:grpSpPr>
-          <a:xfrm>
-            <a:off x="1446399" y="2012810"/>
-            <a:ext cx="3413507" cy="3459865"/>
-            <a:chOff x="7630846" y="2123762"/>
-            <a:chExt cx="3413507" cy="3481923"/>
-          </a:xfrm>
-        </p:grpSpPr>
-        <p:sp>
-          <p:nvSpPr>
-            <p:cNvPr id="72" name="Rectangle 71">
-              <a:extLst/>
-            </p:cNvPr>
-            <p:cNvSpPr/>
-            <p:nvPr>
-              <p:extLst>
-                <p:ext uri="{386F3935-93C4-4BCD-93E2-E3B085C9AB24}">
-                  <p16:designElem xmlns:p16="http://schemas.microsoft.com/office/powerpoint/2015/main" val="1"/>
-                </p:ext>
-              </p:extLst>
-            </p:nvPr>
-          </p:nvSpPr>
-          <p:spPr>
-            <a:xfrm>
-              <a:off x="7630846" y="2123762"/>
-              <a:ext cx="3413507" cy="3481923"/>
-            </a:xfrm>
-            <a:prstGeom prst="rect">
-              <a:avLst/>
-            </a:prstGeom>
-            <a:gradFill>
-              <a:gsLst>
-                <a:gs pos="0">
-                  <a:srgbClr val="000001"/>
-                </a:gs>
-                <a:gs pos="100000">
-                  <a:srgbClr val="191919"/>
-                </a:gs>
-              </a:gsLst>
-            </a:gradFill>
-            <a:ln w="76200" cmpd="sng">
-              <a:noFill/>
-              <a:miter lim="800000"/>
-            </a:ln>
-            <a:effectLst>
-              <a:outerShdw blurRad="127000" dist="228600" dir="4740000" sx="98000" sy="98000" algn="tl" rotWithShape="0">
-                <a:srgbClr val="000000">
-                  <a:alpha val="34000"/>
-                </a:srgbClr>
-              </a:outerShdw>
-            </a:effectLst>
-            <a:scene3d>
-              <a:camera prst="orthographicFront"/>
-              <a:lightRig rig="threePt" dir="t"/>
-            </a:scene3d>
-            <a:sp3d>
-              <a:bevelT w="152400" h="50800" prst="softRound"/>
-            </a:sp3d>
-          </p:spPr>
-          <p:style>
-            <a:lnRef idx="1">
-              <a:schemeClr val="accent1"/>
-            </a:lnRef>
-            <a:fillRef idx="3">
-              <a:schemeClr val="accent1"/>
-            </a:fillRef>
-            <a:effectRef idx="2">
-              <a:schemeClr val="accent1"/>
-            </a:effectRef>
-            <a:fontRef idx="minor">
-              <a:schemeClr val="lt1"/>
-            </a:fontRef>
-          </p:style>
-          <p:txBody>
-            <a:bodyPr rtlCol="0" anchor="ctr"/>
-            <a:lstStyle/>
-            <a:p>
-              <a:pPr algn="ctr"/>
-              <a:endParaRPr lang="en-US"/>
-            </a:p>
-          </p:txBody>
-        </p:sp>
-        <p:sp>
-          <p:nvSpPr>
-            <p:cNvPr id="73" name="Rectangle 72">
-              <a:extLst/>
-            </p:cNvPr>
-            <p:cNvSpPr/>
-            <p:nvPr>
-              <p:extLst>
-                <p:ext uri="{386F3935-93C4-4BCD-93E2-E3B085C9AB24}">
-                  <p16:designElem xmlns:p16="http://schemas.microsoft.com/office/powerpoint/2015/main" val="1"/>
-                </p:ext>
-              </p:extLst>
-            </p:nvPr>
-          </p:nvSpPr>
-          <p:spPr>
-            <a:xfrm>
-              <a:off x="7779809" y="2294169"/>
-              <a:ext cx="3100817" cy="3149963"/>
-            </a:xfrm>
-            <a:prstGeom prst="rect">
-              <a:avLst/>
-            </a:prstGeom>
-            <a:gradFill>
-              <a:gsLst>
-                <a:gs pos="0">
-                  <a:srgbClr val="DADADA"/>
-                </a:gs>
-                <a:gs pos="100000">
-                  <a:srgbClr val="FFFFFE"/>
-                </a:gs>
-              </a:gsLst>
-              <a:lin ang="16200000" scaled="0"/>
-            </a:gradFill>
-            <a:ln w="50800" cmpd="sng">
-              <a:solidFill>
-                <a:srgbClr val="191919"/>
-              </a:solidFill>
-              <a:miter lim="800000"/>
-            </a:ln>
-            <a:effectLst>
-              <a:innerShdw blurRad="63500" dist="88900" dir="14100000">
-                <a:srgbClr val="000000">
-                  <a:alpha val="30000"/>
-                </a:srgbClr>
-              </a:innerShdw>
-            </a:effectLst>
-            <a:scene3d>
-              <a:camera prst="orthographicFront"/>
-              <a:lightRig rig="threePt" dir="t"/>
-            </a:scene3d>
-            <a:sp3d>
-              <a:bevelT prst="relaxedInset"/>
-            </a:sp3d>
-          </p:spPr>
-          <p:style>
-            <a:lnRef idx="1">
-              <a:schemeClr val="accent1"/>
-            </a:lnRef>
-            <a:fillRef idx="3">
-              <a:schemeClr val="accent1"/>
-            </a:fillRef>
-            <a:effectRef idx="2">
-              <a:schemeClr val="accent1"/>
-            </a:effectRef>
-            <a:fontRef idx="minor">
-              <a:schemeClr val="lt1"/>
-            </a:fontRef>
-          </p:style>
-          <p:txBody>
-            <a:bodyPr rtlCol="0" anchor="ctr"/>
-            <a:lstStyle/>
-            <a:p>
-              <a:pPr algn="ctr"/>
-              <a:endParaRPr lang="en-US"/>
-            </a:p>
-          </p:txBody>
-        </p:sp>
-      </p:grpSp>
-      <p:pic>
-        <p:nvPicPr>
-          <p:cNvPr id="1026" name="Picture 2" descr="강의실 게시판에 대한 이미지 검색결과">
-            <a:extLst>
-              <a:ext uri="{FF2B5EF4-FFF2-40B4-BE49-F238E27FC236}">
-                <a16:creationId xmlns:a16="http://schemas.microsoft.com/office/drawing/2014/main" id="{D48E5CE5-1F87-4220-ACD5-AB7FC59108FF}"/>
-              </a:ext>
-            </a:extLst>
-          </p:cNvPr>
-          <p:cNvPicPr>
-            <a:picLocks noChangeAspect="1" noChangeArrowheads="1"/>
-          </p:cNvPicPr>
-          <p:nvPr/>
-        </p:nvPicPr>
-        <p:blipFill rotWithShape="1">
-          <a:blip r:embed="rId2">
-            <a:extLst>
-              <a:ext uri="{28A0092B-C50C-407E-A947-70E740481C1C}">
-                <a14:useLocalDpi xmlns:a14="http://schemas.microsoft.com/office/drawing/2010/main" val="0"/>
-              </a:ext>
-            </a:extLst>
-          </a:blip>
-          <a:srcRect l="7157" r="19518" b="-4"/>
-          <a:stretch/>
-        </p:blipFill>
-        <p:spPr bwMode="auto">
-          <a:xfrm>
-            <a:off x="1736436" y="2303306"/>
-            <a:ext cx="2832381" cy="2887530"/>
-          </a:xfrm>
-          <a:prstGeom prst="rect">
-            <a:avLst/>
-          </a:prstGeom>
-          <a:noFill/>
-          <a:extLst>
-            <a:ext uri="{909E8E84-426E-40DD-AFC4-6F175D3DCCD1}">
-              <a14:hiddenFill xmlns:a14="http://schemas.microsoft.com/office/drawing/2010/main">
-                <a:solidFill>
-                  <a:srgbClr val="FFFFFF"/>
-                </a:solidFill>
-              </a14:hiddenFill>
-            </a:ext>
-          </a:extLst>
-        </p:spPr>
-      </p:pic>
-      <p:sp>
-        <p:nvSpPr>
-          <p:cNvPr id="2" name="제목 1">
-            <a:extLst>
-              <a:ext uri="{FF2B5EF4-FFF2-40B4-BE49-F238E27FC236}">
-                <a16:creationId xmlns:a16="http://schemas.microsoft.com/office/drawing/2014/main" id="{98AAAA4F-2F1A-4660-A65A-618845084E9D}"/>
-              </a:ext>
-            </a:extLst>
-          </p:cNvPr>
-          <p:cNvSpPr>
-            <a:spLocks noGrp="1"/>
-          </p:cNvSpPr>
-          <p:nvPr>
-            <p:ph type="title"/>
-          </p:nvPr>
-        </p:nvSpPr>
-        <p:spPr>
-          <a:xfrm>
-            <a:off x="1451579" y="804519"/>
-            <a:ext cx="9603275" cy="1049235"/>
-          </a:xfrm>
-        </p:spPr>
-        <p:txBody>
-          <a:bodyPr>
-            <a:normAutofit/>
-          </a:bodyPr>
-          <a:lstStyle/>
-          <a:p>
-            <a:r>
-              <a:rPr lang="ko-KR" altLang="en-US" dirty="0"/>
-              <a:t>새로운 문제 제기</a:t>
-            </a:r>
-          </a:p>
-        </p:txBody>
-      </p:sp>
-      <p:sp>
-        <p:nvSpPr>
-          <p:cNvPr id="3" name="내용 개체 틀 2">
-            <a:extLst>
-              <a:ext uri="{FF2B5EF4-FFF2-40B4-BE49-F238E27FC236}">
-                <a16:creationId xmlns:a16="http://schemas.microsoft.com/office/drawing/2014/main" id="{8C95E1F1-AA7D-4D45-81AF-87E03AAC9097}"/>
-              </a:ext>
-            </a:extLst>
-          </p:cNvPr>
-          <p:cNvSpPr>
-            <a:spLocks noGrp="1"/>
-          </p:cNvSpPr>
-          <p:nvPr>
-            <p:ph idx="1"/>
-          </p:nvPr>
-        </p:nvSpPr>
-        <p:spPr>
-          <a:xfrm>
-            <a:off x="5342122" y="2015734"/>
-            <a:ext cx="5707937" cy="3450613"/>
-          </a:xfrm>
-        </p:spPr>
-        <p:txBody>
-          <a:bodyPr>
-            <a:normAutofit/>
-          </a:bodyPr>
-          <a:lstStyle/>
-          <a:p>
-            <a:r>
-              <a:rPr lang="ko-KR" altLang="en-US" dirty="0"/>
-              <a:t>일일이 게시판을 관리해야 되는 불편 </a:t>
-            </a:r>
-            <a:endParaRPr lang="en-US" altLang="ko-KR" dirty="0"/>
-          </a:p>
-          <a:p>
-            <a:endParaRPr lang="en-US" altLang="ko-KR" dirty="0"/>
-          </a:p>
-          <a:p>
-            <a:r>
-              <a:rPr lang="ko-KR" altLang="en-US" dirty="0"/>
-              <a:t>새로운 내용으로 교체 될 때마다 종이가 낭비가 된다</a:t>
-            </a:r>
-            <a:r>
-              <a:rPr lang="en-US" altLang="ko-KR" dirty="0"/>
-              <a:t>.</a:t>
-            </a:r>
-          </a:p>
-          <a:p>
-            <a:endParaRPr lang="en-US" altLang="ko-KR" dirty="0"/>
-          </a:p>
-          <a:p>
-            <a:r>
-              <a:rPr lang="ko-KR" altLang="en-US" dirty="0"/>
-              <a:t>간단하게 구성하고 싶다</a:t>
-            </a:r>
-            <a:r>
-              <a:rPr lang="en-US" altLang="ko-KR" dirty="0"/>
-              <a:t>. </a:t>
-            </a:r>
-          </a:p>
-        </p:txBody>
-      </p:sp>
-    </p:spTree>
-    <p:extLst>
-      <p:ext uri="{BB962C8B-B14F-4D97-AF65-F5344CB8AC3E}">
-        <p14:creationId xmlns:p14="http://schemas.microsoft.com/office/powerpoint/2010/main" val="1190715122"/>
-      </p:ext>
-    </p:extLst>
-  </p:cSld>
-  <p:clrMapOvr>
-    <a:masterClrMapping/>
-  </p:clrMapOvr>
+  <p:timing>
+    <p:tnLst>
+      <p:par>
+        <p:cTn id="1" dur="indefinite" restart="never" nodeType="tmRoot"/>
+      </p:par>
+    </p:tnLst>
+  </p:timing>
 </p:sld>
 </file>
 
@@ -6903,6 +6614,404 @@
       </p:grpSpPr>
       <p:sp>
         <p:nvSpPr>
+          <p:cNvPr id="2" name="제목 1"/>
+          <p:cNvSpPr>
+            <a:spLocks noGrp="1"/>
+          </p:cNvSpPr>
+          <p:nvPr>
+            <p:ph type="title"/>
+          </p:nvPr>
+        </p:nvSpPr>
+        <p:spPr/>
+        <p:txBody>
+          <a:bodyPr/>
+          <a:lstStyle/>
+          <a:p>
+            <a:r>
+              <a:rPr lang="ko-KR" altLang="en-US" dirty="0" err="1" smtClean="0"/>
+              <a:t>시야각</a:t>
+            </a:r>
+            <a:r>
+              <a:rPr lang="ko-KR" altLang="en-US" dirty="0" smtClean="0"/>
+              <a:t> 문제</a:t>
+            </a:r>
+            <a:endParaRPr lang="ko-KR" altLang="en-US" dirty="0"/>
+          </a:p>
+        </p:txBody>
+      </p:sp>
+      <p:sp>
+        <p:nvSpPr>
+          <p:cNvPr id="3" name="내용 개체 틀 2"/>
+          <p:cNvSpPr>
+            <a:spLocks noGrp="1"/>
+          </p:cNvSpPr>
+          <p:nvPr>
+            <p:ph idx="1"/>
+          </p:nvPr>
+        </p:nvSpPr>
+        <p:spPr/>
+        <p:txBody>
+          <a:bodyPr/>
+          <a:lstStyle/>
+          <a:p>
+            <a:r>
+              <a:rPr lang="ko-KR" altLang="en-US" dirty="0" err="1" smtClean="0"/>
+              <a:t>시야각</a:t>
+            </a:r>
+            <a:r>
+              <a:rPr lang="ko-KR" altLang="en-US" dirty="0" smtClean="0"/>
+              <a:t> </a:t>
+            </a:r>
+            <a:r>
+              <a:rPr lang="en-US" altLang="ko-KR" dirty="0" smtClean="0"/>
+              <a:t>25</a:t>
+            </a:r>
+            <a:r>
+              <a:rPr lang="ko-KR" altLang="en-US" dirty="0" smtClean="0"/>
+              <a:t>도를 전부 사용하려면</a:t>
+            </a:r>
+            <a:r>
+              <a:rPr lang="en-US" altLang="ko-KR" dirty="0" smtClean="0"/>
+              <a:t>, </a:t>
+            </a:r>
+            <a:r>
+              <a:rPr lang="ko-KR" altLang="en-US" dirty="0" smtClean="0"/>
+              <a:t>스크린이 탐지되게 된다</a:t>
+            </a:r>
+            <a:r>
+              <a:rPr lang="en-US" altLang="ko-KR" dirty="0" smtClean="0"/>
+              <a:t>.</a:t>
+            </a:r>
+            <a:endParaRPr lang="ko-KR" altLang="en-US" dirty="0"/>
+          </a:p>
+        </p:txBody>
+      </p:sp>
+      <p:pic>
+        <p:nvPicPr>
+          <p:cNvPr id="4" name="그림 3"/>
+          <p:cNvPicPr>
+            <a:picLocks noChangeAspect="1"/>
+          </p:cNvPicPr>
+          <p:nvPr/>
+        </p:nvPicPr>
+        <p:blipFill rotWithShape="1">
+          <a:blip r:embed="rId2"/>
+          <a:srcRect l="50252" t="9173" r="19052" b="6955"/>
+          <a:stretch/>
+        </p:blipFill>
+        <p:spPr>
+          <a:xfrm rot="5400000">
+            <a:off x="3022282" y="1353709"/>
+            <a:ext cx="2993923" cy="6135329"/>
+          </a:xfrm>
+          <a:prstGeom prst="rect">
+            <a:avLst/>
+          </a:prstGeom>
+        </p:spPr>
+      </p:pic>
+      <p:pic>
+        <p:nvPicPr>
+          <p:cNvPr id="5" name="그림 4"/>
+          <p:cNvPicPr>
+            <a:picLocks noChangeAspect="1"/>
+          </p:cNvPicPr>
+          <p:nvPr/>
+        </p:nvPicPr>
+        <p:blipFill rotWithShape="1">
+          <a:blip r:embed="rId3"/>
+          <a:srcRect l="33468" t="31389" r="28427" b="20755"/>
+          <a:stretch/>
+        </p:blipFill>
+        <p:spPr>
+          <a:xfrm rot="5400000">
+            <a:off x="7537364" y="3123515"/>
+            <a:ext cx="3716593" cy="3318387"/>
+          </a:xfrm>
+          <a:prstGeom prst="rect">
+            <a:avLst/>
+          </a:prstGeom>
+        </p:spPr>
+      </p:pic>
+      <p:sp>
+        <p:nvSpPr>
+          <p:cNvPr id="6" name="정육면체 5"/>
+          <p:cNvSpPr/>
+          <p:nvPr/>
+        </p:nvSpPr>
+        <p:spPr>
+          <a:xfrm>
+            <a:off x="8297507" y="1915995"/>
+            <a:ext cx="1451778" cy="3131855"/>
+          </a:xfrm>
+          <a:prstGeom prst="cube">
+            <a:avLst>
+              <a:gd name="adj" fmla="val 8019"/>
+            </a:avLst>
+          </a:prstGeom>
+          <a:solidFill>
+            <a:schemeClr val="tx1"/>
+          </a:solidFill>
+          <a:scene3d>
+            <a:camera prst="orthographicFront">
+              <a:rot lat="1792453" lon="2746101" rev="0"/>
+            </a:camera>
+            <a:lightRig rig="threePt" dir="t"/>
+          </a:scene3d>
+        </p:spPr>
+        <p:style>
+          <a:lnRef idx="2">
+            <a:schemeClr val="accent1">
+              <a:shade val="50000"/>
+            </a:schemeClr>
+          </a:lnRef>
+          <a:fillRef idx="1">
+            <a:schemeClr val="accent1"/>
+          </a:fillRef>
+          <a:effectRef idx="0">
+            <a:schemeClr val="accent1"/>
+          </a:effectRef>
+          <a:fontRef idx="minor">
+            <a:schemeClr val="lt1"/>
+          </a:fontRef>
+        </p:style>
+        <p:txBody>
+          <a:bodyPr rtlCol="0" anchor="ctr"/>
+          <a:lstStyle/>
+          <a:p>
+            <a:pPr algn="ctr"/>
+            <a:endParaRPr lang="ko-KR" altLang="en-US"/>
+          </a:p>
+        </p:txBody>
+      </p:sp>
+      <p:pic>
+        <p:nvPicPr>
+          <p:cNvPr id="10" name="그림 9"/>
+          <p:cNvPicPr>
+            <a:picLocks noChangeAspect="1"/>
+          </p:cNvPicPr>
+          <p:nvPr/>
+        </p:nvPicPr>
+        <p:blipFill rotWithShape="1">
+          <a:blip r:embed="rId4">
+            <a:extLst>
+              <a:ext uri="{28A0092B-C50C-407E-A947-70E740481C1C}">
+                <a14:useLocalDpi xmlns:a14="http://schemas.microsoft.com/office/drawing/2010/main" val="0"/>
+              </a:ext>
+            </a:extLst>
+          </a:blip>
+          <a:srcRect t="6196" r="35079"/>
+          <a:stretch/>
+        </p:blipFill>
+        <p:spPr>
+          <a:xfrm>
+            <a:off x="8269320" y="3074006"/>
+            <a:ext cx="583735" cy="1817313"/>
+          </a:xfrm>
+          <a:prstGeom prst="rect">
+            <a:avLst/>
+          </a:prstGeom>
+        </p:spPr>
+      </p:pic>
+    </p:spTree>
+    <p:extLst>
+      <p:ext uri="{BB962C8B-B14F-4D97-AF65-F5344CB8AC3E}">
+        <p14:creationId xmlns:p14="http://schemas.microsoft.com/office/powerpoint/2010/main" val="24346469"/>
+      </p:ext>
+    </p:extLst>
+  </p:cSld>
+  <p:clrMapOvr>
+    <a:masterClrMapping/>
+  </p:clrMapOvr>
+  <p:timing>
+    <p:tnLst>
+      <p:par>
+        <p:cTn id="1" dur="indefinite" restart="never" nodeType="tmRoot">
+          <p:childTnLst>
+            <p:seq concurrent="1" nextAc="seek">
+              <p:cTn id="2" dur="indefinite" nodeType="mainSeq">
+                <p:childTnLst>
+                  <p:par>
+                    <p:cTn id="3" fill="hold">
+                      <p:stCondLst>
+                        <p:cond delay="indefinite"/>
+                      </p:stCondLst>
+                      <p:childTnLst>
+                        <p:par>
+                          <p:cTn id="4" fill="hold">
+                            <p:stCondLst>
+                              <p:cond delay="0"/>
+                            </p:stCondLst>
+                            <p:childTnLst>
+                              <p:par>
+                                <p:cTn id="5" presetID="2" presetClass="entr" presetSubtype="1" fill="hold" grpId="0" nodeType="clickEffect">
+                                  <p:stCondLst>
+                                    <p:cond delay="0"/>
+                                  </p:stCondLst>
+                                  <p:childTnLst>
+                                    <p:set>
+                                      <p:cBhvr>
+                                        <p:cTn id="6" dur="1" fill="hold">
+                                          <p:stCondLst>
+                                            <p:cond delay="0"/>
+                                          </p:stCondLst>
+                                        </p:cTn>
+                                        <p:tgtEl>
+                                          <p:spTgt spid="6"/>
+                                        </p:tgtEl>
+                                        <p:attrNameLst>
+                                          <p:attrName>style.visibility</p:attrName>
+                                        </p:attrNameLst>
+                                      </p:cBhvr>
+                                      <p:to>
+                                        <p:strVal val="visible"/>
+                                      </p:to>
+                                    </p:set>
+                                    <p:anim calcmode="lin" valueType="num">
+                                      <p:cBhvr additive="base">
+                                        <p:cTn id="7" dur="500" fill="hold"/>
+                                        <p:tgtEl>
+                                          <p:spTgt spid="6"/>
+                                        </p:tgtEl>
+                                        <p:attrNameLst>
+                                          <p:attrName>ppt_x</p:attrName>
+                                        </p:attrNameLst>
+                                      </p:cBhvr>
+                                      <p:tavLst>
+                                        <p:tav tm="0">
+                                          <p:val>
+                                            <p:strVal val="#ppt_x"/>
+                                          </p:val>
+                                        </p:tav>
+                                        <p:tav tm="100000">
+                                          <p:val>
+                                            <p:strVal val="#ppt_x"/>
+                                          </p:val>
+                                        </p:tav>
+                                      </p:tavLst>
+                                    </p:anim>
+                                    <p:anim calcmode="lin" valueType="num">
+                                      <p:cBhvr additive="base">
+                                        <p:cTn id="8" dur="500" fill="hold"/>
+                                        <p:tgtEl>
+                                          <p:spTgt spid="6"/>
+                                        </p:tgtEl>
+                                        <p:attrNameLst>
+                                          <p:attrName>ppt_y</p:attrName>
+                                        </p:attrNameLst>
+                                      </p:cBhvr>
+                                      <p:tavLst>
+                                        <p:tav tm="0">
+                                          <p:val>
+                                            <p:strVal val="0-#ppt_h/2"/>
+                                          </p:val>
+                                        </p:tav>
+                                        <p:tav tm="100000">
+                                          <p:val>
+                                            <p:strVal val="#ppt_y"/>
+                                          </p:val>
+                                        </p:tav>
+                                      </p:tavLst>
+                                    </p:anim>
+                                  </p:childTnLst>
+                                </p:cTn>
+                              </p:par>
+                            </p:childTnLst>
+                          </p:cTn>
+                        </p:par>
+                      </p:childTnLst>
+                    </p:cTn>
+                  </p:par>
+                </p:childTnLst>
+              </p:cTn>
+              <p:prevCondLst>
+                <p:cond evt="onPrev" delay="0">
+                  <p:tgtEl>
+                    <p:sldTgt/>
+                  </p:tgtEl>
+                </p:cond>
+              </p:prevCondLst>
+              <p:nextCondLst>
+                <p:cond evt="onNext" delay="0">
+                  <p:tgtEl>
+                    <p:sldTgt/>
+                  </p:tgtEl>
+                </p:cond>
+              </p:nextCondLst>
+            </p:seq>
+          </p:childTnLst>
+        </p:cTn>
+      </p:par>
+    </p:tnLst>
+    <p:bldLst>
+      <p:bldP spid="6" grpId="0" animBg="1"/>
+    </p:bldLst>
+  </p:timing>
+</p:sld>
+</file>
+
+<file path=ppt/slides/slide9.xml><?xml version="1.0" encoding="utf-8"?>
+<p:sld xmlns:a="http://schemas.openxmlformats.org/drawingml/2006/main" xmlns:r="http://schemas.openxmlformats.org/officeDocument/2006/relationships" xmlns:p="http://schemas.openxmlformats.org/presentationml/2006/main">
+  <p:cSld>
+    <p:spTree>
+      <p:nvGrpSpPr>
+        <p:cNvPr id="1" name=""/>
+        <p:cNvGrpSpPr/>
+        <p:nvPr/>
+      </p:nvGrpSpPr>
+      <p:grpSpPr>
+        <a:xfrm>
+          <a:off x="0" y="0"/>
+          <a:ext cx="0" cy="0"/>
+          <a:chOff x="0" y="0"/>
+          <a:chExt cx="0" cy="0"/>
+        </a:xfrm>
+      </p:grpSpPr>
+      <p:sp>
+        <p:nvSpPr>
+          <p:cNvPr id="4" name="직사각형 3">
+            <a:extLst>
+              <a:ext uri="{FF2B5EF4-FFF2-40B4-BE49-F238E27FC236}">
+                <a16:creationId xmlns:a16="http://schemas.microsoft.com/office/drawing/2014/main" id="{0715AE25-4906-42BD-BF5A-DAE27F8A91F6}"/>
+              </a:ext>
+            </a:extLst>
+          </p:cNvPr>
+          <p:cNvSpPr/>
+          <p:nvPr/>
+        </p:nvSpPr>
+        <p:spPr>
+          <a:xfrm>
+            <a:off x="1198281" y="2473995"/>
+            <a:ext cx="4984595" cy="2553629"/>
+          </a:xfrm>
+          <a:prstGeom prst="rect">
+            <a:avLst/>
+          </a:prstGeom>
+        </p:spPr>
+        <p:style>
+          <a:lnRef idx="2">
+            <a:schemeClr val="accent6"/>
+          </a:lnRef>
+          <a:fillRef idx="1">
+            <a:schemeClr val="lt1"/>
+          </a:fillRef>
+          <a:effectRef idx="0">
+            <a:schemeClr val="accent6"/>
+          </a:effectRef>
+          <a:fontRef idx="minor">
+            <a:schemeClr val="dk1"/>
+          </a:fontRef>
+        </p:style>
+        <p:txBody>
+          <a:bodyPr rtlCol="0" anchor="ctr"/>
+          <a:lstStyle/>
+          <a:p>
+            <a:pPr algn="ctr"/>
+            <a:endParaRPr lang="ko-KR" altLang="en-US"/>
+          </a:p>
+        </p:txBody>
+      </p:sp>
+      <p:sp>
+        <p:nvSpPr>
           <p:cNvPr id="2" name="제목 1">
             <a:extLst>
               <a:ext uri="{FF2B5EF4-FFF2-40B4-BE49-F238E27FC236}">
@@ -6917,24 +7026,33 @@
             <p:ph type="title"/>
           </p:nvPr>
         </p:nvSpPr>
-        <p:spPr/>
-        <p:txBody>
-          <a:bodyPr/>
+        <p:spPr>
+          <a:xfrm>
+            <a:off x="1451579" y="804519"/>
+            <a:ext cx="9603275" cy="1049235"/>
+          </a:xfrm>
+        </p:spPr>
+        <p:txBody>
+          <a:bodyPr vert="horz" lIns="91440" tIns="45720" rIns="91440" bIns="45720" rtlCol="0" anchor="t">
+            <a:normAutofit/>
+          </a:bodyPr>
           <a:lstStyle/>
           <a:p>
+            <a:pPr latinLnBrk="0"/>
             <a:r>
               <a:rPr lang="ko-KR" altLang="en-US" dirty="0"/>
-              <a:t>생각한 아이디어 </a:t>
-            </a:r>
-          </a:p>
-        </p:txBody>
-      </p:sp>
-      <p:sp>
-        <p:nvSpPr>
-          <p:cNvPr id="9" name="내용 개체 틀 2">
+              <a:t>센서 활용 방안 </a:t>
+            </a:r>
+            <a:endParaRPr lang="en-US" altLang="ko-KR" dirty="0"/>
+          </a:p>
+        </p:txBody>
+      </p:sp>
+      <p:sp>
+        <p:nvSpPr>
+          <p:cNvPr id="5" name="내용 개체 틀 2">
             <a:extLst>
               <a:ext uri="{FF2B5EF4-FFF2-40B4-BE49-F238E27FC236}">
-                <a16:creationId xmlns:a16="http://schemas.microsoft.com/office/drawing/2014/main" id="{5647755A-61AE-495E-AE6D-C8FE4D974240}"/>
+                <a16:creationId xmlns:a16="http://schemas.microsoft.com/office/drawing/2014/main" id="{D016B600-F388-4833-B10D-388A98DFA917}"/>
               </a:ext>
             </a:extLst>
           </p:cNvPr>
@@ -6945,8 +7063,8 @@
         </p:nvSpPr>
         <p:spPr>
           <a:xfrm>
-            <a:off x="1451578" y="2384846"/>
-            <a:ext cx="9603275" cy="3450613"/>
+            <a:off x="6892299" y="2015734"/>
+            <a:ext cx="4325828" cy="3450613"/>
           </a:xfrm>
           <a:prstGeom prst="rect">
             <a:avLst/>
@@ -6954,7 +7072,7 @@
         </p:spPr>
         <p:txBody>
           <a:bodyPr vert="horz" lIns="91440" tIns="45720" rIns="91440" bIns="45720" rtlCol="0" anchor="t">
-            <a:normAutofit fontScale="92500" lnSpcReduction="20000"/>
+            <a:normAutofit/>
           </a:bodyPr>
           <a:lstStyle>
             <a:lvl1pPr marL="228600" indent="-228600" algn="l" defTabSz="914400" rtl="0" eaLnBrk="1" latinLnBrk="1" hangingPunct="1">
@@ -7166,67 +7284,491 @@
             </a:lvl9pPr>
           </a:lstStyle>
           <a:p>
+            <a:pPr latinLnBrk="0"/>
             <a:r>
               <a:rPr lang="ko-KR" altLang="en-US" dirty="0"/>
-              <a:t>와이파이나 블루투스를 사용 할 라면 복잡한 구조가 됨 </a:t>
+              <a:t>이 센서의 </a:t>
+            </a:r>
+            <a:r>
+              <a:rPr lang="en-US" altLang="ko-KR" dirty="0"/>
+              <a:t>FOV</a:t>
+            </a:r>
+            <a:r>
+              <a:rPr lang="ko-KR" altLang="en-US" dirty="0"/>
+              <a:t>은 </a:t>
+            </a:r>
+            <a:r>
+              <a:rPr lang="en-US" altLang="ko-KR" dirty="0"/>
+              <a:t>25</a:t>
+            </a:r>
+            <a:r>
+              <a:rPr lang="ko-KR" altLang="en-US" dirty="0"/>
+              <a:t>도</a:t>
             </a:r>
             <a:endParaRPr lang="en-US" altLang="ko-KR" dirty="0"/>
           </a:p>
           <a:p>
+            <a:pPr latinLnBrk="0"/>
             <a:endParaRPr lang="en-US" altLang="ko-KR" dirty="0"/>
           </a:p>
           <a:p>
+            <a:pPr latinLnBrk="0"/>
+            <a:r>
+              <a:rPr lang="ko-KR" altLang="en-US" dirty="0"/>
+              <a:t>화면 각 지점에 </a:t>
+            </a:r>
             <a:r>
               <a:rPr lang="en-US" altLang="ko-KR" dirty="0"/>
-              <a:t> </a:t>
+              <a:t>4</a:t>
             </a:r>
             <a:r>
               <a:rPr lang="ko-KR" altLang="en-US" dirty="0"/>
-              <a:t>학교에 이미 있는 스피커를 이용한 구조</a:t>
+              <a:t>개의 센서를 사용</a:t>
             </a:r>
             <a:endParaRPr lang="en-US" altLang="ko-KR" dirty="0"/>
           </a:p>
           <a:p>
-            <a:pPr marL="0" indent="0">
-              <a:buNone/>
-            </a:pPr>
+            <a:pPr latinLnBrk="0"/>
             <a:endParaRPr lang="en-US" altLang="ko-KR" dirty="0"/>
           </a:p>
           <a:p>
+            <a:pPr latinLnBrk="0"/>
             <a:r>
               <a:rPr lang="ko-KR" altLang="en-US" dirty="0"/>
-              <a:t>소리로 데이터를 전송 받아 게시판을 갱신</a:t>
+              <a:t>두 지점에서 터치 지점까지 거리 측정 하여 위치 파악</a:t>
             </a:r>
             <a:endParaRPr lang="en-US" altLang="ko-KR" dirty="0"/>
           </a:p>
           <a:p>
+            <a:pPr marL="0" latinLnBrk="0"/>
             <a:endParaRPr lang="en-US" altLang="ko-KR" dirty="0"/>
           </a:p>
           <a:p>
+            <a:pPr marL="0" latinLnBrk="0"/>
             <a:endParaRPr lang="en-US" altLang="ko-KR" dirty="0"/>
           </a:p>
           <a:p>
-            <a:pPr marL="0" indent="0">
-              <a:buFont typeface="Arial" panose="020B0604020202020204" pitchFamily="34" charset="0"/>
-              <a:buNone/>
-            </a:pPr>
-            <a:r>
-              <a:rPr lang="en-US" altLang="ko-KR" dirty="0"/>
-              <a:t> </a:t>
-            </a:r>
-          </a:p>
-        </p:txBody>
-      </p:sp>
+            <a:pPr marL="0" latinLnBrk="0"/>
+            <a:endParaRPr lang="en-US" altLang="ko-KR" dirty="0"/>
+          </a:p>
+          <a:p>
+            <a:pPr marL="0" latinLnBrk="0"/>
+            <a:endParaRPr lang="en-US" altLang="ko-KR" dirty="0"/>
+          </a:p>
+          <a:p>
+            <a:pPr marL="0" latinLnBrk="0"/>
+            <a:endParaRPr lang="en-US" altLang="ko-KR" dirty="0"/>
+          </a:p>
+        </p:txBody>
+      </p:sp>
+      <p:grpSp>
+        <p:nvGrpSpPr>
+          <p:cNvPr id="9" name="그룹 8">
+            <a:extLst>
+              <a:ext uri="{FF2B5EF4-FFF2-40B4-BE49-F238E27FC236}">
+                <a16:creationId xmlns:a16="http://schemas.microsoft.com/office/drawing/2014/main" id="{49FD3D35-C30C-4BF0-B0F0-CA36F95A6D09}"/>
+              </a:ext>
+            </a:extLst>
+          </p:cNvPr>
+          <p:cNvGrpSpPr/>
+          <p:nvPr/>
+        </p:nvGrpSpPr>
+        <p:grpSpPr>
+          <a:xfrm>
+            <a:off x="1170879" y="3869473"/>
+            <a:ext cx="4984594" cy="1159727"/>
+            <a:chOff x="1585391" y="4431740"/>
+            <a:chExt cx="4770806" cy="967191"/>
+          </a:xfrm>
+        </p:grpSpPr>
+        <p:cxnSp>
+          <p:nvCxnSpPr>
+            <p:cNvPr id="11" name="직선 화살표 연결선 10">
+              <a:extLst>
+                <a:ext uri="{FF2B5EF4-FFF2-40B4-BE49-F238E27FC236}">
+                  <a16:creationId xmlns:a16="http://schemas.microsoft.com/office/drawing/2014/main" id="{58167767-FC01-48A6-8717-703CF86BD763}"/>
+                </a:ext>
+              </a:extLst>
+            </p:cNvPr>
+            <p:cNvCxnSpPr>
+              <a:cxnSpLocks/>
+            </p:cNvCxnSpPr>
+            <p:nvPr/>
+          </p:nvCxnSpPr>
+          <p:spPr>
+            <a:xfrm flipV="1">
+              <a:off x="1585392" y="4705815"/>
+              <a:ext cx="768898" cy="691856"/>
+            </a:xfrm>
+            <a:prstGeom prst="straightConnector1">
+              <a:avLst/>
+            </a:prstGeom>
+            <a:ln>
+              <a:tailEnd type="triangle"/>
+            </a:ln>
+          </p:spPr>
+          <p:style>
+            <a:lnRef idx="1">
+              <a:schemeClr val="accent1"/>
+            </a:lnRef>
+            <a:fillRef idx="0">
+              <a:schemeClr val="accent1"/>
+            </a:fillRef>
+            <a:effectRef idx="0">
+              <a:schemeClr val="accent1"/>
+            </a:effectRef>
+            <a:fontRef idx="minor">
+              <a:schemeClr val="tx1"/>
+            </a:fontRef>
+          </p:style>
+        </p:cxnSp>
+        <p:cxnSp>
+          <p:nvCxnSpPr>
+            <p:cNvPr id="12" name="직선 화살표 연결선 11">
+              <a:extLst>
+                <a:ext uri="{FF2B5EF4-FFF2-40B4-BE49-F238E27FC236}">
+                  <a16:creationId xmlns:a16="http://schemas.microsoft.com/office/drawing/2014/main" id="{6493B86E-5A76-482A-BFE3-852FF3DF7F2A}"/>
+                </a:ext>
+              </a:extLst>
+            </p:cNvPr>
+            <p:cNvCxnSpPr>
+              <a:cxnSpLocks/>
+            </p:cNvCxnSpPr>
+            <p:nvPr/>
+          </p:nvCxnSpPr>
+          <p:spPr>
+            <a:xfrm>
+              <a:off x="1585391" y="5377617"/>
+              <a:ext cx="834424" cy="0"/>
+            </a:xfrm>
+            <a:prstGeom prst="straightConnector1">
+              <a:avLst/>
+            </a:prstGeom>
+            <a:ln>
+              <a:tailEnd type="triangle"/>
+            </a:ln>
+          </p:spPr>
+          <p:style>
+            <a:lnRef idx="1">
+              <a:schemeClr val="accent1"/>
+            </a:lnRef>
+            <a:fillRef idx="0">
+              <a:schemeClr val="accent1"/>
+            </a:fillRef>
+            <a:effectRef idx="0">
+              <a:schemeClr val="accent1"/>
+            </a:effectRef>
+            <a:fontRef idx="minor">
+              <a:schemeClr val="tx1"/>
+            </a:fontRef>
+          </p:style>
+        </p:cxnSp>
+        <p:cxnSp>
+          <p:nvCxnSpPr>
+            <p:cNvPr id="13" name="직선 화살표 연결선 12">
+              <a:extLst>
+                <a:ext uri="{FF2B5EF4-FFF2-40B4-BE49-F238E27FC236}">
+                  <a16:creationId xmlns:a16="http://schemas.microsoft.com/office/drawing/2014/main" id="{33A33E62-4C7F-40A2-B5AA-DA69569AB1E2}"/>
+                </a:ext>
+              </a:extLst>
+            </p:cNvPr>
+            <p:cNvCxnSpPr>
+              <a:cxnSpLocks/>
+            </p:cNvCxnSpPr>
+            <p:nvPr/>
+          </p:nvCxnSpPr>
+          <p:spPr>
+            <a:xfrm flipH="1">
+              <a:off x="5329323" y="5398931"/>
+              <a:ext cx="1026872" cy="0"/>
+            </a:xfrm>
+            <a:prstGeom prst="straightConnector1">
+              <a:avLst/>
+            </a:prstGeom>
+            <a:ln>
+              <a:tailEnd type="triangle"/>
+            </a:ln>
+          </p:spPr>
+          <p:style>
+            <a:lnRef idx="1">
+              <a:schemeClr val="accent1"/>
+            </a:lnRef>
+            <a:fillRef idx="0">
+              <a:schemeClr val="accent1"/>
+            </a:fillRef>
+            <a:effectRef idx="0">
+              <a:schemeClr val="accent1"/>
+            </a:effectRef>
+            <a:fontRef idx="minor">
+              <a:schemeClr val="tx1"/>
+            </a:fontRef>
+          </p:style>
+        </p:cxnSp>
+        <p:cxnSp>
+          <p:nvCxnSpPr>
+            <p:cNvPr id="14" name="직선 화살표 연결선 13">
+              <a:extLst>
+                <a:ext uri="{FF2B5EF4-FFF2-40B4-BE49-F238E27FC236}">
+                  <a16:creationId xmlns:a16="http://schemas.microsoft.com/office/drawing/2014/main" id="{C7CDB724-C7B9-44FC-9A52-A72FE2930881}"/>
+                </a:ext>
+              </a:extLst>
+            </p:cNvPr>
+            <p:cNvCxnSpPr>
+              <a:cxnSpLocks/>
+            </p:cNvCxnSpPr>
+            <p:nvPr/>
+          </p:nvCxnSpPr>
+          <p:spPr>
+            <a:xfrm flipV="1">
+              <a:off x="1585391" y="4527395"/>
+              <a:ext cx="0" cy="850223"/>
+            </a:xfrm>
+            <a:prstGeom prst="straightConnector1">
+              <a:avLst/>
+            </a:prstGeom>
+            <a:ln>
+              <a:tailEnd type="triangle"/>
+            </a:ln>
+          </p:spPr>
+          <p:style>
+            <a:lnRef idx="1">
+              <a:schemeClr val="accent1"/>
+            </a:lnRef>
+            <a:fillRef idx="0">
+              <a:schemeClr val="accent1"/>
+            </a:fillRef>
+            <a:effectRef idx="0">
+              <a:schemeClr val="accent1"/>
+            </a:effectRef>
+            <a:fontRef idx="minor">
+              <a:schemeClr val="tx1"/>
+            </a:fontRef>
+          </p:style>
+        </p:cxnSp>
+        <p:cxnSp>
+          <p:nvCxnSpPr>
+            <p:cNvPr id="15" name="직선 화살표 연결선 14">
+              <a:extLst>
+                <a:ext uri="{FF2B5EF4-FFF2-40B4-BE49-F238E27FC236}">
+                  <a16:creationId xmlns:a16="http://schemas.microsoft.com/office/drawing/2014/main" id="{052AF412-3B26-46E4-91A7-AA7F6DB8F274}"/>
+                </a:ext>
+              </a:extLst>
+            </p:cNvPr>
+            <p:cNvCxnSpPr>
+              <a:cxnSpLocks/>
+            </p:cNvCxnSpPr>
+            <p:nvPr/>
+          </p:nvCxnSpPr>
+          <p:spPr>
+            <a:xfrm flipV="1">
+              <a:off x="6356195" y="4431740"/>
+              <a:ext cx="0" cy="945877"/>
+            </a:xfrm>
+            <a:prstGeom prst="straightConnector1">
+              <a:avLst/>
+            </a:prstGeom>
+            <a:ln>
+              <a:tailEnd type="triangle"/>
+            </a:ln>
+          </p:spPr>
+          <p:style>
+            <a:lnRef idx="1">
+              <a:schemeClr val="accent1"/>
+            </a:lnRef>
+            <a:fillRef idx="0">
+              <a:schemeClr val="accent1"/>
+            </a:fillRef>
+            <a:effectRef idx="0">
+              <a:schemeClr val="accent1"/>
+            </a:effectRef>
+            <a:fontRef idx="minor">
+              <a:schemeClr val="tx1"/>
+            </a:fontRef>
+          </p:style>
+        </p:cxnSp>
+        <p:cxnSp>
+          <p:nvCxnSpPr>
+            <p:cNvPr id="16" name="직선 화살표 연결선 15">
+              <a:extLst>
+                <a:ext uri="{FF2B5EF4-FFF2-40B4-BE49-F238E27FC236}">
+                  <a16:creationId xmlns:a16="http://schemas.microsoft.com/office/drawing/2014/main" id="{74EAE6F7-883F-4E45-9E11-94B61780BC4C}"/>
+                </a:ext>
+              </a:extLst>
+            </p:cNvPr>
+            <p:cNvCxnSpPr>
+              <a:cxnSpLocks/>
+            </p:cNvCxnSpPr>
+            <p:nvPr/>
+          </p:nvCxnSpPr>
+          <p:spPr>
+            <a:xfrm flipH="1" flipV="1">
+              <a:off x="5508702" y="4705815"/>
+              <a:ext cx="847495" cy="690488"/>
+            </a:xfrm>
+            <a:prstGeom prst="straightConnector1">
+              <a:avLst/>
+            </a:prstGeom>
+            <a:ln>
+              <a:tailEnd type="triangle"/>
+            </a:ln>
+          </p:spPr>
+          <p:style>
+            <a:lnRef idx="1">
+              <a:schemeClr val="accent1"/>
+            </a:lnRef>
+            <a:fillRef idx="0">
+              <a:schemeClr val="accent1"/>
+            </a:fillRef>
+            <a:effectRef idx="0">
+              <a:schemeClr val="accent1"/>
+            </a:effectRef>
+            <a:fontRef idx="minor">
+              <a:schemeClr val="tx1"/>
+            </a:fontRef>
+          </p:style>
+        </p:cxnSp>
+      </p:grpSp>
+      <p:pic>
+        <p:nvPicPr>
+          <p:cNvPr id="7" name="그림 6">
+            <a:extLst>
+              <a:ext uri="{FF2B5EF4-FFF2-40B4-BE49-F238E27FC236}">
+                <a16:creationId xmlns:a16="http://schemas.microsoft.com/office/drawing/2014/main" id="{9D6EB7AD-B6A5-408F-BFB1-DDEACCFADD2F}"/>
+              </a:ext>
+            </a:extLst>
+          </p:cNvPr>
+          <p:cNvPicPr>
+            <a:picLocks noChangeAspect="1"/>
+          </p:cNvPicPr>
+          <p:nvPr/>
+        </p:nvPicPr>
+        <p:blipFill>
+          <a:blip r:embed="rId2"/>
+          <a:stretch>
+            <a:fillRect/>
+          </a:stretch>
+        </p:blipFill>
+        <p:spPr>
+          <a:xfrm>
+            <a:off x="3125868" y="3984170"/>
+            <a:ext cx="1247292" cy="1247292"/>
+          </a:xfrm>
+          <a:prstGeom prst="rect">
+            <a:avLst/>
+          </a:prstGeom>
+        </p:spPr>
+      </p:pic>
+      <p:cxnSp>
+        <p:nvCxnSpPr>
+          <p:cNvPr id="18" name="직선 연결선 17">
+            <a:extLst>
+              <a:ext uri="{FF2B5EF4-FFF2-40B4-BE49-F238E27FC236}">
+                <a16:creationId xmlns:a16="http://schemas.microsoft.com/office/drawing/2014/main" id="{5A061270-0B49-4A39-AC7A-802481D68D0D}"/>
+              </a:ext>
+            </a:extLst>
+          </p:cNvPr>
+          <p:cNvCxnSpPr>
+            <a:cxnSpLocks/>
+          </p:cNvCxnSpPr>
+          <p:nvPr/>
+        </p:nvCxnSpPr>
+        <p:spPr>
+          <a:xfrm flipH="1">
+            <a:off x="1198280" y="4081346"/>
+            <a:ext cx="2422004" cy="922297"/>
+          </a:xfrm>
+          <a:prstGeom prst="line">
+            <a:avLst/>
+          </a:prstGeom>
+          <a:ln w="9525" cap="flat" cmpd="sng" algn="ctr">
+            <a:solidFill>
+              <a:schemeClr val="dk1"/>
+            </a:solidFill>
+            <a:prstDash val="dash"/>
+            <a:round/>
+            <a:headEnd type="none" w="med" len="med"/>
+            <a:tailEnd type="none" w="med" len="med"/>
+          </a:ln>
+        </p:spPr>
+        <p:style>
+          <a:lnRef idx="0">
+            <a:scrgbClr r="0" g="0" b="0"/>
+          </a:lnRef>
+          <a:fillRef idx="0">
+            <a:scrgbClr r="0" g="0" b="0"/>
+          </a:fillRef>
+          <a:effectRef idx="0">
+            <a:scrgbClr r="0" g="0" b="0"/>
+          </a:effectRef>
+          <a:fontRef idx="minor">
+            <a:schemeClr val="tx1"/>
+          </a:fontRef>
+        </p:style>
+      </p:cxnSp>
+      <p:cxnSp>
+        <p:nvCxnSpPr>
+          <p:cNvPr id="24" name="직선 연결선 23">
+            <a:extLst>
+              <a:ext uri="{FF2B5EF4-FFF2-40B4-BE49-F238E27FC236}">
+                <a16:creationId xmlns:a16="http://schemas.microsoft.com/office/drawing/2014/main" id="{7C57AAEE-C3FD-4042-B725-90856CEF2443}"/>
+              </a:ext>
+            </a:extLst>
+          </p:cNvPr>
+          <p:cNvCxnSpPr>
+            <a:cxnSpLocks/>
+          </p:cNvCxnSpPr>
+          <p:nvPr/>
+        </p:nvCxnSpPr>
+        <p:spPr>
+          <a:xfrm>
+            <a:off x="3647685" y="4081346"/>
+            <a:ext cx="2507785" cy="944703"/>
+          </a:xfrm>
+          <a:prstGeom prst="line">
+            <a:avLst/>
+          </a:prstGeom>
+          <a:ln w="9525" cap="flat" cmpd="sng" algn="ctr">
+            <a:solidFill>
+              <a:schemeClr val="dk1"/>
+            </a:solidFill>
+            <a:prstDash val="dash"/>
+            <a:round/>
+            <a:headEnd type="none" w="med" len="med"/>
+            <a:tailEnd type="none" w="med" len="med"/>
+          </a:ln>
+        </p:spPr>
+        <p:style>
+          <a:lnRef idx="0">
+            <a:scrgbClr r="0" g="0" b="0"/>
+          </a:lnRef>
+          <a:fillRef idx="0">
+            <a:scrgbClr r="0" g="0" b="0"/>
+          </a:fillRef>
+          <a:effectRef idx="0">
+            <a:scrgbClr r="0" g="0" b="0"/>
+          </a:effectRef>
+          <a:fontRef idx="minor">
+            <a:schemeClr val="tx1"/>
+          </a:fontRef>
+        </p:style>
+      </p:cxnSp>
     </p:spTree>
     <p:extLst>
       <p:ext uri="{BB962C8B-B14F-4D97-AF65-F5344CB8AC3E}">
-        <p14:creationId xmlns:p14="http://schemas.microsoft.com/office/powerpoint/2010/main" val="634347730"/>
+        <p14:creationId xmlns:p14="http://schemas.microsoft.com/office/powerpoint/2010/main" val="592301140"/>
       </p:ext>
     </p:extLst>
   </p:cSld>
   <p:clrMapOvr>
     <a:masterClrMapping/>
   </p:clrMapOvr>
+  <p:timing>
+    <p:tnLst>
+      <p:par>
+        <p:cTn id="1" dur="indefinite" restart="never" nodeType="tmRoot"/>
+      </p:par>
+    </p:tnLst>
+  </p:timing>
 </p:sld>
 </file>
 
